--- a/präsentation/projekt_wetterballon.pptx
+++ b/präsentation/projekt_wetterballon.pptx
@@ -5,10 +5,10 @@
     <p:sldMasterId id="2147483727" r:id="rId1"/>
   </p:sldMasterIdLst>
   <p:notesMasterIdLst>
-    <p:notesMasterId r:id="rId16"/>
+    <p:notesMasterId r:id="rId18"/>
   </p:notesMasterIdLst>
   <p:handoutMasterIdLst>
-    <p:handoutMasterId r:id="rId17"/>
+    <p:handoutMasterId r:id="rId19"/>
   </p:handoutMasterIdLst>
   <p:sldIdLst>
     <p:sldId id="321" r:id="rId2"/>
@@ -19,12 +19,14 @@
     <p:sldId id="372" r:id="rId7"/>
     <p:sldId id="374" r:id="rId8"/>
     <p:sldId id="375" r:id="rId9"/>
-    <p:sldId id="376" r:id="rId10"/>
-    <p:sldId id="377" r:id="rId11"/>
-    <p:sldId id="379" r:id="rId12"/>
-    <p:sldId id="380" r:id="rId13"/>
-    <p:sldId id="381" r:id="rId14"/>
-    <p:sldId id="382" r:id="rId15"/>
+    <p:sldId id="384" r:id="rId10"/>
+    <p:sldId id="376" r:id="rId11"/>
+    <p:sldId id="377" r:id="rId12"/>
+    <p:sldId id="383" r:id="rId13"/>
+    <p:sldId id="379" r:id="rId14"/>
+    <p:sldId id="380" r:id="rId15"/>
+    <p:sldId id="381" r:id="rId16"/>
+    <p:sldId id="382" r:id="rId17"/>
   </p:sldIdLst>
   <p:sldSz cx="9144000" cy="6858000" type="screen4x3"/>
   <p:notesSz cx="6797675" cy="9926638"/>
@@ -137,6 +139,9 @@
           </p15:clr>
         </p15:guide>
       </p15:sldGuideLst>
+    </p:ext>
+    <p:ext uri="{2D200454-40CA-4A62-9FC3-DE9A4176ACB9}">
+      <p15:notesGuideLst xmlns:p15="http://schemas.microsoft.com/office/powerpoint/2012/main"/>
     </p:ext>
   </p:extLst>
 </p:presentation>
@@ -1073,7 +1078,92 @@
             <a:fld id="{127A2527-8F30-47DF-80B2-0F8CB5C8ED7B}" type="slidenum">
               <a:rPr lang="de-DE" smtClean="0"/>
               <a:pPr/>
-              <a:t>14</a:t>
+              <a:t>12</a:t>
+            </a:fld>
+            <a:endParaRPr lang="de-DE"/>
+          </a:p>
+        </p:txBody>
+      </p:sp>
+    </p:spTree>
+    <p:extLst>
+      <p:ext uri="{BB962C8B-B14F-4D97-AF65-F5344CB8AC3E}">
+        <p14:creationId xmlns:p14="http://schemas.microsoft.com/office/powerpoint/2010/main" val="2988226680"/>
+      </p:ext>
+    </p:extLst>
+  </p:cSld>
+  <p:clrMapOvr>
+    <a:masterClrMapping/>
+  </p:clrMapOvr>
+</p:notes>
+</file>
+
+<file path=ppt/notesSlides/notesSlide6.xml><?xml version="1.0" encoding="utf-8"?>
+<p:notes xmlns:a="http://schemas.openxmlformats.org/drawingml/2006/main" xmlns:r="http://schemas.openxmlformats.org/officeDocument/2006/relationships" xmlns:p="http://schemas.openxmlformats.org/presentationml/2006/main">
+  <p:cSld>
+    <p:spTree>
+      <p:nvGrpSpPr>
+        <p:cNvPr id="1" name=""/>
+        <p:cNvGrpSpPr/>
+        <p:nvPr/>
+      </p:nvGrpSpPr>
+      <p:grpSpPr>
+        <a:xfrm>
+          <a:off x="0" y="0"/>
+          <a:ext cx="0" cy="0"/>
+          <a:chOff x="0" y="0"/>
+          <a:chExt cx="0" cy="0"/>
+        </a:xfrm>
+      </p:grpSpPr>
+      <p:sp>
+        <p:nvSpPr>
+          <p:cNvPr id="2" name="Folienbildplatzhalter 1"/>
+          <p:cNvSpPr>
+            <a:spLocks noGrp="1" noRot="1" noChangeAspect="1"/>
+          </p:cNvSpPr>
+          <p:nvPr>
+            <p:ph type="sldImg"/>
+          </p:nvPr>
+        </p:nvSpPr>
+        <p:spPr/>
+      </p:sp>
+      <p:sp>
+        <p:nvSpPr>
+          <p:cNvPr id="3" name="Notizenplatzhalter 2"/>
+          <p:cNvSpPr>
+            <a:spLocks noGrp="1"/>
+          </p:cNvSpPr>
+          <p:nvPr>
+            <p:ph type="body" idx="1"/>
+          </p:nvPr>
+        </p:nvSpPr>
+        <p:spPr/>
+        <p:txBody>
+          <a:bodyPr/>
+          <a:lstStyle/>
+          <a:p>
+            <a:endParaRPr lang="en-US" dirty="0"/>
+          </a:p>
+        </p:txBody>
+      </p:sp>
+      <p:sp>
+        <p:nvSpPr>
+          <p:cNvPr id="4" name="Foliennummernplatzhalter 3"/>
+          <p:cNvSpPr>
+            <a:spLocks noGrp="1"/>
+          </p:cNvSpPr>
+          <p:nvPr>
+            <p:ph type="sldNum" sz="quarter" idx="10"/>
+          </p:nvPr>
+        </p:nvSpPr>
+        <p:spPr/>
+        <p:txBody>
+          <a:bodyPr/>
+          <a:lstStyle/>
+          <a:p>
+            <a:fld id="{127A2527-8F30-47DF-80B2-0F8CB5C8ED7B}" type="slidenum">
+              <a:rPr lang="de-DE" smtClean="0"/>
+              <a:pPr/>
+              <a:t>16</a:t>
             </a:fld>
             <a:endParaRPr lang="de-DE"/>
           </a:p>
@@ -2641,7 +2731,7 @@
         <p:spPr bwMode="auto">
           <a:xfrm>
             <a:off x="996652" y="4608984"/>
-            <a:ext cx="5145961" cy="707886"/>
+            <a:ext cx="5292026" cy="707886"/>
           </a:xfrm>
           <a:prstGeom prst="rect">
             <a:avLst/>
@@ -2689,7 +2779,7 @@
             </a:r>
             <a:r>
               <a:rPr lang="en-US" sz="2000" dirty="0"/>
-              <a:t>, </a:t>
+              <a:t>, Prof. </a:t>
             </a:r>
             <a:r>
               <a:rPr lang="en-US" sz="2000" dirty="0" err="1"/>
@@ -2713,6 +2803,267 @@
 </file>
 
 <file path=ppt/slides/slide10.xml><?xml version="1.0" encoding="utf-8"?>
+<p:sld xmlns:a="http://schemas.openxmlformats.org/drawingml/2006/main" xmlns:r="http://schemas.openxmlformats.org/officeDocument/2006/relationships" xmlns:p="http://schemas.openxmlformats.org/presentationml/2006/main">
+  <p:cSld>
+    <p:spTree>
+      <p:nvGrpSpPr>
+        <p:cNvPr id="1" name=""/>
+        <p:cNvGrpSpPr/>
+        <p:nvPr/>
+      </p:nvGrpSpPr>
+      <p:grpSpPr>
+        <a:xfrm>
+          <a:off x="0" y="0"/>
+          <a:ext cx="0" cy="0"/>
+          <a:chOff x="0" y="0"/>
+          <a:chExt cx="0" cy="0"/>
+        </a:xfrm>
+      </p:grpSpPr>
+      <p:sp>
+        <p:nvSpPr>
+          <p:cNvPr id="2" name="Titel 1">
+            <a:extLst>
+              <a:ext uri="{FF2B5EF4-FFF2-40B4-BE49-F238E27FC236}">
+                <a16:creationId xmlns:a16="http://schemas.microsoft.com/office/drawing/2014/main" id="{62D950C9-4666-44EC-AC5E-89F87CBDEB6E}"/>
+              </a:ext>
+            </a:extLst>
+          </p:cNvPr>
+          <p:cNvSpPr>
+            <a:spLocks noGrp="1"/>
+          </p:cNvSpPr>
+          <p:nvPr>
+            <p:ph type="title"/>
+          </p:nvPr>
+        </p:nvSpPr>
+        <p:spPr/>
+        <p:txBody>
+          <a:bodyPr/>
+          <a:lstStyle/>
+          <a:p>
+            <a:r>
+              <a:rPr lang="de-DE" dirty="0" err="1"/>
+              <a:t>LoRaWAN</a:t>
+            </a:r>
+            <a:r>
+              <a:rPr lang="de-DE" dirty="0"/>
+              <a:t> - </a:t>
+            </a:r>
+            <a:r>
+              <a:rPr lang="en-US" dirty="0"/>
+              <a:t>Long Range Wide Area Network</a:t>
+            </a:r>
+          </a:p>
+        </p:txBody>
+      </p:sp>
+      <p:sp>
+        <p:nvSpPr>
+          <p:cNvPr id="3" name="Inhaltsplatzhalter 2">
+            <a:extLst>
+              <a:ext uri="{FF2B5EF4-FFF2-40B4-BE49-F238E27FC236}">
+                <a16:creationId xmlns:a16="http://schemas.microsoft.com/office/drawing/2014/main" id="{CBE2AD37-B062-4F97-86B3-FB465BF19EF6}"/>
+              </a:ext>
+            </a:extLst>
+          </p:cNvPr>
+          <p:cNvSpPr>
+            <a:spLocks noGrp="1"/>
+          </p:cNvSpPr>
+          <p:nvPr>
+            <p:ph idx="1"/>
+          </p:nvPr>
+        </p:nvSpPr>
+        <p:spPr>
+          <a:xfrm>
+            <a:off x="763200" y="1772816"/>
+            <a:ext cx="6617112" cy="4933984"/>
+          </a:xfrm>
+        </p:spPr>
+        <p:txBody>
+          <a:bodyPr/>
+          <a:lstStyle/>
+          <a:p>
+            <a:r>
+              <a:rPr lang="de-DE" dirty="0"/>
+              <a:t>Frei verfügbare Spezifikation</a:t>
+            </a:r>
+          </a:p>
+          <a:p>
+            <a:r>
+              <a:rPr lang="de-DE" dirty="0"/>
+              <a:t>Nutzt proprietäre Modulationstechnik </a:t>
+            </a:r>
+            <a:r>
+              <a:rPr lang="de-DE" dirty="0" err="1">
+                <a:solidFill>
+                  <a:srgbClr val="00549F"/>
+                </a:solidFill>
+                <a:latin typeface="+mj-lt"/>
+                <a:ea typeface="+mj-ea"/>
+                <a:cs typeface="+mj-cs"/>
+              </a:rPr>
+              <a:t>LoRa</a:t>
+            </a:r>
+            <a:endParaRPr lang="de-DE" dirty="0">
+              <a:solidFill>
+                <a:srgbClr val="00549F"/>
+              </a:solidFill>
+              <a:latin typeface="+mj-lt"/>
+              <a:ea typeface="+mj-ea"/>
+              <a:cs typeface="+mj-cs"/>
+            </a:endParaRPr>
+          </a:p>
+          <a:p>
+            <a:r>
+              <a:rPr lang="de-DE" dirty="0">
+                <a:latin typeface="+mj-lt"/>
+                <a:ea typeface="+mj-ea"/>
+                <a:cs typeface="+mj-cs"/>
+              </a:rPr>
+              <a:t>Für energieeffiziente </a:t>
+            </a:r>
+            <a:r>
+              <a:rPr lang="de-DE" dirty="0" err="1">
+                <a:latin typeface="+mj-lt"/>
+                <a:ea typeface="+mj-ea"/>
+                <a:cs typeface="+mj-cs"/>
+              </a:rPr>
+              <a:t>IoT</a:t>
+            </a:r>
+            <a:r>
+              <a:rPr lang="de-DE" dirty="0">
+                <a:latin typeface="+mj-lt"/>
+                <a:ea typeface="+mj-ea"/>
+                <a:cs typeface="+mj-cs"/>
+              </a:rPr>
+              <a:t> Geräte ausgerichtet</a:t>
+            </a:r>
+          </a:p>
+          <a:p>
+            <a:r>
+              <a:rPr lang="de-DE" dirty="0">
+                <a:latin typeface="+mj-lt"/>
+                <a:ea typeface="+mj-ea"/>
+                <a:cs typeface="+mj-cs"/>
+              </a:rPr>
+              <a:t>Hohe Reichweiten: </a:t>
+            </a:r>
+            <a:r>
+              <a:rPr lang="de-DE" dirty="0">
+                <a:solidFill>
+                  <a:srgbClr val="00549F"/>
+                </a:solidFill>
+                <a:latin typeface="+mj-lt"/>
+                <a:ea typeface="+mj-ea"/>
+                <a:cs typeface="+mj-cs"/>
+              </a:rPr>
+              <a:t>&gt;10km</a:t>
+            </a:r>
+          </a:p>
+          <a:p>
+            <a:r>
+              <a:rPr lang="de-DE" dirty="0">
+                <a:latin typeface="+mj-lt"/>
+                <a:ea typeface="+mj-ea"/>
+                <a:cs typeface="+mj-cs"/>
+              </a:rPr>
+              <a:t>Übertragung: </a:t>
+            </a:r>
+            <a:r>
+              <a:rPr lang="de-DE" dirty="0">
+                <a:solidFill>
+                  <a:srgbClr val="00549F"/>
+                </a:solidFill>
+                <a:latin typeface="+mj-lt"/>
+                <a:ea typeface="+mj-ea"/>
+                <a:cs typeface="+mj-cs"/>
+              </a:rPr>
+              <a:t>300Bit/s – 50KBit/s</a:t>
+            </a:r>
+          </a:p>
+          <a:p>
+            <a:r>
+              <a:rPr lang="de-DE" dirty="0"/>
+              <a:t>Keine </a:t>
+            </a:r>
+            <a:r>
+              <a:rPr lang="de-DE" dirty="0" err="1"/>
+              <a:t>Funkerlizenz</a:t>
+            </a:r>
+            <a:r>
+              <a:rPr lang="de-DE" dirty="0"/>
+              <a:t> nötig auf </a:t>
+            </a:r>
+            <a:r>
+              <a:rPr lang="de-DE" dirty="0">
+                <a:solidFill>
+                  <a:srgbClr val="00549F"/>
+                </a:solidFill>
+                <a:latin typeface="+mj-lt"/>
+                <a:ea typeface="+mj-ea"/>
+                <a:cs typeface="+mj-cs"/>
+              </a:rPr>
+              <a:t>433 MHz</a:t>
+            </a:r>
+            <a:endParaRPr lang="en-US" dirty="0">
+              <a:solidFill>
+                <a:srgbClr val="00549F"/>
+              </a:solidFill>
+              <a:latin typeface="+mj-lt"/>
+              <a:ea typeface="+mj-ea"/>
+              <a:cs typeface="+mj-cs"/>
+            </a:endParaRPr>
+          </a:p>
+        </p:txBody>
+      </p:sp>
+      <p:pic>
+        <p:nvPicPr>
+          <p:cNvPr id="5" name="Grafik 4">
+            <a:extLst>
+              <a:ext uri="{FF2B5EF4-FFF2-40B4-BE49-F238E27FC236}">
+                <a16:creationId xmlns:a16="http://schemas.microsoft.com/office/drawing/2014/main" id="{DF0605F5-C041-4A70-834A-039DDE4BEB6E}"/>
+              </a:ext>
+            </a:extLst>
+          </p:cNvPr>
+          <p:cNvPicPr>
+            <a:picLocks noChangeAspect="1"/>
+          </p:cNvPicPr>
+          <p:nvPr/>
+        </p:nvPicPr>
+        <p:blipFill>
+          <a:blip r:embed="rId2" cstate="print">
+            <a:extLst>
+              <a:ext uri="{28A0092B-C50C-407E-A947-70E740481C1C}">
+                <a14:useLocalDpi xmlns:a14="http://schemas.microsoft.com/office/drawing/2010/main" val="0"/>
+              </a:ext>
+            </a:extLst>
+          </a:blip>
+          <a:stretch>
+            <a:fillRect/>
+          </a:stretch>
+        </p:blipFill>
+        <p:spPr>
+          <a:xfrm>
+            <a:off x="6616531" y="1423485"/>
+            <a:ext cx="2419469" cy="1512168"/>
+          </a:xfrm>
+          <a:prstGeom prst="rect">
+            <a:avLst/>
+          </a:prstGeom>
+        </p:spPr>
+      </p:pic>
+    </p:spTree>
+    <p:extLst>
+      <p:ext uri="{BB962C8B-B14F-4D97-AF65-F5344CB8AC3E}">
+        <p14:creationId xmlns:p14="http://schemas.microsoft.com/office/powerpoint/2010/main" val="3562721888"/>
+      </p:ext>
+    </p:extLst>
+  </p:cSld>
+  <p:clrMapOvr>
+    <a:masterClrMapping/>
+  </p:clrMapOvr>
+</p:sld>
+</file>
+
+<file path=ppt/slides/slide11.xml><?xml version="1.0" encoding="utf-8"?>
 <p:sld xmlns:a="http://schemas.openxmlformats.org/drawingml/2006/main" xmlns:r="http://schemas.openxmlformats.org/officeDocument/2006/relationships" xmlns:p="http://schemas.openxmlformats.org/presentationml/2006/main">
   <p:cSld>
     <p:spTree>
@@ -2843,7 +3194,7 @@
                 <a:ea typeface="+mj-ea"/>
                 <a:cs typeface="+mj-cs"/>
               </a:rPr>
-              <a:t>+-600Hz</a:t>
+              <a:t>- 600Hz</a:t>
             </a:r>
             <a:endParaRPr lang="de-DE" dirty="0">
               <a:solidFill>
@@ -2992,7 +3343,242 @@
 </p:sld>
 </file>
 
-<file path=ppt/slides/slide11.xml><?xml version="1.0" encoding="utf-8"?>
+<file path=ppt/slides/slide12.xml><?xml version="1.0" encoding="utf-8"?>
+<p:sld xmlns:a="http://schemas.openxmlformats.org/drawingml/2006/main" xmlns:r="http://schemas.openxmlformats.org/officeDocument/2006/relationships" xmlns:p="http://schemas.openxmlformats.org/presentationml/2006/main">
+  <p:cSld>
+    <p:spTree>
+      <p:nvGrpSpPr>
+        <p:cNvPr id="1" name=""/>
+        <p:cNvGrpSpPr/>
+        <p:nvPr/>
+      </p:nvGrpSpPr>
+      <p:grpSpPr>
+        <a:xfrm>
+          <a:off x="0" y="0"/>
+          <a:ext cx="0" cy="0"/>
+          <a:chOff x="0" y="0"/>
+          <a:chExt cx="0" cy="0"/>
+        </a:xfrm>
+      </p:grpSpPr>
+      <p:sp>
+        <p:nvSpPr>
+          <p:cNvPr id="2" name="Titel 1">
+            <a:extLst>
+              <a:ext uri="{FF2B5EF4-FFF2-40B4-BE49-F238E27FC236}">
+                <a16:creationId xmlns:a16="http://schemas.microsoft.com/office/drawing/2014/main" id="{62D950C9-4666-44EC-AC5E-89F87CBDEB6E}"/>
+              </a:ext>
+            </a:extLst>
+          </p:cNvPr>
+          <p:cNvSpPr>
+            <a:spLocks noGrp="1"/>
+          </p:cNvSpPr>
+          <p:nvPr>
+            <p:ph type="title"/>
+          </p:nvPr>
+        </p:nvSpPr>
+        <p:spPr/>
+        <p:txBody>
+          <a:bodyPr/>
+          <a:lstStyle/>
+          <a:p>
+            <a:r>
+              <a:rPr lang="de-DE" dirty="0" err="1"/>
+              <a:t>Downlink</a:t>
+            </a:r>
+            <a:endParaRPr lang="en-US" dirty="0"/>
+          </a:p>
+        </p:txBody>
+      </p:sp>
+      <p:sp>
+        <p:nvSpPr>
+          <p:cNvPr id="5" name="Inhaltsplatzhalter 4">
+            <a:extLst>
+              <a:ext uri="{FF2B5EF4-FFF2-40B4-BE49-F238E27FC236}">
+                <a16:creationId xmlns:a16="http://schemas.microsoft.com/office/drawing/2014/main" id="{99409907-EA3B-4562-88EF-E6F8BE2E1119}"/>
+              </a:ext>
+            </a:extLst>
+          </p:cNvPr>
+          <p:cNvSpPr>
+            <a:spLocks noGrp="1"/>
+          </p:cNvSpPr>
+          <p:nvPr>
+            <p:ph idx="1"/>
+          </p:nvPr>
+        </p:nvSpPr>
+        <p:spPr>
+          <a:xfrm>
+            <a:off x="763200" y="1988840"/>
+            <a:ext cx="8229600" cy="4717960"/>
+          </a:xfrm>
+        </p:spPr>
+        <p:txBody>
+          <a:bodyPr/>
+          <a:lstStyle/>
+          <a:p>
+            <a:r>
+              <a:rPr lang="de-DE" dirty="0" err="1"/>
+              <a:t>LoRa</a:t>
+            </a:r>
+            <a:endParaRPr lang="de-DE" dirty="0"/>
+          </a:p>
+          <a:p>
+            <a:pPr lvl="1"/>
+            <a:r>
+              <a:rPr lang="de-DE" dirty="0"/>
+              <a:t>rapsi_1 sammelt und kodiert Daten</a:t>
+            </a:r>
+          </a:p>
+          <a:p>
+            <a:pPr lvl="1"/>
+            <a:r>
+              <a:rPr lang="de-DE" dirty="0" err="1"/>
+              <a:t>dl_lora</a:t>
+            </a:r>
+            <a:r>
+              <a:rPr lang="de-DE" dirty="0"/>
+              <a:t> sendet GPS und Messdaten alle </a:t>
+            </a:r>
+            <a:r>
+              <a:rPr lang="de-DE" dirty="0">
+                <a:solidFill>
+                  <a:srgbClr val="00549F"/>
+                </a:solidFill>
+                <a:latin typeface="+mj-lt"/>
+                <a:ea typeface="+mj-ea"/>
+                <a:cs typeface="+mj-cs"/>
+              </a:rPr>
+              <a:t>10 Sekunden</a:t>
+            </a:r>
+          </a:p>
+          <a:p>
+            <a:pPr lvl="1"/>
+            <a:endParaRPr lang="de-DE" dirty="0"/>
+          </a:p>
+          <a:p>
+            <a:r>
+              <a:rPr lang="de-DE" dirty="0"/>
+              <a:t>RTTY</a:t>
+            </a:r>
+          </a:p>
+          <a:p>
+            <a:pPr lvl="1"/>
+            <a:r>
+              <a:rPr lang="de-DE" dirty="0"/>
+              <a:t>raspi_2 komprimiert Bilder: </a:t>
+            </a:r>
+            <a:r>
+              <a:rPr lang="de-DE" dirty="0">
+                <a:solidFill>
+                  <a:srgbClr val="00549F"/>
+                </a:solidFill>
+                <a:latin typeface="+mj-lt"/>
+                <a:ea typeface="+mj-ea"/>
+                <a:cs typeface="+mj-cs"/>
+              </a:rPr>
+              <a:t>2592x1944 </a:t>
+            </a:r>
+            <a:r>
+              <a:rPr lang="de-DE" dirty="0">
+                <a:solidFill>
+                  <a:srgbClr val="00549F"/>
+                </a:solidFill>
+                <a:latin typeface="+mj-lt"/>
+                <a:ea typeface="+mj-ea"/>
+                <a:cs typeface="+mj-cs"/>
+                <a:sym typeface="Wingdings" panose="05000000000000000000" pitchFamily="2" charset="2"/>
+              </a:rPr>
+              <a:t> 512x384</a:t>
+            </a:r>
+            <a:endParaRPr lang="de-DE" dirty="0">
+              <a:solidFill>
+                <a:srgbClr val="00549F"/>
+              </a:solidFill>
+              <a:latin typeface="+mj-lt"/>
+              <a:ea typeface="+mj-ea"/>
+              <a:cs typeface="+mj-cs"/>
+            </a:endParaRPr>
+          </a:p>
+          <a:p>
+            <a:pPr lvl="1"/>
+            <a:r>
+              <a:rPr lang="de-DE" dirty="0" err="1"/>
+              <a:t>dl_rtty</a:t>
+            </a:r>
+            <a:r>
+              <a:rPr lang="de-DE" dirty="0"/>
+              <a:t> sendet Bilder alle </a:t>
+            </a:r>
+            <a:r>
+              <a:rPr lang="de-DE" dirty="0">
+                <a:solidFill>
+                  <a:srgbClr val="00549F"/>
+                </a:solidFill>
+                <a:latin typeface="+mj-lt"/>
+                <a:ea typeface="+mj-ea"/>
+                <a:cs typeface="+mj-cs"/>
+              </a:rPr>
+              <a:t>10 Sekunden </a:t>
+            </a:r>
+            <a:r>
+              <a:rPr lang="de-DE" dirty="0">
+                <a:latin typeface="+mj-lt"/>
+                <a:ea typeface="+mj-ea"/>
+                <a:cs typeface="+mj-cs"/>
+              </a:rPr>
+              <a:t>mit SSDV</a:t>
+            </a:r>
+          </a:p>
+          <a:p>
+            <a:pPr lvl="1"/>
+            <a:r>
+              <a:rPr lang="en-US" dirty="0"/>
+              <a:t>Slow Scan Digital Video (SSDV) </a:t>
+            </a:r>
+            <a:r>
+              <a:rPr lang="en-US" dirty="0" err="1"/>
+              <a:t>mit</a:t>
+            </a:r>
+            <a:r>
+              <a:rPr lang="en-US" dirty="0"/>
+              <a:t> </a:t>
+            </a:r>
+            <a:r>
+              <a:rPr lang="en-US" dirty="0" err="1"/>
+              <a:t>Fehlerkorrektur</a:t>
+            </a:r>
+            <a:endParaRPr lang="de-DE" dirty="0">
+              <a:solidFill>
+                <a:srgbClr val="00549F"/>
+              </a:solidFill>
+              <a:latin typeface="+mj-lt"/>
+              <a:ea typeface="+mj-ea"/>
+              <a:cs typeface="+mj-cs"/>
+            </a:endParaRPr>
+          </a:p>
+          <a:p>
+            <a:pPr lvl="1"/>
+            <a:endParaRPr lang="de-DE" dirty="0"/>
+          </a:p>
+          <a:p>
+            <a:pPr lvl="1"/>
+            <a:endParaRPr lang="en-US" dirty="0"/>
+          </a:p>
+        </p:txBody>
+      </p:sp>
+    </p:spTree>
+    <p:extLst>
+      <p:ext uri="{BB962C8B-B14F-4D97-AF65-F5344CB8AC3E}">
+        <p14:creationId xmlns:p14="http://schemas.microsoft.com/office/powerpoint/2010/main" val="3206311453"/>
+      </p:ext>
+    </p:extLst>
+  </p:cSld>
+  <p:clrMapOvr>
+    <a:masterClrMapping/>
+  </p:clrMapOvr>
+</p:sld>
+</file>
+
+<file path=ppt/slides/slide13.xml><?xml version="1.0" encoding="utf-8"?>
 <p:sld xmlns:a="http://schemas.openxmlformats.org/drawingml/2006/main" xmlns:r="http://schemas.openxmlformats.org/officeDocument/2006/relationships" xmlns:p="http://schemas.openxmlformats.org/presentationml/2006/main">
   <p:cSld>
     <p:spTree>
@@ -3169,7 +3755,7 @@
 </p:sld>
 </file>
 
-<file path=ppt/slides/slide12.xml><?xml version="1.0" encoding="utf-8"?>
+<file path=ppt/slides/slide14.xml><?xml version="1.0" encoding="utf-8"?>
 <p:sld xmlns:a="http://schemas.openxmlformats.org/drawingml/2006/main" xmlns:r="http://schemas.openxmlformats.org/officeDocument/2006/relationships" xmlns:p="http://schemas.openxmlformats.org/presentationml/2006/main">
   <p:cSld>
     <p:spTree>
@@ -3299,7 +3885,7 @@
 </p:sld>
 </file>
 
-<file path=ppt/slides/slide13.xml><?xml version="1.0" encoding="utf-8"?>
+<file path=ppt/slides/slide15.xml><?xml version="1.0" encoding="utf-8"?>
 <p:sld xmlns:a="http://schemas.openxmlformats.org/drawingml/2006/main" xmlns:r="http://schemas.openxmlformats.org/officeDocument/2006/relationships" xmlns:p="http://schemas.openxmlformats.org/presentationml/2006/main">
   <p:cSld>
     <p:spTree>
@@ -3429,7 +4015,7 @@
 </p:sld>
 </file>
 
-<file path=ppt/slides/slide14.xml><?xml version="1.0" encoding="utf-8"?>
+<file path=ppt/slides/slide16.xml><?xml version="1.0" encoding="utf-8"?>
 <p:sld xmlns:a="http://schemas.openxmlformats.org/drawingml/2006/main" xmlns:r="http://schemas.openxmlformats.org/officeDocument/2006/relationships" xmlns:p="http://schemas.openxmlformats.org/presentationml/2006/main">
   <p:cSld>
     <p:spTree>
@@ -3873,7 +4459,7 @@
                 <a:ea typeface="+mj-ea"/>
                 <a:cs typeface="+mj-cs"/>
               </a:rPr>
-              <a:t>20km</a:t>
+              <a:t>30km</a:t>
             </a:r>
             <a:r>
               <a:rPr lang="de-DE" dirty="0"/>
@@ -10605,10 +11191,10 @@
       </p:cxnSp>
       <p:sp>
         <p:nvSpPr>
-          <p:cNvPr id="140" name="Rechteck 139">
+          <p:cNvPr id="57" name="Rechteck 56">
             <a:extLst>
               <a:ext uri="{FF2B5EF4-FFF2-40B4-BE49-F238E27FC236}">
-                <a16:creationId xmlns:a16="http://schemas.microsoft.com/office/drawing/2014/main" id="{307954C7-01E3-452B-9F28-BA9EBE8AF1E6}"/>
+                <a16:creationId xmlns:a16="http://schemas.microsoft.com/office/drawing/2014/main" id="{29AC27E9-0F20-45F8-8DFD-6567DBC24725}"/>
               </a:ext>
             </a:extLst>
           </p:cNvPr>
@@ -10617,7 +11203,7 @@
         </p:nvSpPr>
         <p:spPr bwMode="auto">
           <a:xfrm>
-            <a:off x="3714439" y="5756160"/>
+            <a:off x="5450982" y="1955852"/>
             <a:ext cx="206447" cy="214693"/>
           </a:xfrm>
           <a:prstGeom prst="rect">
@@ -10768,10 +11354,10 @@
       </p:sp>
       <p:sp>
         <p:nvSpPr>
-          <p:cNvPr id="141" name="Rechteck 140">
+          <p:cNvPr id="58" name="Rechteck 57">
             <a:extLst>
               <a:ext uri="{FF2B5EF4-FFF2-40B4-BE49-F238E27FC236}">
-                <a16:creationId xmlns:a16="http://schemas.microsoft.com/office/drawing/2014/main" id="{9B1A0830-6FE2-45CF-B2DE-EAAC2A2CE468}"/>
+                <a16:creationId xmlns:a16="http://schemas.microsoft.com/office/drawing/2014/main" id="{4EDEAC85-EFDF-4859-A26B-E3F93AC7A8EF}"/>
               </a:ext>
             </a:extLst>
           </p:cNvPr>
@@ -10780,7 +11366,7 @@
         </p:nvSpPr>
         <p:spPr bwMode="auto">
           <a:xfrm>
-            <a:off x="1926123" y="5547880"/>
+            <a:off x="3662666" y="1747572"/>
             <a:ext cx="1059056" cy="648072"/>
           </a:xfrm>
           <a:prstGeom prst="rect">
@@ -10931,10 +11517,10 @@
       </p:sp>
       <p:sp>
         <p:nvSpPr>
-          <p:cNvPr id="142" name="Rechteck 141">
+          <p:cNvPr id="59" name="Rechteck 58">
             <a:extLst>
               <a:ext uri="{FF2B5EF4-FFF2-40B4-BE49-F238E27FC236}">
-                <a16:creationId xmlns:a16="http://schemas.microsoft.com/office/drawing/2014/main" id="{10330F4B-72CB-41B5-874F-8625030401FD}"/>
+                <a16:creationId xmlns:a16="http://schemas.microsoft.com/office/drawing/2014/main" id="{AE959928-0D0D-42CD-A627-3E0C75032D7E}"/>
               </a:ext>
             </a:extLst>
           </p:cNvPr>
@@ -10943,7 +11529,7 @@
         </p:nvSpPr>
         <p:spPr>
           <a:xfrm>
-            <a:off x="1917038" y="5605893"/>
+            <a:off x="3653581" y="1805585"/>
             <a:ext cx="1059056" cy="523220"/>
           </a:xfrm>
           <a:prstGeom prst="rect">
@@ -11105,10 +11691,10 @@
       </p:sp>
       <p:sp>
         <p:nvSpPr>
-          <p:cNvPr id="143" name="Rechteck 142">
+          <p:cNvPr id="68" name="Rechteck 67">
             <a:extLst>
               <a:ext uri="{FF2B5EF4-FFF2-40B4-BE49-F238E27FC236}">
-                <a16:creationId xmlns:a16="http://schemas.microsoft.com/office/drawing/2014/main" id="{9C8B214B-C9AB-45AC-A88C-D29EF7E9B1BC}"/>
+                <a16:creationId xmlns:a16="http://schemas.microsoft.com/office/drawing/2014/main" id="{248214C3-EAD4-458D-B8FC-6994AEBE53E5}"/>
               </a:ext>
             </a:extLst>
           </p:cNvPr>
@@ -11117,7 +11703,7 @@
         </p:nvSpPr>
         <p:spPr bwMode="auto">
           <a:xfrm>
-            <a:off x="2893689" y="5756160"/>
+            <a:off x="4630232" y="1955852"/>
             <a:ext cx="206447" cy="214693"/>
           </a:xfrm>
           <a:prstGeom prst="rect">
@@ -11268,23 +11854,23 @@
       </p:sp>
       <p:cxnSp>
         <p:nvCxnSpPr>
-          <p:cNvPr id="144" name="Gewinkelte Verbindung 50">
+          <p:cNvPr id="69" name="Gewinkelte Verbindung 50">
             <a:extLst>
               <a:ext uri="{FF2B5EF4-FFF2-40B4-BE49-F238E27FC236}">
-                <a16:creationId xmlns:a16="http://schemas.microsoft.com/office/drawing/2014/main" id="{B780398A-B4FB-469B-9D90-ABC5FA83785C}"/>
+                <a16:creationId xmlns:a16="http://schemas.microsoft.com/office/drawing/2014/main" id="{D20F98BD-B7B5-46A4-88BB-CB40448D5EFC}"/>
               </a:ext>
             </a:extLst>
           </p:cNvPr>
           <p:cNvCxnSpPr>
             <a:cxnSpLocks/>
-            <a:stCxn id="140" idx="1"/>
-            <a:endCxn id="143" idx="3"/>
+            <a:stCxn id="57" idx="1"/>
+            <a:endCxn id="68" idx="3"/>
           </p:cNvCxnSpPr>
           <p:nvPr/>
         </p:nvCxnSpPr>
         <p:spPr>
           <a:xfrm flipH="1">
-            <a:off x="3100136" y="5863507"/>
+            <a:off x="4836679" y="2063199"/>
             <a:ext cx="614303" cy="0"/>
           </a:xfrm>
           <a:prstGeom prst="straightConnector1">
@@ -17771,705 +18357,6 @@
       </p:cxnSp>
       <p:sp>
         <p:nvSpPr>
-          <p:cNvPr id="140" name="Rechteck 139">
-            <a:extLst>
-              <a:ext uri="{FF2B5EF4-FFF2-40B4-BE49-F238E27FC236}">
-                <a16:creationId xmlns:a16="http://schemas.microsoft.com/office/drawing/2014/main" id="{307954C7-01E3-452B-9F28-BA9EBE8AF1E6}"/>
-              </a:ext>
-            </a:extLst>
-          </p:cNvPr>
-          <p:cNvSpPr/>
-          <p:nvPr/>
-        </p:nvSpPr>
-        <p:spPr bwMode="auto">
-          <a:xfrm>
-            <a:off x="3714439" y="5756160"/>
-            <a:ext cx="206447" cy="214693"/>
-          </a:xfrm>
-          <a:prstGeom prst="rect">
-            <a:avLst/>
-          </a:prstGeom>
-          <a:solidFill>
-            <a:srgbClr val="FFFFFF"/>
-          </a:solidFill>
-          <a:ln w="9525" cap="flat" cmpd="sng" algn="ctr">
-            <a:solidFill>
-              <a:srgbClr val="000000"/>
-            </a:solidFill>
-            <a:prstDash val="solid"/>
-          </a:ln>
-          <a:effectLst/>
-        </p:spPr>
-        <p:txBody>
-          <a:bodyPr anchor="ctr"/>
-          <a:lstStyle>
-            <a:defPPr>
-              <a:defRPr lang="de-DE"/>
-            </a:defPPr>
-            <a:lvl1pPr marL="0" algn="l" defTabSz="914400" rtl="0" eaLnBrk="1" latinLnBrk="0" hangingPunct="1">
-              <a:defRPr sz="1800" kern="1200">
-                <a:solidFill>
-                  <a:schemeClr val="tx1"/>
-                </a:solidFill>
-                <a:latin typeface="+mn-lt"/>
-                <a:ea typeface="+mn-ea"/>
-                <a:cs typeface="+mn-cs"/>
-              </a:defRPr>
-            </a:lvl1pPr>
-            <a:lvl2pPr marL="457200" algn="l" defTabSz="914400" rtl="0" eaLnBrk="1" latinLnBrk="0" hangingPunct="1">
-              <a:defRPr sz="1800" kern="1200">
-                <a:solidFill>
-                  <a:schemeClr val="tx1"/>
-                </a:solidFill>
-                <a:latin typeface="+mn-lt"/>
-                <a:ea typeface="+mn-ea"/>
-                <a:cs typeface="+mn-cs"/>
-              </a:defRPr>
-            </a:lvl2pPr>
-            <a:lvl3pPr marL="914400" algn="l" defTabSz="914400" rtl="0" eaLnBrk="1" latinLnBrk="0" hangingPunct="1">
-              <a:defRPr sz="1800" kern="1200">
-                <a:solidFill>
-                  <a:schemeClr val="tx1"/>
-                </a:solidFill>
-                <a:latin typeface="+mn-lt"/>
-                <a:ea typeface="+mn-ea"/>
-                <a:cs typeface="+mn-cs"/>
-              </a:defRPr>
-            </a:lvl3pPr>
-            <a:lvl4pPr marL="1371600" algn="l" defTabSz="914400" rtl="0" eaLnBrk="1" latinLnBrk="0" hangingPunct="1">
-              <a:defRPr sz="1800" kern="1200">
-                <a:solidFill>
-                  <a:schemeClr val="tx1"/>
-                </a:solidFill>
-                <a:latin typeface="+mn-lt"/>
-                <a:ea typeface="+mn-ea"/>
-                <a:cs typeface="+mn-cs"/>
-              </a:defRPr>
-            </a:lvl4pPr>
-            <a:lvl5pPr marL="1828800" algn="l" defTabSz="914400" rtl="0" eaLnBrk="1" latinLnBrk="0" hangingPunct="1">
-              <a:defRPr sz="1800" kern="1200">
-                <a:solidFill>
-                  <a:schemeClr val="tx1"/>
-                </a:solidFill>
-                <a:latin typeface="+mn-lt"/>
-                <a:ea typeface="+mn-ea"/>
-                <a:cs typeface="+mn-cs"/>
-              </a:defRPr>
-            </a:lvl5pPr>
-            <a:lvl6pPr marL="2286000" algn="l" defTabSz="914400" rtl="0" eaLnBrk="1" latinLnBrk="0" hangingPunct="1">
-              <a:defRPr sz="1800" kern="1200">
-                <a:solidFill>
-                  <a:schemeClr val="tx1"/>
-                </a:solidFill>
-                <a:latin typeface="+mn-lt"/>
-                <a:ea typeface="+mn-ea"/>
-                <a:cs typeface="+mn-cs"/>
-              </a:defRPr>
-            </a:lvl6pPr>
-            <a:lvl7pPr marL="2743200" algn="l" defTabSz="914400" rtl="0" eaLnBrk="1" latinLnBrk="0" hangingPunct="1">
-              <a:defRPr sz="1800" kern="1200">
-                <a:solidFill>
-                  <a:schemeClr val="tx1"/>
-                </a:solidFill>
-                <a:latin typeface="+mn-lt"/>
-                <a:ea typeface="+mn-ea"/>
-                <a:cs typeface="+mn-cs"/>
-              </a:defRPr>
-            </a:lvl7pPr>
-            <a:lvl8pPr marL="3200400" algn="l" defTabSz="914400" rtl="0" eaLnBrk="1" latinLnBrk="0" hangingPunct="1">
-              <a:defRPr sz="1800" kern="1200">
-                <a:solidFill>
-                  <a:schemeClr val="tx1"/>
-                </a:solidFill>
-                <a:latin typeface="+mn-lt"/>
-                <a:ea typeface="+mn-ea"/>
-                <a:cs typeface="+mn-cs"/>
-              </a:defRPr>
-            </a:lvl8pPr>
-            <a:lvl9pPr marL="3657600" algn="l" defTabSz="914400" rtl="0" eaLnBrk="1" latinLnBrk="0" hangingPunct="1">
-              <a:defRPr sz="1800" kern="1200">
-                <a:solidFill>
-                  <a:schemeClr val="tx1"/>
-                </a:solidFill>
-                <a:latin typeface="+mn-lt"/>
-                <a:ea typeface="+mn-ea"/>
-                <a:cs typeface="+mn-cs"/>
-              </a:defRPr>
-            </a:lvl9pPr>
-          </a:lstStyle>
-          <a:p>
-            <a:pPr marL="0" marR="0" lvl="0" indent="0" algn="ctr" defTabSz="914400" eaLnBrk="0" fontAlgn="base" latinLnBrk="0" hangingPunct="0">
-              <a:lnSpc>
-                <a:spcPct val="100000"/>
-              </a:lnSpc>
-              <a:spcBef>
-                <a:spcPct val="0"/>
-              </a:spcBef>
-              <a:spcAft>
-                <a:spcPct val="0"/>
-              </a:spcAft>
-              <a:buClrTx/>
-              <a:buSzTx/>
-              <a:buFontTx/>
-              <a:buNone/>
-              <a:tabLst/>
-              <a:defRPr/>
-            </a:pPr>
-            <a:endParaRPr kumimoji="0" lang="en-US" sz="2800" b="0" i="0" u="none" strike="noStrike" kern="0" cap="none" spc="0" normalizeH="0" baseline="0" noProof="0" dirty="0">
-              <a:ln>
-                <a:noFill/>
-              </a:ln>
-              <a:solidFill>
-                <a:srgbClr val="000000"/>
-              </a:solidFill>
-              <a:effectLst/>
-              <a:uLnTx/>
-              <a:uFillTx/>
-              <a:latin typeface="Arial"/>
-              <a:ea typeface="+mn-ea"/>
-              <a:cs typeface="+mn-cs"/>
-            </a:endParaRPr>
-          </a:p>
-        </p:txBody>
-      </p:sp>
-      <p:sp>
-        <p:nvSpPr>
-          <p:cNvPr id="141" name="Rechteck 140">
-            <a:extLst>
-              <a:ext uri="{FF2B5EF4-FFF2-40B4-BE49-F238E27FC236}">
-                <a16:creationId xmlns:a16="http://schemas.microsoft.com/office/drawing/2014/main" id="{9B1A0830-6FE2-45CF-B2DE-EAAC2A2CE468}"/>
-              </a:ext>
-            </a:extLst>
-          </p:cNvPr>
-          <p:cNvSpPr/>
-          <p:nvPr/>
-        </p:nvSpPr>
-        <p:spPr bwMode="auto">
-          <a:xfrm>
-            <a:off x="1926123" y="5547880"/>
-            <a:ext cx="1059056" cy="648072"/>
-          </a:xfrm>
-          <a:prstGeom prst="rect">
-            <a:avLst/>
-          </a:prstGeom>
-          <a:solidFill>
-            <a:srgbClr val="FFFFFF"/>
-          </a:solidFill>
-          <a:ln w="9525" cap="flat" cmpd="sng" algn="ctr">
-            <a:solidFill>
-              <a:srgbClr val="000000"/>
-            </a:solidFill>
-            <a:prstDash val="solid"/>
-          </a:ln>
-          <a:effectLst/>
-        </p:spPr>
-        <p:txBody>
-          <a:bodyPr anchor="ctr"/>
-          <a:lstStyle>
-            <a:defPPr>
-              <a:defRPr lang="de-DE"/>
-            </a:defPPr>
-            <a:lvl1pPr marL="0" algn="l" defTabSz="914400" rtl="0" eaLnBrk="1" latinLnBrk="0" hangingPunct="1">
-              <a:defRPr sz="1800" kern="1200">
-                <a:solidFill>
-                  <a:schemeClr val="tx1"/>
-                </a:solidFill>
-                <a:latin typeface="+mn-lt"/>
-                <a:ea typeface="+mn-ea"/>
-                <a:cs typeface="+mn-cs"/>
-              </a:defRPr>
-            </a:lvl1pPr>
-            <a:lvl2pPr marL="457200" algn="l" defTabSz="914400" rtl="0" eaLnBrk="1" latinLnBrk="0" hangingPunct="1">
-              <a:defRPr sz="1800" kern="1200">
-                <a:solidFill>
-                  <a:schemeClr val="tx1"/>
-                </a:solidFill>
-                <a:latin typeface="+mn-lt"/>
-                <a:ea typeface="+mn-ea"/>
-                <a:cs typeface="+mn-cs"/>
-              </a:defRPr>
-            </a:lvl2pPr>
-            <a:lvl3pPr marL="914400" algn="l" defTabSz="914400" rtl="0" eaLnBrk="1" latinLnBrk="0" hangingPunct="1">
-              <a:defRPr sz="1800" kern="1200">
-                <a:solidFill>
-                  <a:schemeClr val="tx1"/>
-                </a:solidFill>
-                <a:latin typeface="+mn-lt"/>
-                <a:ea typeface="+mn-ea"/>
-                <a:cs typeface="+mn-cs"/>
-              </a:defRPr>
-            </a:lvl3pPr>
-            <a:lvl4pPr marL="1371600" algn="l" defTabSz="914400" rtl="0" eaLnBrk="1" latinLnBrk="0" hangingPunct="1">
-              <a:defRPr sz="1800" kern="1200">
-                <a:solidFill>
-                  <a:schemeClr val="tx1"/>
-                </a:solidFill>
-                <a:latin typeface="+mn-lt"/>
-                <a:ea typeface="+mn-ea"/>
-                <a:cs typeface="+mn-cs"/>
-              </a:defRPr>
-            </a:lvl4pPr>
-            <a:lvl5pPr marL="1828800" algn="l" defTabSz="914400" rtl="0" eaLnBrk="1" latinLnBrk="0" hangingPunct="1">
-              <a:defRPr sz="1800" kern="1200">
-                <a:solidFill>
-                  <a:schemeClr val="tx1"/>
-                </a:solidFill>
-                <a:latin typeface="+mn-lt"/>
-                <a:ea typeface="+mn-ea"/>
-                <a:cs typeface="+mn-cs"/>
-              </a:defRPr>
-            </a:lvl5pPr>
-            <a:lvl6pPr marL="2286000" algn="l" defTabSz="914400" rtl="0" eaLnBrk="1" latinLnBrk="0" hangingPunct="1">
-              <a:defRPr sz="1800" kern="1200">
-                <a:solidFill>
-                  <a:schemeClr val="tx1"/>
-                </a:solidFill>
-                <a:latin typeface="+mn-lt"/>
-                <a:ea typeface="+mn-ea"/>
-                <a:cs typeface="+mn-cs"/>
-              </a:defRPr>
-            </a:lvl6pPr>
-            <a:lvl7pPr marL="2743200" algn="l" defTabSz="914400" rtl="0" eaLnBrk="1" latinLnBrk="0" hangingPunct="1">
-              <a:defRPr sz="1800" kern="1200">
-                <a:solidFill>
-                  <a:schemeClr val="tx1"/>
-                </a:solidFill>
-                <a:latin typeface="+mn-lt"/>
-                <a:ea typeface="+mn-ea"/>
-                <a:cs typeface="+mn-cs"/>
-              </a:defRPr>
-            </a:lvl7pPr>
-            <a:lvl8pPr marL="3200400" algn="l" defTabSz="914400" rtl="0" eaLnBrk="1" latinLnBrk="0" hangingPunct="1">
-              <a:defRPr sz="1800" kern="1200">
-                <a:solidFill>
-                  <a:schemeClr val="tx1"/>
-                </a:solidFill>
-                <a:latin typeface="+mn-lt"/>
-                <a:ea typeface="+mn-ea"/>
-                <a:cs typeface="+mn-cs"/>
-              </a:defRPr>
-            </a:lvl8pPr>
-            <a:lvl9pPr marL="3657600" algn="l" defTabSz="914400" rtl="0" eaLnBrk="1" latinLnBrk="0" hangingPunct="1">
-              <a:defRPr sz="1800" kern="1200">
-                <a:solidFill>
-                  <a:schemeClr val="tx1"/>
-                </a:solidFill>
-                <a:latin typeface="+mn-lt"/>
-                <a:ea typeface="+mn-ea"/>
-                <a:cs typeface="+mn-cs"/>
-              </a:defRPr>
-            </a:lvl9pPr>
-          </a:lstStyle>
-          <a:p>
-            <a:pPr marL="0" marR="0" lvl="0" indent="0" algn="ctr" defTabSz="914400" eaLnBrk="0" fontAlgn="base" latinLnBrk="0" hangingPunct="0">
-              <a:lnSpc>
-                <a:spcPct val="100000"/>
-              </a:lnSpc>
-              <a:spcBef>
-                <a:spcPct val="0"/>
-              </a:spcBef>
-              <a:spcAft>
-                <a:spcPct val="0"/>
-              </a:spcAft>
-              <a:buClrTx/>
-              <a:buSzTx/>
-              <a:buFontTx/>
-              <a:buNone/>
-              <a:tabLst/>
-              <a:defRPr/>
-            </a:pPr>
-            <a:endParaRPr kumimoji="0" lang="en-US" sz="2800" b="0" i="0" u="none" strike="noStrike" kern="0" cap="none" spc="0" normalizeH="0" baseline="0" noProof="0" dirty="0">
-              <a:ln>
-                <a:noFill/>
-              </a:ln>
-              <a:solidFill>
-                <a:srgbClr val="000000"/>
-              </a:solidFill>
-              <a:effectLst/>
-              <a:uLnTx/>
-              <a:uFillTx/>
-              <a:latin typeface="Arial"/>
-              <a:ea typeface="+mn-ea"/>
-              <a:cs typeface="+mn-cs"/>
-            </a:endParaRPr>
-          </a:p>
-        </p:txBody>
-      </p:sp>
-      <p:sp>
-        <p:nvSpPr>
-          <p:cNvPr id="142" name="Rechteck 141">
-            <a:extLst>
-              <a:ext uri="{FF2B5EF4-FFF2-40B4-BE49-F238E27FC236}">
-                <a16:creationId xmlns:a16="http://schemas.microsoft.com/office/drawing/2014/main" id="{10330F4B-72CB-41B5-874F-8625030401FD}"/>
-              </a:ext>
-            </a:extLst>
-          </p:cNvPr>
-          <p:cNvSpPr/>
-          <p:nvPr/>
-        </p:nvSpPr>
-        <p:spPr>
-          <a:xfrm>
-            <a:off x="1917038" y="5605893"/>
-            <a:ext cx="1059056" cy="523220"/>
-          </a:xfrm>
-          <a:prstGeom prst="rect">
-            <a:avLst/>
-          </a:prstGeom>
-        </p:spPr>
-        <p:txBody>
-          <a:bodyPr wrap="square">
-            <a:spAutoFit/>
-          </a:bodyPr>
-          <a:lstStyle>
-            <a:defPPr>
-              <a:defRPr lang="de-DE"/>
-            </a:defPPr>
-            <a:lvl1pPr marL="0" algn="l" defTabSz="914400" rtl="0" eaLnBrk="1" latinLnBrk="0" hangingPunct="1">
-              <a:defRPr sz="1800" kern="1200">
-                <a:solidFill>
-                  <a:schemeClr val="tx1"/>
-                </a:solidFill>
-                <a:latin typeface="+mn-lt"/>
-                <a:ea typeface="+mn-ea"/>
-                <a:cs typeface="+mn-cs"/>
-              </a:defRPr>
-            </a:lvl1pPr>
-            <a:lvl2pPr marL="457200" algn="l" defTabSz="914400" rtl="0" eaLnBrk="1" latinLnBrk="0" hangingPunct="1">
-              <a:defRPr sz="1800" kern="1200">
-                <a:solidFill>
-                  <a:schemeClr val="tx1"/>
-                </a:solidFill>
-                <a:latin typeface="+mn-lt"/>
-                <a:ea typeface="+mn-ea"/>
-                <a:cs typeface="+mn-cs"/>
-              </a:defRPr>
-            </a:lvl2pPr>
-            <a:lvl3pPr marL="914400" algn="l" defTabSz="914400" rtl="0" eaLnBrk="1" latinLnBrk="0" hangingPunct="1">
-              <a:defRPr sz="1800" kern="1200">
-                <a:solidFill>
-                  <a:schemeClr val="tx1"/>
-                </a:solidFill>
-                <a:latin typeface="+mn-lt"/>
-                <a:ea typeface="+mn-ea"/>
-                <a:cs typeface="+mn-cs"/>
-              </a:defRPr>
-            </a:lvl3pPr>
-            <a:lvl4pPr marL="1371600" algn="l" defTabSz="914400" rtl="0" eaLnBrk="1" latinLnBrk="0" hangingPunct="1">
-              <a:defRPr sz="1800" kern="1200">
-                <a:solidFill>
-                  <a:schemeClr val="tx1"/>
-                </a:solidFill>
-                <a:latin typeface="+mn-lt"/>
-                <a:ea typeface="+mn-ea"/>
-                <a:cs typeface="+mn-cs"/>
-              </a:defRPr>
-            </a:lvl4pPr>
-            <a:lvl5pPr marL="1828800" algn="l" defTabSz="914400" rtl="0" eaLnBrk="1" latinLnBrk="0" hangingPunct="1">
-              <a:defRPr sz="1800" kern="1200">
-                <a:solidFill>
-                  <a:schemeClr val="tx1"/>
-                </a:solidFill>
-                <a:latin typeface="+mn-lt"/>
-                <a:ea typeface="+mn-ea"/>
-                <a:cs typeface="+mn-cs"/>
-              </a:defRPr>
-            </a:lvl5pPr>
-            <a:lvl6pPr marL="2286000" algn="l" defTabSz="914400" rtl="0" eaLnBrk="1" latinLnBrk="0" hangingPunct="1">
-              <a:defRPr sz="1800" kern="1200">
-                <a:solidFill>
-                  <a:schemeClr val="tx1"/>
-                </a:solidFill>
-                <a:latin typeface="+mn-lt"/>
-                <a:ea typeface="+mn-ea"/>
-                <a:cs typeface="+mn-cs"/>
-              </a:defRPr>
-            </a:lvl6pPr>
-            <a:lvl7pPr marL="2743200" algn="l" defTabSz="914400" rtl="0" eaLnBrk="1" latinLnBrk="0" hangingPunct="1">
-              <a:defRPr sz="1800" kern="1200">
-                <a:solidFill>
-                  <a:schemeClr val="tx1"/>
-                </a:solidFill>
-                <a:latin typeface="+mn-lt"/>
-                <a:ea typeface="+mn-ea"/>
-                <a:cs typeface="+mn-cs"/>
-              </a:defRPr>
-            </a:lvl7pPr>
-            <a:lvl8pPr marL="3200400" algn="l" defTabSz="914400" rtl="0" eaLnBrk="1" latinLnBrk="0" hangingPunct="1">
-              <a:defRPr sz="1800" kern="1200">
-                <a:solidFill>
-                  <a:schemeClr val="tx1"/>
-                </a:solidFill>
-                <a:latin typeface="+mn-lt"/>
-                <a:ea typeface="+mn-ea"/>
-                <a:cs typeface="+mn-cs"/>
-              </a:defRPr>
-            </a:lvl8pPr>
-            <a:lvl9pPr marL="3657600" algn="l" defTabSz="914400" rtl="0" eaLnBrk="1" latinLnBrk="0" hangingPunct="1">
-              <a:defRPr sz="1800" kern="1200">
-                <a:solidFill>
-                  <a:schemeClr val="tx1"/>
-                </a:solidFill>
-                <a:latin typeface="+mn-lt"/>
-                <a:ea typeface="+mn-ea"/>
-                <a:cs typeface="+mn-cs"/>
-              </a:defRPr>
-            </a:lvl9pPr>
-          </a:lstStyle>
-          <a:p>
-            <a:pPr algn="ctr" eaLnBrk="0" fontAlgn="base" hangingPunct="0">
-              <a:spcBef>
-                <a:spcPct val="0"/>
-              </a:spcBef>
-              <a:spcAft>
-                <a:spcPct val="0"/>
-              </a:spcAft>
-              <a:defRPr/>
-            </a:pPr>
-            <a:r>
-              <a:rPr lang="en-US" sz="1400" b="1" dirty="0">
-                <a:solidFill>
-                  <a:srgbClr val="000000"/>
-                </a:solidFill>
-                <a:cs typeface="Arial" charset="0"/>
-              </a:rPr>
-              <a:t>Downlink</a:t>
-            </a:r>
-            <a:br>
-              <a:rPr lang="en-US" sz="1400" b="1" dirty="0">
-                <a:solidFill>
-                  <a:srgbClr val="000000"/>
-                </a:solidFill>
-                <a:cs typeface="Arial" charset="0"/>
-              </a:rPr>
-            </a:br>
-            <a:r>
-              <a:rPr lang="en-US" sz="1400" b="1" dirty="0">
-                <a:solidFill>
-                  <a:srgbClr val="000000"/>
-                </a:solidFill>
-                <a:cs typeface="Arial" charset="0"/>
-              </a:rPr>
-              <a:t> </a:t>
-            </a:r>
-            <a:r>
-              <a:rPr lang="en-US" sz="1400" dirty="0" err="1">
-                <a:solidFill>
-                  <a:srgbClr val="000000"/>
-                </a:solidFill>
-                <a:cs typeface="Arial" panose="020B0604020202020204" pitchFamily="34" charset="0"/>
-              </a:rPr>
-              <a:t>dl_rtty</a:t>
-            </a:r>
-            <a:endParaRPr lang="en-US" sz="1400" dirty="0">
-              <a:solidFill>
-                <a:srgbClr val="000000"/>
-              </a:solidFill>
-              <a:cs typeface="Arial" panose="020B0604020202020204" pitchFamily="34" charset="0"/>
-            </a:endParaRPr>
-          </a:p>
-        </p:txBody>
-      </p:sp>
-      <p:sp>
-        <p:nvSpPr>
-          <p:cNvPr id="143" name="Rechteck 142">
-            <a:extLst>
-              <a:ext uri="{FF2B5EF4-FFF2-40B4-BE49-F238E27FC236}">
-                <a16:creationId xmlns:a16="http://schemas.microsoft.com/office/drawing/2014/main" id="{9C8B214B-C9AB-45AC-A88C-D29EF7E9B1BC}"/>
-              </a:ext>
-            </a:extLst>
-          </p:cNvPr>
-          <p:cNvSpPr/>
-          <p:nvPr/>
-        </p:nvSpPr>
-        <p:spPr bwMode="auto">
-          <a:xfrm>
-            <a:off x="2893689" y="5756160"/>
-            <a:ext cx="206447" cy="214693"/>
-          </a:xfrm>
-          <a:prstGeom prst="rect">
-            <a:avLst/>
-          </a:prstGeom>
-          <a:solidFill>
-            <a:srgbClr val="FFFFFF"/>
-          </a:solidFill>
-          <a:ln w="9525" cap="flat" cmpd="sng" algn="ctr">
-            <a:solidFill>
-              <a:srgbClr val="000000"/>
-            </a:solidFill>
-            <a:prstDash val="solid"/>
-          </a:ln>
-          <a:effectLst/>
-        </p:spPr>
-        <p:txBody>
-          <a:bodyPr anchor="ctr"/>
-          <a:lstStyle>
-            <a:defPPr>
-              <a:defRPr lang="de-DE"/>
-            </a:defPPr>
-            <a:lvl1pPr marL="0" algn="l" defTabSz="914400" rtl="0" eaLnBrk="1" latinLnBrk="0" hangingPunct="1">
-              <a:defRPr sz="1800" kern="1200">
-                <a:solidFill>
-                  <a:schemeClr val="tx1"/>
-                </a:solidFill>
-                <a:latin typeface="+mn-lt"/>
-                <a:ea typeface="+mn-ea"/>
-                <a:cs typeface="+mn-cs"/>
-              </a:defRPr>
-            </a:lvl1pPr>
-            <a:lvl2pPr marL="457200" algn="l" defTabSz="914400" rtl="0" eaLnBrk="1" latinLnBrk="0" hangingPunct="1">
-              <a:defRPr sz="1800" kern="1200">
-                <a:solidFill>
-                  <a:schemeClr val="tx1"/>
-                </a:solidFill>
-                <a:latin typeface="+mn-lt"/>
-                <a:ea typeface="+mn-ea"/>
-                <a:cs typeface="+mn-cs"/>
-              </a:defRPr>
-            </a:lvl2pPr>
-            <a:lvl3pPr marL="914400" algn="l" defTabSz="914400" rtl="0" eaLnBrk="1" latinLnBrk="0" hangingPunct="1">
-              <a:defRPr sz="1800" kern="1200">
-                <a:solidFill>
-                  <a:schemeClr val="tx1"/>
-                </a:solidFill>
-                <a:latin typeface="+mn-lt"/>
-                <a:ea typeface="+mn-ea"/>
-                <a:cs typeface="+mn-cs"/>
-              </a:defRPr>
-            </a:lvl3pPr>
-            <a:lvl4pPr marL="1371600" algn="l" defTabSz="914400" rtl="0" eaLnBrk="1" latinLnBrk="0" hangingPunct="1">
-              <a:defRPr sz="1800" kern="1200">
-                <a:solidFill>
-                  <a:schemeClr val="tx1"/>
-                </a:solidFill>
-                <a:latin typeface="+mn-lt"/>
-                <a:ea typeface="+mn-ea"/>
-                <a:cs typeface="+mn-cs"/>
-              </a:defRPr>
-            </a:lvl4pPr>
-            <a:lvl5pPr marL="1828800" algn="l" defTabSz="914400" rtl="0" eaLnBrk="1" latinLnBrk="0" hangingPunct="1">
-              <a:defRPr sz="1800" kern="1200">
-                <a:solidFill>
-                  <a:schemeClr val="tx1"/>
-                </a:solidFill>
-                <a:latin typeface="+mn-lt"/>
-                <a:ea typeface="+mn-ea"/>
-                <a:cs typeface="+mn-cs"/>
-              </a:defRPr>
-            </a:lvl5pPr>
-            <a:lvl6pPr marL="2286000" algn="l" defTabSz="914400" rtl="0" eaLnBrk="1" latinLnBrk="0" hangingPunct="1">
-              <a:defRPr sz="1800" kern="1200">
-                <a:solidFill>
-                  <a:schemeClr val="tx1"/>
-                </a:solidFill>
-                <a:latin typeface="+mn-lt"/>
-                <a:ea typeface="+mn-ea"/>
-                <a:cs typeface="+mn-cs"/>
-              </a:defRPr>
-            </a:lvl6pPr>
-            <a:lvl7pPr marL="2743200" algn="l" defTabSz="914400" rtl="0" eaLnBrk="1" latinLnBrk="0" hangingPunct="1">
-              <a:defRPr sz="1800" kern="1200">
-                <a:solidFill>
-                  <a:schemeClr val="tx1"/>
-                </a:solidFill>
-                <a:latin typeface="+mn-lt"/>
-                <a:ea typeface="+mn-ea"/>
-                <a:cs typeface="+mn-cs"/>
-              </a:defRPr>
-            </a:lvl7pPr>
-            <a:lvl8pPr marL="3200400" algn="l" defTabSz="914400" rtl="0" eaLnBrk="1" latinLnBrk="0" hangingPunct="1">
-              <a:defRPr sz="1800" kern="1200">
-                <a:solidFill>
-                  <a:schemeClr val="tx1"/>
-                </a:solidFill>
-                <a:latin typeface="+mn-lt"/>
-                <a:ea typeface="+mn-ea"/>
-                <a:cs typeface="+mn-cs"/>
-              </a:defRPr>
-            </a:lvl8pPr>
-            <a:lvl9pPr marL="3657600" algn="l" defTabSz="914400" rtl="0" eaLnBrk="1" latinLnBrk="0" hangingPunct="1">
-              <a:defRPr sz="1800" kern="1200">
-                <a:solidFill>
-                  <a:schemeClr val="tx1"/>
-                </a:solidFill>
-                <a:latin typeface="+mn-lt"/>
-                <a:ea typeface="+mn-ea"/>
-                <a:cs typeface="+mn-cs"/>
-              </a:defRPr>
-            </a:lvl9pPr>
-          </a:lstStyle>
-          <a:p>
-            <a:pPr marL="0" marR="0" lvl="0" indent="0" algn="ctr" defTabSz="914400" eaLnBrk="0" fontAlgn="base" latinLnBrk="0" hangingPunct="0">
-              <a:lnSpc>
-                <a:spcPct val="100000"/>
-              </a:lnSpc>
-              <a:spcBef>
-                <a:spcPct val="0"/>
-              </a:spcBef>
-              <a:spcAft>
-                <a:spcPct val="0"/>
-              </a:spcAft>
-              <a:buClrTx/>
-              <a:buSzTx/>
-              <a:buFontTx/>
-              <a:buNone/>
-              <a:tabLst/>
-              <a:defRPr/>
-            </a:pPr>
-            <a:endParaRPr kumimoji="0" lang="en-US" sz="2800" b="0" i="0" u="none" strike="noStrike" kern="0" cap="none" spc="0" normalizeH="0" baseline="0" noProof="0" dirty="0">
-              <a:ln>
-                <a:noFill/>
-              </a:ln>
-              <a:solidFill>
-                <a:srgbClr val="000000"/>
-              </a:solidFill>
-              <a:effectLst/>
-              <a:uLnTx/>
-              <a:uFillTx/>
-              <a:latin typeface="Arial"/>
-              <a:ea typeface="+mn-ea"/>
-              <a:cs typeface="+mn-cs"/>
-            </a:endParaRPr>
-          </a:p>
-        </p:txBody>
-      </p:sp>
-      <p:cxnSp>
-        <p:nvCxnSpPr>
-          <p:cNvPr id="144" name="Gewinkelte Verbindung 50">
-            <a:extLst>
-              <a:ext uri="{FF2B5EF4-FFF2-40B4-BE49-F238E27FC236}">
-                <a16:creationId xmlns:a16="http://schemas.microsoft.com/office/drawing/2014/main" id="{B780398A-B4FB-469B-9D90-ABC5FA83785C}"/>
-              </a:ext>
-            </a:extLst>
-          </p:cNvPr>
-          <p:cNvCxnSpPr>
-            <a:cxnSpLocks/>
-            <a:stCxn id="140" idx="1"/>
-            <a:endCxn id="143" idx="3"/>
-          </p:cNvCxnSpPr>
-          <p:nvPr/>
-        </p:nvCxnSpPr>
-        <p:spPr>
-          <a:xfrm flipH="1">
-            <a:off x="3100136" y="5863507"/>
-            <a:ext cx="614303" cy="0"/>
-          </a:xfrm>
-          <a:prstGeom prst="straightConnector1">
-            <a:avLst/>
-          </a:prstGeom>
-          <a:noFill/>
-          <a:ln w="9525" cap="flat" cmpd="sng" algn="ctr">
-            <a:solidFill>
-              <a:srgbClr val="000000"/>
-            </a:solidFill>
-            <a:prstDash val="solid"/>
-            <a:headEnd type="none" w="med" len="med"/>
-            <a:tailEnd type="triangle" w="med" len="med"/>
-          </a:ln>
-          <a:effectLst/>
-        </p:spPr>
-      </p:cxnSp>
-      <p:sp>
-        <p:nvSpPr>
           <p:cNvPr id="145" name="Textfeld 147">
             <a:extLst>
               <a:ext uri="{FF2B5EF4-FFF2-40B4-BE49-F238E27FC236}">
@@ -19005,6 +18892,705 @@
           </a:p>
         </p:txBody>
       </p:sp>
+      <p:sp>
+        <p:nvSpPr>
+          <p:cNvPr id="57" name="Rechteck 56">
+            <a:extLst>
+              <a:ext uri="{FF2B5EF4-FFF2-40B4-BE49-F238E27FC236}">
+                <a16:creationId xmlns:a16="http://schemas.microsoft.com/office/drawing/2014/main" id="{732085EF-35D4-4F8A-BC75-87B4B6D7E058}"/>
+              </a:ext>
+            </a:extLst>
+          </p:cNvPr>
+          <p:cNvSpPr/>
+          <p:nvPr/>
+        </p:nvSpPr>
+        <p:spPr bwMode="auto">
+          <a:xfrm>
+            <a:off x="5450982" y="1955852"/>
+            <a:ext cx="206447" cy="214693"/>
+          </a:xfrm>
+          <a:prstGeom prst="rect">
+            <a:avLst/>
+          </a:prstGeom>
+          <a:solidFill>
+            <a:srgbClr val="FFFFFF"/>
+          </a:solidFill>
+          <a:ln w="9525" cap="flat" cmpd="sng" algn="ctr">
+            <a:solidFill>
+              <a:srgbClr val="000000"/>
+            </a:solidFill>
+            <a:prstDash val="solid"/>
+          </a:ln>
+          <a:effectLst/>
+        </p:spPr>
+        <p:txBody>
+          <a:bodyPr anchor="ctr"/>
+          <a:lstStyle>
+            <a:defPPr>
+              <a:defRPr lang="de-DE"/>
+            </a:defPPr>
+            <a:lvl1pPr marL="0" algn="l" defTabSz="914400" rtl="0" eaLnBrk="1" latinLnBrk="0" hangingPunct="1">
+              <a:defRPr sz="1800" kern="1200">
+                <a:solidFill>
+                  <a:schemeClr val="tx1"/>
+                </a:solidFill>
+                <a:latin typeface="+mn-lt"/>
+                <a:ea typeface="+mn-ea"/>
+                <a:cs typeface="+mn-cs"/>
+              </a:defRPr>
+            </a:lvl1pPr>
+            <a:lvl2pPr marL="457200" algn="l" defTabSz="914400" rtl="0" eaLnBrk="1" latinLnBrk="0" hangingPunct="1">
+              <a:defRPr sz="1800" kern="1200">
+                <a:solidFill>
+                  <a:schemeClr val="tx1"/>
+                </a:solidFill>
+                <a:latin typeface="+mn-lt"/>
+                <a:ea typeface="+mn-ea"/>
+                <a:cs typeface="+mn-cs"/>
+              </a:defRPr>
+            </a:lvl2pPr>
+            <a:lvl3pPr marL="914400" algn="l" defTabSz="914400" rtl="0" eaLnBrk="1" latinLnBrk="0" hangingPunct="1">
+              <a:defRPr sz="1800" kern="1200">
+                <a:solidFill>
+                  <a:schemeClr val="tx1"/>
+                </a:solidFill>
+                <a:latin typeface="+mn-lt"/>
+                <a:ea typeface="+mn-ea"/>
+                <a:cs typeface="+mn-cs"/>
+              </a:defRPr>
+            </a:lvl3pPr>
+            <a:lvl4pPr marL="1371600" algn="l" defTabSz="914400" rtl="0" eaLnBrk="1" latinLnBrk="0" hangingPunct="1">
+              <a:defRPr sz="1800" kern="1200">
+                <a:solidFill>
+                  <a:schemeClr val="tx1"/>
+                </a:solidFill>
+                <a:latin typeface="+mn-lt"/>
+                <a:ea typeface="+mn-ea"/>
+                <a:cs typeface="+mn-cs"/>
+              </a:defRPr>
+            </a:lvl4pPr>
+            <a:lvl5pPr marL="1828800" algn="l" defTabSz="914400" rtl="0" eaLnBrk="1" latinLnBrk="0" hangingPunct="1">
+              <a:defRPr sz="1800" kern="1200">
+                <a:solidFill>
+                  <a:schemeClr val="tx1"/>
+                </a:solidFill>
+                <a:latin typeface="+mn-lt"/>
+                <a:ea typeface="+mn-ea"/>
+                <a:cs typeface="+mn-cs"/>
+              </a:defRPr>
+            </a:lvl5pPr>
+            <a:lvl6pPr marL="2286000" algn="l" defTabSz="914400" rtl="0" eaLnBrk="1" latinLnBrk="0" hangingPunct="1">
+              <a:defRPr sz="1800" kern="1200">
+                <a:solidFill>
+                  <a:schemeClr val="tx1"/>
+                </a:solidFill>
+                <a:latin typeface="+mn-lt"/>
+                <a:ea typeface="+mn-ea"/>
+                <a:cs typeface="+mn-cs"/>
+              </a:defRPr>
+            </a:lvl6pPr>
+            <a:lvl7pPr marL="2743200" algn="l" defTabSz="914400" rtl="0" eaLnBrk="1" latinLnBrk="0" hangingPunct="1">
+              <a:defRPr sz="1800" kern="1200">
+                <a:solidFill>
+                  <a:schemeClr val="tx1"/>
+                </a:solidFill>
+                <a:latin typeface="+mn-lt"/>
+                <a:ea typeface="+mn-ea"/>
+                <a:cs typeface="+mn-cs"/>
+              </a:defRPr>
+            </a:lvl7pPr>
+            <a:lvl8pPr marL="3200400" algn="l" defTabSz="914400" rtl="0" eaLnBrk="1" latinLnBrk="0" hangingPunct="1">
+              <a:defRPr sz="1800" kern="1200">
+                <a:solidFill>
+                  <a:schemeClr val="tx1"/>
+                </a:solidFill>
+                <a:latin typeface="+mn-lt"/>
+                <a:ea typeface="+mn-ea"/>
+                <a:cs typeface="+mn-cs"/>
+              </a:defRPr>
+            </a:lvl8pPr>
+            <a:lvl9pPr marL="3657600" algn="l" defTabSz="914400" rtl="0" eaLnBrk="1" latinLnBrk="0" hangingPunct="1">
+              <a:defRPr sz="1800" kern="1200">
+                <a:solidFill>
+                  <a:schemeClr val="tx1"/>
+                </a:solidFill>
+                <a:latin typeface="+mn-lt"/>
+                <a:ea typeface="+mn-ea"/>
+                <a:cs typeface="+mn-cs"/>
+              </a:defRPr>
+            </a:lvl9pPr>
+          </a:lstStyle>
+          <a:p>
+            <a:pPr marL="0" marR="0" lvl="0" indent="0" algn="ctr" defTabSz="914400" eaLnBrk="0" fontAlgn="base" latinLnBrk="0" hangingPunct="0">
+              <a:lnSpc>
+                <a:spcPct val="100000"/>
+              </a:lnSpc>
+              <a:spcBef>
+                <a:spcPct val="0"/>
+              </a:spcBef>
+              <a:spcAft>
+                <a:spcPct val="0"/>
+              </a:spcAft>
+              <a:buClrTx/>
+              <a:buSzTx/>
+              <a:buFontTx/>
+              <a:buNone/>
+              <a:tabLst/>
+              <a:defRPr/>
+            </a:pPr>
+            <a:endParaRPr kumimoji="0" lang="en-US" sz="2800" b="0" i="0" u="none" strike="noStrike" kern="0" cap="none" spc="0" normalizeH="0" baseline="0" noProof="0" dirty="0">
+              <a:ln>
+                <a:noFill/>
+              </a:ln>
+              <a:solidFill>
+                <a:srgbClr val="000000"/>
+              </a:solidFill>
+              <a:effectLst/>
+              <a:uLnTx/>
+              <a:uFillTx/>
+              <a:latin typeface="Arial"/>
+              <a:ea typeface="+mn-ea"/>
+              <a:cs typeface="+mn-cs"/>
+            </a:endParaRPr>
+          </a:p>
+        </p:txBody>
+      </p:sp>
+      <p:sp>
+        <p:nvSpPr>
+          <p:cNvPr id="58" name="Rechteck 57">
+            <a:extLst>
+              <a:ext uri="{FF2B5EF4-FFF2-40B4-BE49-F238E27FC236}">
+                <a16:creationId xmlns:a16="http://schemas.microsoft.com/office/drawing/2014/main" id="{DE481239-5877-40C7-9669-AEA139CD7711}"/>
+              </a:ext>
+            </a:extLst>
+          </p:cNvPr>
+          <p:cNvSpPr/>
+          <p:nvPr/>
+        </p:nvSpPr>
+        <p:spPr bwMode="auto">
+          <a:xfrm>
+            <a:off x="3662666" y="1747572"/>
+            <a:ext cx="1059056" cy="648072"/>
+          </a:xfrm>
+          <a:prstGeom prst="rect">
+            <a:avLst/>
+          </a:prstGeom>
+          <a:solidFill>
+            <a:srgbClr val="FFFFFF"/>
+          </a:solidFill>
+          <a:ln w="9525" cap="flat" cmpd="sng" algn="ctr">
+            <a:solidFill>
+              <a:srgbClr val="000000"/>
+            </a:solidFill>
+            <a:prstDash val="solid"/>
+          </a:ln>
+          <a:effectLst/>
+        </p:spPr>
+        <p:txBody>
+          <a:bodyPr anchor="ctr"/>
+          <a:lstStyle>
+            <a:defPPr>
+              <a:defRPr lang="de-DE"/>
+            </a:defPPr>
+            <a:lvl1pPr marL="0" algn="l" defTabSz="914400" rtl="0" eaLnBrk="1" latinLnBrk="0" hangingPunct="1">
+              <a:defRPr sz="1800" kern="1200">
+                <a:solidFill>
+                  <a:schemeClr val="tx1"/>
+                </a:solidFill>
+                <a:latin typeface="+mn-lt"/>
+                <a:ea typeface="+mn-ea"/>
+                <a:cs typeface="+mn-cs"/>
+              </a:defRPr>
+            </a:lvl1pPr>
+            <a:lvl2pPr marL="457200" algn="l" defTabSz="914400" rtl="0" eaLnBrk="1" latinLnBrk="0" hangingPunct="1">
+              <a:defRPr sz="1800" kern="1200">
+                <a:solidFill>
+                  <a:schemeClr val="tx1"/>
+                </a:solidFill>
+                <a:latin typeface="+mn-lt"/>
+                <a:ea typeface="+mn-ea"/>
+                <a:cs typeface="+mn-cs"/>
+              </a:defRPr>
+            </a:lvl2pPr>
+            <a:lvl3pPr marL="914400" algn="l" defTabSz="914400" rtl="0" eaLnBrk="1" latinLnBrk="0" hangingPunct="1">
+              <a:defRPr sz="1800" kern="1200">
+                <a:solidFill>
+                  <a:schemeClr val="tx1"/>
+                </a:solidFill>
+                <a:latin typeface="+mn-lt"/>
+                <a:ea typeface="+mn-ea"/>
+                <a:cs typeface="+mn-cs"/>
+              </a:defRPr>
+            </a:lvl3pPr>
+            <a:lvl4pPr marL="1371600" algn="l" defTabSz="914400" rtl="0" eaLnBrk="1" latinLnBrk="0" hangingPunct="1">
+              <a:defRPr sz="1800" kern="1200">
+                <a:solidFill>
+                  <a:schemeClr val="tx1"/>
+                </a:solidFill>
+                <a:latin typeface="+mn-lt"/>
+                <a:ea typeface="+mn-ea"/>
+                <a:cs typeface="+mn-cs"/>
+              </a:defRPr>
+            </a:lvl4pPr>
+            <a:lvl5pPr marL="1828800" algn="l" defTabSz="914400" rtl="0" eaLnBrk="1" latinLnBrk="0" hangingPunct="1">
+              <a:defRPr sz="1800" kern="1200">
+                <a:solidFill>
+                  <a:schemeClr val="tx1"/>
+                </a:solidFill>
+                <a:latin typeface="+mn-lt"/>
+                <a:ea typeface="+mn-ea"/>
+                <a:cs typeface="+mn-cs"/>
+              </a:defRPr>
+            </a:lvl5pPr>
+            <a:lvl6pPr marL="2286000" algn="l" defTabSz="914400" rtl="0" eaLnBrk="1" latinLnBrk="0" hangingPunct="1">
+              <a:defRPr sz="1800" kern="1200">
+                <a:solidFill>
+                  <a:schemeClr val="tx1"/>
+                </a:solidFill>
+                <a:latin typeface="+mn-lt"/>
+                <a:ea typeface="+mn-ea"/>
+                <a:cs typeface="+mn-cs"/>
+              </a:defRPr>
+            </a:lvl6pPr>
+            <a:lvl7pPr marL="2743200" algn="l" defTabSz="914400" rtl="0" eaLnBrk="1" latinLnBrk="0" hangingPunct="1">
+              <a:defRPr sz="1800" kern="1200">
+                <a:solidFill>
+                  <a:schemeClr val="tx1"/>
+                </a:solidFill>
+                <a:latin typeface="+mn-lt"/>
+                <a:ea typeface="+mn-ea"/>
+                <a:cs typeface="+mn-cs"/>
+              </a:defRPr>
+            </a:lvl7pPr>
+            <a:lvl8pPr marL="3200400" algn="l" defTabSz="914400" rtl="0" eaLnBrk="1" latinLnBrk="0" hangingPunct="1">
+              <a:defRPr sz="1800" kern="1200">
+                <a:solidFill>
+                  <a:schemeClr val="tx1"/>
+                </a:solidFill>
+                <a:latin typeface="+mn-lt"/>
+                <a:ea typeface="+mn-ea"/>
+                <a:cs typeface="+mn-cs"/>
+              </a:defRPr>
+            </a:lvl8pPr>
+            <a:lvl9pPr marL="3657600" algn="l" defTabSz="914400" rtl="0" eaLnBrk="1" latinLnBrk="0" hangingPunct="1">
+              <a:defRPr sz="1800" kern="1200">
+                <a:solidFill>
+                  <a:schemeClr val="tx1"/>
+                </a:solidFill>
+                <a:latin typeface="+mn-lt"/>
+                <a:ea typeface="+mn-ea"/>
+                <a:cs typeface="+mn-cs"/>
+              </a:defRPr>
+            </a:lvl9pPr>
+          </a:lstStyle>
+          <a:p>
+            <a:pPr marL="0" marR="0" lvl="0" indent="0" algn="ctr" defTabSz="914400" eaLnBrk="0" fontAlgn="base" latinLnBrk="0" hangingPunct="0">
+              <a:lnSpc>
+                <a:spcPct val="100000"/>
+              </a:lnSpc>
+              <a:spcBef>
+                <a:spcPct val="0"/>
+              </a:spcBef>
+              <a:spcAft>
+                <a:spcPct val="0"/>
+              </a:spcAft>
+              <a:buClrTx/>
+              <a:buSzTx/>
+              <a:buFontTx/>
+              <a:buNone/>
+              <a:tabLst/>
+              <a:defRPr/>
+            </a:pPr>
+            <a:endParaRPr kumimoji="0" lang="en-US" sz="2800" b="0" i="0" u="none" strike="noStrike" kern="0" cap="none" spc="0" normalizeH="0" baseline="0" noProof="0" dirty="0">
+              <a:ln>
+                <a:noFill/>
+              </a:ln>
+              <a:solidFill>
+                <a:srgbClr val="000000"/>
+              </a:solidFill>
+              <a:effectLst/>
+              <a:uLnTx/>
+              <a:uFillTx/>
+              <a:latin typeface="Arial"/>
+              <a:ea typeface="+mn-ea"/>
+              <a:cs typeface="+mn-cs"/>
+            </a:endParaRPr>
+          </a:p>
+        </p:txBody>
+      </p:sp>
+      <p:sp>
+        <p:nvSpPr>
+          <p:cNvPr id="59" name="Rechteck 58">
+            <a:extLst>
+              <a:ext uri="{FF2B5EF4-FFF2-40B4-BE49-F238E27FC236}">
+                <a16:creationId xmlns:a16="http://schemas.microsoft.com/office/drawing/2014/main" id="{532535BE-FC93-4352-BE5C-8F31CDE16C91}"/>
+              </a:ext>
+            </a:extLst>
+          </p:cNvPr>
+          <p:cNvSpPr/>
+          <p:nvPr/>
+        </p:nvSpPr>
+        <p:spPr>
+          <a:xfrm>
+            <a:off x="3653581" y="1805585"/>
+            <a:ext cx="1059056" cy="523220"/>
+          </a:xfrm>
+          <a:prstGeom prst="rect">
+            <a:avLst/>
+          </a:prstGeom>
+        </p:spPr>
+        <p:txBody>
+          <a:bodyPr wrap="square">
+            <a:spAutoFit/>
+          </a:bodyPr>
+          <a:lstStyle>
+            <a:defPPr>
+              <a:defRPr lang="de-DE"/>
+            </a:defPPr>
+            <a:lvl1pPr marL="0" algn="l" defTabSz="914400" rtl="0" eaLnBrk="1" latinLnBrk="0" hangingPunct="1">
+              <a:defRPr sz="1800" kern="1200">
+                <a:solidFill>
+                  <a:schemeClr val="tx1"/>
+                </a:solidFill>
+                <a:latin typeface="+mn-lt"/>
+                <a:ea typeface="+mn-ea"/>
+                <a:cs typeface="+mn-cs"/>
+              </a:defRPr>
+            </a:lvl1pPr>
+            <a:lvl2pPr marL="457200" algn="l" defTabSz="914400" rtl="0" eaLnBrk="1" latinLnBrk="0" hangingPunct="1">
+              <a:defRPr sz="1800" kern="1200">
+                <a:solidFill>
+                  <a:schemeClr val="tx1"/>
+                </a:solidFill>
+                <a:latin typeface="+mn-lt"/>
+                <a:ea typeface="+mn-ea"/>
+                <a:cs typeface="+mn-cs"/>
+              </a:defRPr>
+            </a:lvl2pPr>
+            <a:lvl3pPr marL="914400" algn="l" defTabSz="914400" rtl="0" eaLnBrk="1" latinLnBrk="0" hangingPunct="1">
+              <a:defRPr sz="1800" kern="1200">
+                <a:solidFill>
+                  <a:schemeClr val="tx1"/>
+                </a:solidFill>
+                <a:latin typeface="+mn-lt"/>
+                <a:ea typeface="+mn-ea"/>
+                <a:cs typeface="+mn-cs"/>
+              </a:defRPr>
+            </a:lvl3pPr>
+            <a:lvl4pPr marL="1371600" algn="l" defTabSz="914400" rtl="0" eaLnBrk="1" latinLnBrk="0" hangingPunct="1">
+              <a:defRPr sz="1800" kern="1200">
+                <a:solidFill>
+                  <a:schemeClr val="tx1"/>
+                </a:solidFill>
+                <a:latin typeface="+mn-lt"/>
+                <a:ea typeface="+mn-ea"/>
+                <a:cs typeface="+mn-cs"/>
+              </a:defRPr>
+            </a:lvl4pPr>
+            <a:lvl5pPr marL="1828800" algn="l" defTabSz="914400" rtl="0" eaLnBrk="1" latinLnBrk="0" hangingPunct="1">
+              <a:defRPr sz="1800" kern="1200">
+                <a:solidFill>
+                  <a:schemeClr val="tx1"/>
+                </a:solidFill>
+                <a:latin typeface="+mn-lt"/>
+                <a:ea typeface="+mn-ea"/>
+                <a:cs typeface="+mn-cs"/>
+              </a:defRPr>
+            </a:lvl5pPr>
+            <a:lvl6pPr marL="2286000" algn="l" defTabSz="914400" rtl="0" eaLnBrk="1" latinLnBrk="0" hangingPunct="1">
+              <a:defRPr sz="1800" kern="1200">
+                <a:solidFill>
+                  <a:schemeClr val="tx1"/>
+                </a:solidFill>
+                <a:latin typeface="+mn-lt"/>
+                <a:ea typeface="+mn-ea"/>
+                <a:cs typeface="+mn-cs"/>
+              </a:defRPr>
+            </a:lvl6pPr>
+            <a:lvl7pPr marL="2743200" algn="l" defTabSz="914400" rtl="0" eaLnBrk="1" latinLnBrk="0" hangingPunct="1">
+              <a:defRPr sz="1800" kern="1200">
+                <a:solidFill>
+                  <a:schemeClr val="tx1"/>
+                </a:solidFill>
+                <a:latin typeface="+mn-lt"/>
+                <a:ea typeface="+mn-ea"/>
+                <a:cs typeface="+mn-cs"/>
+              </a:defRPr>
+            </a:lvl7pPr>
+            <a:lvl8pPr marL="3200400" algn="l" defTabSz="914400" rtl="0" eaLnBrk="1" latinLnBrk="0" hangingPunct="1">
+              <a:defRPr sz="1800" kern="1200">
+                <a:solidFill>
+                  <a:schemeClr val="tx1"/>
+                </a:solidFill>
+                <a:latin typeface="+mn-lt"/>
+                <a:ea typeface="+mn-ea"/>
+                <a:cs typeface="+mn-cs"/>
+              </a:defRPr>
+            </a:lvl8pPr>
+            <a:lvl9pPr marL="3657600" algn="l" defTabSz="914400" rtl="0" eaLnBrk="1" latinLnBrk="0" hangingPunct="1">
+              <a:defRPr sz="1800" kern="1200">
+                <a:solidFill>
+                  <a:schemeClr val="tx1"/>
+                </a:solidFill>
+                <a:latin typeface="+mn-lt"/>
+                <a:ea typeface="+mn-ea"/>
+                <a:cs typeface="+mn-cs"/>
+              </a:defRPr>
+            </a:lvl9pPr>
+          </a:lstStyle>
+          <a:p>
+            <a:pPr algn="ctr" eaLnBrk="0" fontAlgn="base" hangingPunct="0">
+              <a:spcBef>
+                <a:spcPct val="0"/>
+              </a:spcBef>
+              <a:spcAft>
+                <a:spcPct val="0"/>
+              </a:spcAft>
+              <a:defRPr/>
+            </a:pPr>
+            <a:r>
+              <a:rPr lang="en-US" sz="1400" b="1" dirty="0">
+                <a:solidFill>
+                  <a:srgbClr val="000000"/>
+                </a:solidFill>
+                <a:cs typeface="Arial" charset="0"/>
+              </a:rPr>
+              <a:t>Downlink</a:t>
+            </a:r>
+            <a:br>
+              <a:rPr lang="en-US" sz="1400" b="1" dirty="0">
+                <a:solidFill>
+                  <a:srgbClr val="000000"/>
+                </a:solidFill>
+                <a:cs typeface="Arial" charset="0"/>
+              </a:rPr>
+            </a:br>
+            <a:r>
+              <a:rPr lang="en-US" sz="1400" b="1" dirty="0">
+                <a:solidFill>
+                  <a:srgbClr val="000000"/>
+                </a:solidFill>
+                <a:cs typeface="Arial" charset="0"/>
+              </a:rPr>
+              <a:t> </a:t>
+            </a:r>
+            <a:r>
+              <a:rPr lang="en-US" sz="1400" dirty="0" err="1">
+                <a:solidFill>
+                  <a:srgbClr val="000000"/>
+                </a:solidFill>
+                <a:cs typeface="Arial" panose="020B0604020202020204" pitchFamily="34" charset="0"/>
+              </a:rPr>
+              <a:t>dl_rtty</a:t>
+            </a:r>
+            <a:endParaRPr lang="en-US" sz="1400" dirty="0">
+              <a:solidFill>
+                <a:srgbClr val="000000"/>
+              </a:solidFill>
+              <a:cs typeface="Arial" panose="020B0604020202020204" pitchFamily="34" charset="0"/>
+            </a:endParaRPr>
+          </a:p>
+        </p:txBody>
+      </p:sp>
+      <p:sp>
+        <p:nvSpPr>
+          <p:cNvPr id="68" name="Rechteck 67">
+            <a:extLst>
+              <a:ext uri="{FF2B5EF4-FFF2-40B4-BE49-F238E27FC236}">
+                <a16:creationId xmlns:a16="http://schemas.microsoft.com/office/drawing/2014/main" id="{E630521E-E15E-4FCF-8641-99C404511693}"/>
+              </a:ext>
+            </a:extLst>
+          </p:cNvPr>
+          <p:cNvSpPr/>
+          <p:nvPr/>
+        </p:nvSpPr>
+        <p:spPr bwMode="auto">
+          <a:xfrm>
+            <a:off x="4630232" y="1955852"/>
+            <a:ext cx="206447" cy="214693"/>
+          </a:xfrm>
+          <a:prstGeom prst="rect">
+            <a:avLst/>
+          </a:prstGeom>
+          <a:solidFill>
+            <a:srgbClr val="FFFFFF"/>
+          </a:solidFill>
+          <a:ln w="9525" cap="flat" cmpd="sng" algn="ctr">
+            <a:solidFill>
+              <a:srgbClr val="000000"/>
+            </a:solidFill>
+            <a:prstDash val="solid"/>
+          </a:ln>
+          <a:effectLst/>
+        </p:spPr>
+        <p:txBody>
+          <a:bodyPr anchor="ctr"/>
+          <a:lstStyle>
+            <a:defPPr>
+              <a:defRPr lang="de-DE"/>
+            </a:defPPr>
+            <a:lvl1pPr marL="0" algn="l" defTabSz="914400" rtl="0" eaLnBrk="1" latinLnBrk="0" hangingPunct="1">
+              <a:defRPr sz="1800" kern="1200">
+                <a:solidFill>
+                  <a:schemeClr val="tx1"/>
+                </a:solidFill>
+                <a:latin typeface="+mn-lt"/>
+                <a:ea typeface="+mn-ea"/>
+                <a:cs typeface="+mn-cs"/>
+              </a:defRPr>
+            </a:lvl1pPr>
+            <a:lvl2pPr marL="457200" algn="l" defTabSz="914400" rtl="0" eaLnBrk="1" latinLnBrk="0" hangingPunct="1">
+              <a:defRPr sz="1800" kern="1200">
+                <a:solidFill>
+                  <a:schemeClr val="tx1"/>
+                </a:solidFill>
+                <a:latin typeface="+mn-lt"/>
+                <a:ea typeface="+mn-ea"/>
+                <a:cs typeface="+mn-cs"/>
+              </a:defRPr>
+            </a:lvl2pPr>
+            <a:lvl3pPr marL="914400" algn="l" defTabSz="914400" rtl="0" eaLnBrk="1" latinLnBrk="0" hangingPunct="1">
+              <a:defRPr sz="1800" kern="1200">
+                <a:solidFill>
+                  <a:schemeClr val="tx1"/>
+                </a:solidFill>
+                <a:latin typeface="+mn-lt"/>
+                <a:ea typeface="+mn-ea"/>
+                <a:cs typeface="+mn-cs"/>
+              </a:defRPr>
+            </a:lvl3pPr>
+            <a:lvl4pPr marL="1371600" algn="l" defTabSz="914400" rtl="0" eaLnBrk="1" latinLnBrk="0" hangingPunct="1">
+              <a:defRPr sz="1800" kern="1200">
+                <a:solidFill>
+                  <a:schemeClr val="tx1"/>
+                </a:solidFill>
+                <a:latin typeface="+mn-lt"/>
+                <a:ea typeface="+mn-ea"/>
+                <a:cs typeface="+mn-cs"/>
+              </a:defRPr>
+            </a:lvl4pPr>
+            <a:lvl5pPr marL="1828800" algn="l" defTabSz="914400" rtl="0" eaLnBrk="1" latinLnBrk="0" hangingPunct="1">
+              <a:defRPr sz="1800" kern="1200">
+                <a:solidFill>
+                  <a:schemeClr val="tx1"/>
+                </a:solidFill>
+                <a:latin typeface="+mn-lt"/>
+                <a:ea typeface="+mn-ea"/>
+                <a:cs typeface="+mn-cs"/>
+              </a:defRPr>
+            </a:lvl5pPr>
+            <a:lvl6pPr marL="2286000" algn="l" defTabSz="914400" rtl="0" eaLnBrk="1" latinLnBrk="0" hangingPunct="1">
+              <a:defRPr sz="1800" kern="1200">
+                <a:solidFill>
+                  <a:schemeClr val="tx1"/>
+                </a:solidFill>
+                <a:latin typeface="+mn-lt"/>
+                <a:ea typeface="+mn-ea"/>
+                <a:cs typeface="+mn-cs"/>
+              </a:defRPr>
+            </a:lvl6pPr>
+            <a:lvl7pPr marL="2743200" algn="l" defTabSz="914400" rtl="0" eaLnBrk="1" latinLnBrk="0" hangingPunct="1">
+              <a:defRPr sz="1800" kern="1200">
+                <a:solidFill>
+                  <a:schemeClr val="tx1"/>
+                </a:solidFill>
+                <a:latin typeface="+mn-lt"/>
+                <a:ea typeface="+mn-ea"/>
+                <a:cs typeface="+mn-cs"/>
+              </a:defRPr>
+            </a:lvl7pPr>
+            <a:lvl8pPr marL="3200400" algn="l" defTabSz="914400" rtl="0" eaLnBrk="1" latinLnBrk="0" hangingPunct="1">
+              <a:defRPr sz="1800" kern="1200">
+                <a:solidFill>
+                  <a:schemeClr val="tx1"/>
+                </a:solidFill>
+                <a:latin typeface="+mn-lt"/>
+                <a:ea typeface="+mn-ea"/>
+                <a:cs typeface="+mn-cs"/>
+              </a:defRPr>
+            </a:lvl8pPr>
+            <a:lvl9pPr marL="3657600" algn="l" defTabSz="914400" rtl="0" eaLnBrk="1" latinLnBrk="0" hangingPunct="1">
+              <a:defRPr sz="1800" kern="1200">
+                <a:solidFill>
+                  <a:schemeClr val="tx1"/>
+                </a:solidFill>
+                <a:latin typeface="+mn-lt"/>
+                <a:ea typeface="+mn-ea"/>
+                <a:cs typeface="+mn-cs"/>
+              </a:defRPr>
+            </a:lvl9pPr>
+          </a:lstStyle>
+          <a:p>
+            <a:pPr marL="0" marR="0" lvl="0" indent="0" algn="ctr" defTabSz="914400" eaLnBrk="0" fontAlgn="base" latinLnBrk="0" hangingPunct="0">
+              <a:lnSpc>
+                <a:spcPct val="100000"/>
+              </a:lnSpc>
+              <a:spcBef>
+                <a:spcPct val="0"/>
+              </a:spcBef>
+              <a:spcAft>
+                <a:spcPct val="0"/>
+              </a:spcAft>
+              <a:buClrTx/>
+              <a:buSzTx/>
+              <a:buFontTx/>
+              <a:buNone/>
+              <a:tabLst/>
+              <a:defRPr/>
+            </a:pPr>
+            <a:endParaRPr kumimoji="0" lang="en-US" sz="2800" b="0" i="0" u="none" strike="noStrike" kern="0" cap="none" spc="0" normalizeH="0" baseline="0" noProof="0" dirty="0">
+              <a:ln>
+                <a:noFill/>
+              </a:ln>
+              <a:solidFill>
+                <a:srgbClr val="000000"/>
+              </a:solidFill>
+              <a:effectLst/>
+              <a:uLnTx/>
+              <a:uFillTx/>
+              <a:latin typeface="Arial"/>
+              <a:ea typeface="+mn-ea"/>
+              <a:cs typeface="+mn-cs"/>
+            </a:endParaRPr>
+          </a:p>
+        </p:txBody>
+      </p:sp>
+      <p:cxnSp>
+        <p:nvCxnSpPr>
+          <p:cNvPr id="69" name="Gewinkelte Verbindung 50">
+            <a:extLst>
+              <a:ext uri="{FF2B5EF4-FFF2-40B4-BE49-F238E27FC236}">
+                <a16:creationId xmlns:a16="http://schemas.microsoft.com/office/drawing/2014/main" id="{845F7FF0-2AD2-4C66-8B9F-45DBE0931B25}"/>
+              </a:ext>
+            </a:extLst>
+          </p:cNvPr>
+          <p:cNvCxnSpPr>
+            <a:cxnSpLocks/>
+            <a:stCxn id="57" idx="1"/>
+            <a:endCxn id="68" idx="3"/>
+          </p:cNvCxnSpPr>
+          <p:nvPr/>
+        </p:nvCxnSpPr>
+        <p:spPr>
+          <a:xfrm flipH="1">
+            <a:off x="4836679" y="2063199"/>
+            <a:ext cx="614303" cy="0"/>
+          </a:xfrm>
+          <a:prstGeom prst="straightConnector1">
+            <a:avLst/>
+          </a:prstGeom>
+          <a:noFill/>
+          <a:ln w="9525" cap="flat" cmpd="sng" algn="ctr">
+            <a:solidFill>
+              <a:srgbClr val="000000"/>
+            </a:solidFill>
+            <a:prstDash val="solid"/>
+            <a:headEnd type="none" w="med" len="med"/>
+            <a:tailEnd type="triangle" w="med" len="med"/>
+          </a:ln>
+          <a:effectLst/>
+        </p:spPr>
+      </p:cxnSp>
     </p:spTree>
     <p:extLst>
       <p:ext uri="{BB962C8B-B14F-4D97-AF65-F5344CB8AC3E}">
@@ -25474,705 +26060,6 @@
       </p:cxnSp>
       <p:sp>
         <p:nvSpPr>
-          <p:cNvPr id="140" name="Rechteck 139">
-            <a:extLst>
-              <a:ext uri="{FF2B5EF4-FFF2-40B4-BE49-F238E27FC236}">
-                <a16:creationId xmlns:a16="http://schemas.microsoft.com/office/drawing/2014/main" id="{307954C7-01E3-452B-9F28-BA9EBE8AF1E6}"/>
-              </a:ext>
-            </a:extLst>
-          </p:cNvPr>
-          <p:cNvSpPr/>
-          <p:nvPr/>
-        </p:nvSpPr>
-        <p:spPr bwMode="auto">
-          <a:xfrm>
-            <a:off x="3714439" y="5756160"/>
-            <a:ext cx="206447" cy="214693"/>
-          </a:xfrm>
-          <a:prstGeom prst="rect">
-            <a:avLst/>
-          </a:prstGeom>
-          <a:solidFill>
-            <a:srgbClr val="FFFFFF"/>
-          </a:solidFill>
-          <a:ln w="9525" cap="flat" cmpd="sng" algn="ctr">
-            <a:solidFill>
-              <a:srgbClr val="000000"/>
-            </a:solidFill>
-            <a:prstDash val="solid"/>
-          </a:ln>
-          <a:effectLst/>
-        </p:spPr>
-        <p:txBody>
-          <a:bodyPr anchor="ctr"/>
-          <a:lstStyle>
-            <a:defPPr>
-              <a:defRPr lang="de-DE"/>
-            </a:defPPr>
-            <a:lvl1pPr marL="0" algn="l" defTabSz="914400" rtl="0" eaLnBrk="1" latinLnBrk="0" hangingPunct="1">
-              <a:defRPr sz="1800" kern="1200">
-                <a:solidFill>
-                  <a:schemeClr val="tx1"/>
-                </a:solidFill>
-                <a:latin typeface="+mn-lt"/>
-                <a:ea typeface="+mn-ea"/>
-                <a:cs typeface="+mn-cs"/>
-              </a:defRPr>
-            </a:lvl1pPr>
-            <a:lvl2pPr marL="457200" algn="l" defTabSz="914400" rtl="0" eaLnBrk="1" latinLnBrk="0" hangingPunct="1">
-              <a:defRPr sz="1800" kern="1200">
-                <a:solidFill>
-                  <a:schemeClr val="tx1"/>
-                </a:solidFill>
-                <a:latin typeface="+mn-lt"/>
-                <a:ea typeface="+mn-ea"/>
-                <a:cs typeface="+mn-cs"/>
-              </a:defRPr>
-            </a:lvl2pPr>
-            <a:lvl3pPr marL="914400" algn="l" defTabSz="914400" rtl="0" eaLnBrk="1" latinLnBrk="0" hangingPunct="1">
-              <a:defRPr sz="1800" kern="1200">
-                <a:solidFill>
-                  <a:schemeClr val="tx1"/>
-                </a:solidFill>
-                <a:latin typeface="+mn-lt"/>
-                <a:ea typeface="+mn-ea"/>
-                <a:cs typeface="+mn-cs"/>
-              </a:defRPr>
-            </a:lvl3pPr>
-            <a:lvl4pPr marL="1371600" algn="l" defTabSz="914400" rtl="0" eaLnBrk="1" latinLnBrk="0" hangingPunct="1">
-              <a:defRPr sz="1800" kern="1200">
-                <a:solidFill>
-                  <a:schemeClr val="tx1"/>
-                </a:solidFill>
-                <a:latin typeface="+mn-lt"/>
-                <a:ea typeface="+mn-ea"/>
-                <a:cs typeface="+mn-cs"/>
-              </a:defRPr>
-            </a:lvl4pPr>
-            <a:lvl5pPr marL="1828800" algn="l" defTabSz="914400" rtl="0" eaLnBrk="1" latinLnBrk="0" hangingPunct="1">
-              <a:defRPr sz="1800" kern="1200">
-                <a:solidFill>
-                  <a:schemeClr val="tx1"/>
-                </a:solidFill>
-                <a:latin typeface="+mn-lt"/>
-                <a:ea typeface="+mn-ea"/>
-                <a:cs typeface="+mn-cs"/>
-              </a:defRPr>
-            </a:lvl5pPr>
-            <a:lvl6pPr marL="2286000" algn="l" defTabSz="914400" rtl="0" eaLnBrk="1" latinLnBrk="0" hangingPunct="1">
-              <a:defRPr sz="1800" kern="1200">
-                <a:solidFill>
-                  <a:schemeClr val="tx1"/>
-                </a:solidFill>
-                <a:latin typeface="+mn-lt"/>
-                <a:ea typeface="+mn-ea"/>
-                <a:cs typeface="+mn-cs"/>
-              </a:defRPr>
-            </a:lvl6pPr>
-            <a:lvl7pPr marL="2743200" algn="l" defTabSz="914400" rtl="0" eaLnBrk="1" latinLnBrk="0" hangingPunct="1">
-              <a:defRPr sz="1800" kern="1200">
-                <a:solidFill>
-                  <a:schemeClr val="tx1"/>
-                </a:solidFill>
-                <a:latin typeface="+mn-lt"/>
-                <a:ea typeface="+mn-ea"/>
-                <a:cs typeface="+mn-cs"/>
-              </a:defRPr>
-            </a:lvl7pPr>
-            <a:lvl8pPr marL="3200400" algn="l" defTabSz="914400" rtl="0" eaLnBrk="1" latinLnBrk="0" hangingPunct="1">
-              <a:defRPr sz="1800" kern="1200">
-                <a:solidFill>
-                  <a:schemeClr val="tx1"/>
-                </a:solidFill>
-                <a:latin typeface="+mn-lt"/>
-                <a:ea typeface="+mn-ea"/>
-                <a:cs typeface="+mn-cs"/>
-              </a:defRPr>
-            </a:lvl8pPr>
-            <a:lvl9pPr marL="3657600" algn="l" defTabSz="914400" rtl="0" eaLnBrk="1" latinLnBrk="0" hangingPunct="1">
-              <a:defRPr sz="1800" kern="1200">
-                <a:solidFill>
-                  <a:schemeClr val="tx1"/>
-                </a:solidFill>
-                <a:latin typeface="+mn-lt"/>
-                <a:ea typeface="+mn-ea"/>
-                <a:cs typeface="+mn-cs"/>
-              </a:defRPr>
-            </a:lvl9pPr>
-          </a:lstStyle>
-          <a:p>
-            <a:pPr marL="0" marR="0" lvl="0" indent="0" algn="ctr" defTabSz="914400" eaLnBrk="0" fontAlgn="base" latinLnBrk="0" hangingPunct="0">
-              <a:lnSpc>
-                <a:spcPct val="100000"/>
-              </a:lnSpc>
-              <a:spcBef>
-                <a:spcPct val="0"/>
-              </a:spcBef>
-              <a:spcAft>
-                <a:spcPct val="0"/>
-              </a:spcAft>
-              <a:buClrTx/>
-              <a:buSzTx/>
-              <a:buFontTx/>
-              <a:buNone/>
-              <a:tabLst/>
-              <a:defRPr/>
-            </a:pPr>
-            <a:endParaRPr kumimoji="0" lang="en-US" sz="2800" b="0" i="0" u="none" strike="noStrike" kern="0" cap="none" spc="0" normalizeH="0" baseline="0" noProof="0" dirty="0">
-              <a:ln>
-                <a:noFill/>
-              </a:ln>
-              <a:solidFill>
-                <a:srgbClr val="000000"/>
-              </a:solidFill>
-              <a:effectLst/>
-              <a:uLnTx/>
-              <a:uFillTx/>
-              <a:latin typeface="Arial"/>
-              <a:ea typeface="+mn-ea"/>
-              <a:cs typeface="+mn-cs"/>
-            </a:endParaRPr>
-          </a:p>
-        </p:txBody>
-      </p:sp>
-      <p:sp>
-        <p:nvSpPr>
-          <p:cNvPr id="141" name="Rechteck 140">
-            <a:extLst>
-              <a:ext uri="{FF2B5EF4-FFF2-40B4-BE49-F238E27FC236}">
-                <a16:creationId xmlns:a16="http://schemas.microsoft.com/office/drawing/2014/main" id="{9B1A0830-6FE2-45CF-B2DE-EAAC2A2CE468}"/>
-              </a:ext>
-            </a:extLst>
-          </p:cNvPr>
-          <p:cNvSpPr/>
-          <p:nvPr/>
-        </p:nvSpPr>
-        <p:spPr bwMode="auto">
-          <a:xfrm>
-            <a:off x="1926123" y="5547880"/>
-            <a:ext cx="1059056" cy="648072"/>
-          </a:xfrm>
-          <a:prstGeom prst="rect">
-            <a:avLst/>
-          </a:prstGeom>
-          <a:solidFill>
-            <a:srgbClr val="FFFFFF"/>
-          </a:solidFill>
-          <a:ln w="9525" cap="flat" cmpd="sng" algn="ctr">
-            <a:solidFill>
-              <a:srgbClr val="000000"/>
-            </a:solidFill>
-            <a:prstDash val="solid"/>
-          </a:ln>
-          <a:effectLst/>
-        </p:spPr>
-        <p:txBody>
-          <a:bodyPr anchor="ctr"/>
-          <a:lstStyle>
-            <a:defPPr>
-              <a:defRPr lang="de-DE"/>
-            </a:defPPr>
-            <a:lvl1pPr marL="0" algn="l" defTabSz="914400" rtl="0" eaLnBrk="1" latinLnBrk="0" hangingPunct="1">
-              <a:defRPr sz="1800" kern="1200">
-                <a:solidFill>
-                  <a:schemeClr val="tx1"/>
-                </a:solidFill>
-                <a:latin typeface="+mn-lt"/>
-                <a:ea typeface="+mn-ea"/>
-                <a:cs typeface="+mn-cs"/>
-              </a:defRPr>
-            </a:lvl1pPr>
-            <a:lvl2pPr marL="457200" algn="l" defTabSz="914400" rtl="0" eaLnBrk="1" latinLnBrk="0" hangingPunct="1">
-              <a:defRPr sz="1800" kern="1200">
-                <a:solidFill>
-                  <a:schemeClr val="tx1"/>
-                </a:solidFill>
-                <a:latin typeface="+mn-lt"/>
-                <a:ea typeface="+mn-ea"/>
-                <a:cs typeface="+mn-cs"/>
-              </a:defRPr>
-            </a:lvl2pPr>
-            <a:lvl3pPr marL="914400" algn="l" defTabSz="914400" rtl="0" eaLnBrk="1" latinLnBrk="0" hangingPunct="1">
-              <a:defRPr sz="1800" kern="1200">
-                <a:solidFill>
-                  <a:schemeClr val="tx1"/>
-                </a:solidFill>
-                <a:latin typeface="+mn-lt"/>
-                <a:ea typeface="+mn-ea"/>
-                <a:cs typeface="+mn-cs"/>
-              </a:defRPr>
-            </a:lvl3pPr>
-            <a:lvl4pPr marL="1371600" algn="l" defTabSz="914400" rtl="0" eaLnBrk="1" latinLnBrk="0" hangingPunct="1">
-              <a:defRPr sz="1800" kern="1200">
-                <a:solidFill>
-                  <a:schemeClr val="tx1"/>
-                </a:solidFill>
-                <a:latin typeface="+mn-lt"/>
-                <a:ea typeface="+mn-ea"/>
-                <a:cs typeface="+mn-cs"/>
-              </a:defRPr>
-            </a:lvl4pPr>
-            <a:lvl5pPr marL="1828800" algn="l" defTabSz="914400" rtl="0" eaLnBrk="1" latinLnBrk="0" hangingPunct="1">
-              <a:defRPr sz="1800" kern="1200">
-                <a:solidFill>
-                  <a:schemeClr val="tx1"/>
-                </a:solidFill>
-                <a:latin typeface="+mn-lt"/>
-                <a:ea typeface="+mn-ea"/>
-                <a:cs typeface="+mn-cs"/>
-              </a:defRPr>
-            </a:lvl5pPr>
-            <a:lvl6pPr marL="2286000" algn="l" defTabSz="914400" rtl="0" eaLnBrk="1" latinLnBrk="0" hangingPunct="1">
-              <a:defRPr sz="1800" kern="1200">
-                <a:solidFill>
-                  <a:schemeClr val="tx1"/>
-                </a:solidFill>
-                <a:latin typeface="+mn-lt"/>
-                <a:ea typeface="+mn-ea"/>
-                <a:cs typeface="+mn-cs"/>
-              </a:defRPr>
-            </a:lvl6pPr>
-            <a:lvl7pPr marL="2743200" algn="l" defTabSz="914400" rtl="0" eaLnBrk="1" latinLnBrk="0" hangingPunct="1">
-              <a:defRPr sz="1800" kern="1200">
-                <a:solidFill>
-                  <a:schemeClr val="tx1"/>
-                </a:solidFill>
-                <a:latin typeface="+mn-lt"/>
-                <a:ea typeface="+mn-ea"/>
-                <a:cs typeface="+mn-cs"/>
-              </a:defRPr>
-            </a:lvl7pPr>
-            <a:lvl8pPr marL="3200400" algn="l" defTabSz="914400" rtl="0" eaLnBrk="1" latinLnBrk="0" hangingPunct="1">
-              <a:defRPr sz="1800" kern="1200">
-                <a:solidFill>
-                  <a:schemeClr val="tx1"/>
-                </a:solidFill>
-                <a:latin typeface="+mn-lt"/>
-                <a:ea typeface="+mn-ea"/>
-                <a:cs typeface="+mn-cs"/>
-              </a:defRPr>
-            </a:lvl8pPr>
-            <a:lvl9pPr marL="3657600" algn="l" defTabSz="914400" rtl="0" eaLnBrk="1" latinLnBrk="0" hangingPunct="1">
-              <a:defRPr sz="1800" kern="1200">
-                <a:solidFill>
-                  <a:schemeClr val="tx1"/>
-                </a:solidFill>
-                <a:latin typeface="+mn-lt"/>
-                <a:ea typeface="+mn-ea"/>
-                <a:cs typeface="+mn-cs"/>
-              </a:defRPr>
-            </a:lvl9pPr>
-          </a:lstStyle>
-          <a:p>
-            <a:pPr marL="0" marR="0" lvl="0" indent="0" algn="ctr" defTabSz="914400" eaLnBrk="0" fontAlgn="base" latinLnBrk="0" hangingPunct="0">
-              <a:lnSpc>
-                <a:spcPct val="100000"/>
-              </a:lnSpc>
-              <a:spcBef>
-                <a:spcPct val="0"/>
-              </a:spcBef>
-              <a:spcAft>
-                <a:spcPct val="0"/>
-              </a:spcAft>
-              <a:buClrTx/>
-              <a:buSzTx/>
-              <a:buFontTx/>
-              <a:buNone/>
-              <a:tabLst/>
-              <a:defRPr/>
-            </a:pPr>
-            <a:endParaRPr kumimoji="0" lang="en-US" sz="2800" b="0" i="0" u="none" strike="noStrike" kern="0" cap="none" spc="0" normalizeH="0" baseline="0" noProof="0" dirty="0">
-              <a:ln>
-                <a:noFill/>
-              </a:ln>
-              <a:solidFill>
-                <a:srgbClr val="000000"/>
-              </a:solidFill>
-              <a:effectLst/>
-              <a:uLnTx/>
-              <a:uFillTx/>
-              <a:latin typeface="Arial"/>
-              <a:ea typeface="+mn-ea"/>
-              <a:cs typeface="+mn-cs"/>
-            </a:endParaRPr>
-          </a:p>
-        </p:txBody>
-      </p:sp>
-      <p:sp>
-        <p:nvSpPr>
-          <p:cNvPr id="142" name="Rechteck 141">
-            <a:extLst>
-              <a:ext uri="{FF2B5EF4-FFF2-40B4-BE49-F238E27FC236}">
-                <a16:creationId xmlns:a16="http://schemas.microsoft.com/office/drawing/2014/main" id="{10330F4B-72CB-41B5-874F-8625030401FD}"/>
-              </a:ext>
-            </a:extLst>
-          </p:cNvPr>
-          <p:cNvSpPr/>
-          <p:nvPr/>
-        </p:nvSpPr>
-        <p:spPr>
-          <a:xfrm>
-            <a:off x="1917038" y="5605893"/>
-            <a:ext cx="1059056" cy="523220"/>
-          </a:xfrm>
-          <a:prstGeom prst="rect">
-            <a:avLst/>
-          </a:prstGeom>
-        </p:spPr>
-        <p:txBody>
-          <a:bodyPr wrap="square">
-            <a:spAutoFit/>
-          </a:bodyPr>
-          <a:lstStyle>
-            <a:defPPr>
-              <a:defRPr lang="de-DE"/>
-            </a:defPPr>
-            <a:lvl1pPr marL="0" algn="l" defTabSz="914400" rtl="0" eaLnBrk="1" latinLnBrk="0" hangingPunct="1">
-              <a:defRPr sz="1800" kern="1200">
-                <a:solidFill>
-                  <a:schemeClr val="tx1"/>
-                </a:solidFill>
-                <a:latin typeface="+mn-lt"/>
-                <a:ea typeface="+mn-ea"/>
-                <a:cs typeface="+mn-cs"/>
-              </a:defRPr>
-            </a:lvl1pPr>
-            <a:lvl2pPr marL="457200" algn="l" defTabSz="914400" rtl="0" eaLnBrk="1" latinLnBrk="0" hangingPunct="1">
-              <a:defRPr sz="1800" kern="1200">
-                <a:solidFill>
-                  <a:schemeClr val="tx1"/>
-                </a:solidFill>
-                <a:latin typeface="+mn-lt"/>
-                <a:ea typeface="+mn-ea"/>
-                <a:cs typeface="+mn-cs"/>
-              </a:defRPr>
-            </a:lvl2pPr>
-            <a:lvl3pPr marL="914400" algn="l" defTabSz="914400" rtl="0" eaLnBrk="1" latinLnBrk="0" hangingPunct="1">
-              <a:defRPr sz="1800" kern="1200">
-                <a:solidFill>
-                  <a:schemeClr val="tx1"/>
-                </a:solidFill>
-                <a:latin typeface="+mn-lt"/>
-                <a:ea typeface="+mn-ea"/>
-                <a:cs typeface="+mn-cs"/>
-              </a:defRPr>
-            </a:lvl3pPr>
-            <a:lvl4pPr marL="1371600" algn="l" defTabSz="914400" rtl="0" eaLnBrk="1" latinLnBrk="0" hangingPunct="1">
-              <a:defRPr sz="1800" kern="1200">
-                <a:solidFill>
-                  <a:schemeClr val="tx1"/>
-                </a:solidFill>
-                <a:latin typeface="+mn-lt"/>
-                <a:ea typeface="+mn-ea"/>
-                <a:cs typeface="+mn-cs"/>
-              </a:defRPr>
-            </a:lvl4pPr>
-            <a:lvl5pPr marL="1828800" algn="l" defTabSz="914400" rtl="0" eaLnBrk="1" latinLnBrk="0" hangingPunct="1">
-              <a:defRPr sz="1800" kern="1200">
-                <a:solidFill>
-                  <a:schemeClr val="tx1"/>
-                </a:solidFill>
-                <a:latin typeface="+mn-lt"/>
-                <a:ea typeface="+mn-ea"/>
-                <a:cs typeface="+mn-cs"/>
-              </a:defRPr>
-            </a:lvl5pPr>
-            <a:lvl6pPr marL="2286000" algn="l" defTabSz="914400" rtl="0" eaLnBrk="1" latinLnBrk="0" hangingPunct="1">
-              <a:defRPr sz="1800" kern="1200">
-                <a:solidFill>
-                  <a:schemeClr val="tx1"/>
-                </a:solidFill>
-                <a:latin typeface="+mn-lt"/>
-                <a:ea typeface="+mn-ea"/>
-                <a:cs typeface="+mn-cs"/>
-              </a:defRPr>
-            </a:lvl6pPr>
-            <a:lvl7pPr marL="2743200" algn="l" defTabSz="914400" rtl="0" eaLnBrk="1" latinLnBrk="0" hangingPunct="1">
-              <a:defRPr sz="1800" kern="1200">
-                <a:solidFill>
-                  <a:schemeClr val="tx1"/>
-                </a:solidFill>
-                <a:latin typeface="+mn-lt"/>
-                <a:ea typeface="+mn-ea"/>
-                <a:cs typeface="+mn-cs"/>
-              </a:defRPr>
-            </a:lvl7pPr>
-            <a:lvl8pPr marL="3200400" algn="l" defTabSz="914400" rtl="0" eaLnBrk="1" latinLnBrk="0" hangingPunct="1">
-              <a:defRPr sz="1800" kern="1200">
-                <a:solidFill>
-                  <a:schemeClr val="tx1"/>
-                </a:solidFill>
-                <a:latin typeface="+mn-lt"/>
-                <a:ea typeface="+mn-ea"/>
-                <a:cs typeface="+mn-cs"/>
-              </a:defRPr>
-            </a:lvl8pPr>
-            <a:lvl9pPr marL="3657600" algn="l" defTabSz="914400" rtl="0" eaLnBrk="1" latinLnBrk="0" hangingPunct="1">
-              <a:defRPr sz="1800" kern="1200">
-                <a:solidFill>
-                  <a:schemeClr val="tx1"/>
-                </a:solidFill>
-                <a:latin typeface="+mn-lt"/>
-                <a:ea typeface="+mn-ea"/>
-                <a:cs typeface="+mn-cs"/>
-              </a:defRPr>
-            </a:lvl9pPr>
-          </a:lstStyle>
-          <a:p>
-            <a:pPr algn="ctr" eaLnBrk="0" fontAlgn="base" hangingPunct="0">
-              <a:spcBef>
-                <a:spcPct val="0"/>
-              </a:spcBef>
-              <a:spcAft>
-                <a:spcPct val="0"/>
-              </a:spcAft>
-              <a:defRPr/>
-            </a:pPr>
-            <a:r>
-              <a:rPr lang="en-US" sz="1400" b="1" dirty="0">
-                <a:solidFill>
-                  <a:srgbClr val="000000"/>
-                </a:solidFill>
-                <a:cs typeface="Arial" charset="0"/>
-              </a:rPr>
-              <a:t>Downlink</a:t>
-            </a:r>
-            <a:br>
-              <a:rPr lang="en-US" sz="1400" b="1" dirty="0">
-                <a:solidFill>
-                  <a:srgbClr val="000000"/>
-                </a:solidFill>
-                <a:cs typeface="Arial" charset="0"/>
-              </a:rPr>
-            </a:br>
-            <a:r>
-              <a:rPr lang="en-US" sz="1400" b="1" dirty="0">
-                <a:solidFill>
-                  <a:srgbClr val="000000"/>
-                </a:solidFill>
-                <a:cs typeface="Arial" charset="0"/>
-              </a:rPr>
-              <a:t> </a:t>
-            </a:r>
-            <a:r>
-              <a:rPr lang="en-US" sz="1400" dirty="0" err="1">
-                <a:solidFill>
-                  <a:srgbClr val="000000"/>
-                </a:solidFill>
-                <a:cs typeface="Arial" panose="020B0604020202020204" pitchFamily="34" charset="0"/>
-              </a:rPr>
-              <a:t>dl_rtty</a:t>
-            </a:r>
-            <a:endParaRPr lang="en-US" sz="1400" dirty="0">
-              <a:solidFill>
-                <a:srgbClr val="000000"/>
-              </a:solidFill>
-              <a:cs typeface="Arial" panose="020B0604020202020204" pitchFamily="34" charset="0"/>
-            </a:endParaRPr>
-          </a:p>
-        </p:txBody>
-      </p:sp>
-      <p:sp>
-        <p:nvSpPr>
-          <p:cNvPr id="143" name="Rechteck 142">
-            <a:extLst>
-              <a:ext uri="{FF2B5EF4-FFF2-40B4-BE49-F238E27FC236}">
-                <a16:creationId xmlns:a16="http://schemas.microsoft.com/office/drawing/2014/main" id="{9C8B214B-C9AB-45AC-A88C-D29EF7E9B1BC}"/>
-              </a:ext>
-            </a:extLst>
-          </p:cNvPr>
-          <p:cNvSpPr/>
-          <p:nvPr/>
-        </p:nvSpPr>
-        <p:spPr bwMode="auto">
-          <a:xfrm>
-            <a:off x="2893689" y="5756160"/>
-            <a:ext cx="206447" cy="214693"/>
-          </a:xfrm>
-          <a:prstGeom prst="rect">
-            <a:avLst/>
-          </a:prstGeom>
-          <a:solidFill>
-            <a:srgbClr val="FFFFFF"/>
-          </a:solidFill>
-          <a:ln w="9525" cap="flat" cmpd="sng" algn="ctr">
-            <a:solidFill>
-              <a:srgbClr val="000000"/>
-            </a:solidFill>
-            <a:prstDash val="solid"/>
-          </a:ln>
-          <a:effectLst/>
-        </p:spPr>
-        <p:txBody>
-          <a:bodyPr anchor="ctr"/>
-          <a:lstStyle>
-            <a:defPPr>
-              <a:defRPr lang="de-DE"/>
-            </a:defPPr>
-            <a:lvl1pPr marL="0" algn="l" defTabSz="914400" rtl="0" eaLnBrk="1" latinLnBrk="0" hangingPunct="1">
-              <a:defRPr sz="1800" kern="1200">
-                <a:solidFill>
-                  <a:schemeClr val="tx1"/>
-                </a:solidFill>
-                <a:latin typeface="+mn-lt"/>
-                <a:ea typeface="+mn-ea"/>
-                <a:cs typeface="+mn-cs"/>
-              </a:defRPr>
-            </a:lvl1pPr>
-            <a:lvl2pPr marL="457200" algn="l" defTabSz="914400" rtl="0" eaLnBrk="1" latinLnBrk="0" hangingPunct="1">
-              <a:defRPr sz="1800" kern="1200">
-                <a:solidFill>
-                  <a:schemeClr val="tx1"/>
-                </a:solidFill>
-                <a:latin typeface="+mn-lt"/>
-                <a:ea typeface="+mn-ea"/>
-                <a:cs typeface="+mn-cs"/>
-              </a:defRPr>
-            </a:lvl2pPr>
-            <a:lvl3pPr marL="914400" algn="l" defTabSz="914400" rtl="0" eaLnBrk="1" latinLnBrk="0" hangingPunct="1">
-              <a:defRPr sz="1800" kern="1200">
-                <a:solidFill>
-                  <a:schemeClr val="tx1"/>
-                </a:solidFill>
-                <a:latin typeface="+mn-lt"/>
-                <a:ea typeface="+mn-ea"/>
-                <a:cs typeface="+mn-cs"/>
-              </a:defRPr>
-            </a:lvl3pPr>
-            <a:lvl4pPr marL="1371600" algn="l" defTabSz="914400" rtl="0" eaLnBrk="1" latinLnBrk="0" hangingPunct="1">
-              <a:defRPr sz="1800" kern="1200">
-                <a:solidFill>
-                  <a:schemeClr val="tx1"/>
-                </a:solidFill>
-                <a:latin typeface="+mn-lt"/>
-                <a:ea typeface="+mn-ea"/>
-                <a:cs typeface="+mn-cs"/>
-              </a:defRPr>
-            </a:lvl4pPr>
-            <a:lvl5pPr marL="1828800" algn="l" defTabSz="914400" rtl="0" eaLnBrk="1" latinLnBrk="0" hangingPunct="1">
-              <a:defRPr sz="1800" kern="1200">
-                <a:solidFill>
-                  <a:schemeClr val="tx1"/>
-                </a:solidFill>
-                <a:latin typeface="+mn-lt"/>
-                <a:ea typeface="+mn-ea"/>
-                <a:cs typeface="+mn-cs"/>
-              </a:defRPr>
-            </a:lvl5pPr>
-            <a:lvl6pPr marL="2286000" algn="l" defTabSz="914400" rtl="0" eaLnBrk="1" latinLnBrk="0" hangingPunct="1">
-              <a:defRPr sz="1800" kern="1200">
-                <a:solidFill>
-                  <a:schemeClr val="tx1"/>
-                </a:solidFill>
-                <a:latin typeface="+mn-lt"/>
-                <a:ea typeface="+mn-ea"/>
-                <a:cs typeface="+mn-cs"/>
-              </a:defRPr>
-            </a:lvl6pPr>
-            <a:lvl7pPr marL="2743200" algn="l" defTabSz="914400" rtl="0" eaLnBrk="1" latinLnBrk="0" hangingPunct="1">
-              <a:defRPr sz="1800" kern="1200">
-                <a:solidFill>
-                  <a:schemeClr val="tx1"/>
-                </a:solidFill>
-                <a:latin typeface="+mn-lt"/>
-                <a:ea typeface="+mn-ea"/>
-                <a:cs typeface="+mn-cs"/>
-              </a:defRPr>
-            </a:lvl7pPr>
-            <a:lvl8pPr marL="3200400" algn="l" defTabSz="914400" rtl="0" eaLnBrk="1" latinLnBrk="0" hangingPunct="1">
-              <a:defRPr sz="1800" kern="1200">
-                <a:solidFill>
-                  <a:schemeClr val="tx1"/>
-                </a:solidFill>
-                <a:latin typeface="+mn-lt"/>
-                <a:ea typeface="+mn-ea"/>
-                <a:cs typeface="+mn-cs"/>
-              </a:defRPr>
-            </a:lvl8pPr>
-            <a:lvl9pPr marL="3657600" algn="l" defTabSz="914400" rtl="0" eaLnBrk="1" latinLnBrk="0" hangingPunct="1">
-              <a:defRPr sz="1800" kern="1200">
-                <a:solidFill>
-                  <a:schemeClr val="tx1"/>
-                </a:solidFill>
-                <a:latin typeface="+mn-lt"/>
-                <a:ea typeface="+mn-ea"/>
-                <a:cs typeface="+mn-cs"/>
-              </a:defRPr>
-            </a:lvl9pPr>
-          </a:lstStyle>
-          <a:p>
-            <a:pPr marL="0" marR="0" lvl="0" indent="0" algn="ctr" defTabSz="914400" eaLnBrk="0" fontAlgn="base" latinLnBrk="0" hangingPunct="0">
-              <a:lnSpc>
-                <a:spcPct val="100000"/>
-              </a:lnSpc>
-              <a:spcBef>
-                <a:spcPct val="0"/>
-              </a:spcBef>
-              <a:spcAft>
-                <a:spcPct val="0"/>
-              </a:spcAft>
-              <a:buClrTx/>
-              <a:buSzTx/>
-              <a:buFontTx/>
-              <a:buNone/>
-              <a:tabLst/>
-              <a:defRPr/>
-            </a:pPr>
-            <a:endParaRPr kumimoji="0" lang="en-US" sz="2800" b="0" i="0" u="none" strike="noStrike" kern="0" cap="none" spc="0" normalizeH="0" baseline="0" noProof="0" dirty="0">
-              <a:ln>
-                <a:noFill/>
-              </a:ln>
-              <a:solidFill>
-                <a:srgbClr val="000000"/>
-              </a:solidFill>
-              <a:effectLst/>
-              <a:uLnTx/>
-              <a:uFillTx/>
-              <a:latin typeface="Arial"/>
-              <a:ea typeface="+mn-ea"/>
-              <a:cs typeface="+mn-cs"/>
-            </a:endParaRPr>
-          </a:p>
-        </p:txBody>
-      </p:sp>
-      <p:cxnSp>
-        <p:nvCxnSpPr>
-          <p:cNvPr id="144" name="Gewinkelte Verbindung 50">
-            <a:extLst>
-              <a:ext uri="{FF2B5EF4-FFF2-40B4-BE49-F238E27FC236}">
-                <a16:creationId xmlns:a16="http://schemas.microsoft.com/office/drawing/2014/main" id="{B780398A-B4FB-469B-9D90-ABC5FA83785C}"/>
-              </a:ext>
-            </a:extLst>
-          </p:cNvPr>
-          <p:cNvCxnSpPr>
-            <a:cxnSpLocks/>
-            <a:stCxn id="140" idx="1"/>
-            <a:endCxn id="143" idx="3"/>
-          </p:cNvCxnSpPr>
-          <p:nvPr/>
-        </p:nvCxnSpPr>
-        <p:spPr>
-          <a:xfrm flipH="1">
-            <a:off x="3100136" y="5863507"/>
-            <a:ext cx="614303" cy="0"/>
-          </a:xfrm>
-          <a:prstGeom prst="straightConnector1">
-            <a:avLst/>
-          </a:prstGeom>
-          <a:noFill/>
-          <a:ln w="9525" cap="flat" cmpd="sng" algn="ctr">
-            <a:solidFill>
-              <a:srgbClr val="000000"/>
-            </a:solidFill>
-            <a:prstDash val="solid"/>
-            <a:headEnd type="none" w="med" len="med"/>
-            <a:tailEnd type="triangle" w="med" len="med"/>
-          </a:ln>
-          <a:effectLst/>
-        </p:spPr>
-      </p:cxnSp>
-      <p:sp>
-        <p:nvSpPr>
           <p:cNvPr id="145" name="Textfeld 147">
             <a:extLst>
               <a:ext uri="{FF2B5EF4-FFF2-40B4-BE49-F238E27FC236}">
@@ -26526,105 +26413,6 @@
       </p:sp>
       <p:sp>
         <p:nvSpPr>
-          <p:cNvPr id="3" name="Freihandform: Form 2">
-            <a:extLst>
-              <a:ext uri="{FF2B5EF4-FFF2-40B4-BE49-F238E27FC236}">
-                <a16:creationId xmlns:a16="http://schemas.microsoft.com/office/drawing/2014/main" id="{A1AAAF14-15D7-4B65-9078-86451CD4D2A3}"/>
-              </a:ext>
-            </a:extLst>
-          </p:cNvPr>
-          <p:cNvSpPr/>
-          <p:nvPr/>
-        </p:nvSpPr>
-        <p:spPr bwMode="auto">
-          <a:xfrm>
-            <a:off x="3460800" y="1411019"/>
-            <a:ext cx="3735526" cy="924707"/>
-          </a:xfrm>
-          <a:custGeom>
-            <a:avLst/>
-            <a:gdLst>
-              <a:gd name="connsiteX0" fmla="*/ 0 w 3556000"/>
-              <a:gd name="connsiteY0" fmla="*/ 641300 h 641300"/>
-              <a:gd name="connsiteX1" fmla="*/ 2397760 w 3556000"/>
-              <a:gd name="connsiteY1" fmla="*/ 11380 h 641300"/>
-              <a:gd name="connsiteX2" fmla="*/ 3556000 w 3556000"/>
-              <a:gd name="connsiteY2" fmla="*/ 295860 h 641300"/>
-            </a:gdLst>
-            <a:ahLst/>
-            <a:cxnLst>
-              <a:cxn ang="0">
-                <a:pos x="connsiteX0" y="connsiteY0"/>
-              </a:cxn>
-              <a:cxn ang="0">
-                <a:pos x="connsiteX1" y="connsiteY1"/>
-              </a:cxn>
-              <a:cxn ang="0">
-                <a:pos x="connsiteX2" y="connsiteY2"/>
-              </a:cxn>
-            </a:cxnLst>
-            <a:rect l="l" t="t" r="r" b="b"/>
-            <a:pathLst>
-              <a:path w="3556000" h="641300">
-                <a:moveTo>
-                  <a:pt x="0" y="641300"/>
-                </a:moveTo>
-                <a:cubicBezTo>
-                  <a:pt x="902546" y="355126"/>
-                  <a:pt x="1805093" y="68953"/>
-                  <a:pt x="2397760" y="11380"/>
-                </a:cubicBezTo>
-                <a:cubicBezTo>
-                  <a:pt x="2990427" y="-46193"/>
-                  <a:pt x="3273213" y="124833"/>
-                  <a:pt x="3556000" y="295860"/>
-                </a:cubicBezTo>
-              </a:path>
-            </a:pathLst>
-          </a:custGeom>
-          <a:noFill/>
-          <a:ln w="9525" cap="flat" cmpd="sng" algn="ctr">
-            <a:solidFill>
-              <a:srgbClr val="073DE9"/>
-            </a:solidFill>
-            <a:prstDash val="solid"/>
-            <a:headEnd type="none" w="med" len="med"/>
-            <a:tailEnd type="arrow" w="med" len="med"/>
-          </a:ln>
-          <a:effectLst/>
-          <a:extLst>
-            <a:ext uri="{909E8E84-426E-40DD-AFC4-6F175D3DCCD1}">
-              <a14:hiddenFill xmlns:a14="http://schemas.microsoft.com/office/drawing/2010/main">
-                <a:solidFill>
-                  <a:srgbClr val="FFFFFF"/>
-                </a:solidFill>
-              </a14:hiddenFill>
-            </a:ext>
-          </a:extLst>
-        </p:spPr>
-        <p:txBody>
-          <a:bodyPr anchor="ctr"/>
-          <a:lstStyle/>
-          <a:p>
-            <a:pPr algn="ctr" eaLnBrk="0" fontAlgn="base" hangingPunct="0">
-              <a:spcBef>
-                <a:spcPct val="0"/>
-              </a:spcBef>
-              <a:spcAft>
-                <a:spcPct val="0"/>
-              </a:spcAft>
-            </a:pPr>
-            <a:endParaRPr lang="en-US" kern="0">
-              <a:solidFill>
-                <a:srgbClr val="FFFFFF"/>
-              </a:solidFill>
-              <a:latin typeface="Arial"/>
-            </a:endParaRPr>
-          </a:p>
-        </p:txBody>
-      </p:sp>
-      <p:sp>
-        <p:nvSpPr>
           <p:cNvPr id="4" name="Freihandform: Form 3">
             <a:extLst>
               <a:ext uri="{FF2B5EF4-FFF2-40B4-BE49-F238E27FC236}">
@@ -26638,7 +26426,7 @@
         <p:spPr bwMode="auto">
           <a:xfrm>
             <a:off x="3603040" y="2829797"/>
-            <a:ext cx="3600400" cy="400152"/>
+            <a:ext cx="3600400" cy="429242"/>
           </a:xfrm>
           <a:custGeom>
             <a:avLst/>
@@ -26718,6 +26506,814 @@
             </a:prstTxWarp>
             <a:noAutofit/>
           </a:bodyPr>
+          <a:lstStyle/>
+          <a:p>
+            <a:pPr algn="ctr" eaLnBrk="0" fontAlgn="base" hangingPunct="0">
+              <a:spcBef>
+                <a:spcPct val="0"/>
+              </a:spcBef>
+              <a:spcAft>
+                <a:spcPct val="0"/>
+              </a:spcAft>
+            </a:pPr>
+            <a:endParaRPr lang="en-US" kern="0">
+              <a:solidFill>
+                <a:srgbClr val="FFFFFF"/>
+              </a:solidFill>
+              <a:latin typeface="Arial"/>
+            </a:endParaRPr>
+          </a:p>
+        </p:txBody>
+      </p:sp>
+      <p:sp>
+        <p:nvSpPr>
+          <p:cNvPr id="57" name="Rechteck 56">
+            <a:extLst>
+              <a:ext uri="{FF2B5EF4-FFF2-40B4-BE49-F238E27FC236}">
+                <a16:creationId xmlns:a16="http://schemas.microsoft.com/office/drawing/2014/main" id="{E9C31978-A1D6-4D24-A7F3-C2AEDE118775}"/>
+              </a:ext>
+            </a:extLst>
+          </p:cNvPr>
+          <p:cNvSpPr/>
+          <p:nvPr/>
+        </p:nvSpPr>
+        <p:spPr bwMode="auto">
+          <a:xfrm>
+            <a:off x="5450982" y="1955852"/>
+            <a:ext cx="206447" cy="214693"/>
+          </a:xfrm>
+          <a:prstGeom prst="rect">
+            <a:avLst/>
+          </a:prstGeom>
+          <a:solidFill>
+            <a:srgbClr val="FFFFFF"/>
+          </a:solidFill>
+          <a:ln w="9525" cap="flat" cmpd="sng" algn="ctr">
+            <a:solidFill>
+              <a:srgbClr val="000000"/>
+            </a:solidFill>
+            <a:prstDash val="solid"/>
+          </a:ln>
+          <a:effectLst/>
+        </p:spPr>
+        <p:txBody>
+          <a:bodyPr anchor="ctr"/>
+          <a:lstStyle>
+            <a:defPPr>
+              <a:defRPr lang="de-DE"/>
+            </a:defPPr>
+            <a:lvl1pPr marL="0" algn="l" defTabSz="914400" rtl="0" eaLnBrk="1" latinLnBrk="0" hangingPunct="1">
+              <a:defRPr sz="1800" kern="1200">
+                <a:solidFill>
+                  <a:schemeClr val="tx1"/>
+                </a:solidFill>
+                <a:latin typeface="+mn-lt"/>
+                <a:ea typeface="+mn-ea"/>
+                <a:cs typeface="+mn-cs"/>
+              </a:defRPr>
+            </a:lvl1pPr>
+            <a:lvl2pPr marL="457200" algn="l" defTabSz="914400" rtl="0" eaLnBrk="1" latinLnBrk="0" hangingPunct="1">
+              <a:defRPr sz="1800" kern="1200">
+                <a:solidFill>
+                  <a:schemeClr val="tx1"/>
+                </a:solidFill>
+                <a:latin typeface="+mn-lt"/>
+                <a:ea typeface="+mn-ea"/>
+                <a:cs typeface="+mn-cs"/>
+              </a:defRPr>
+            </a:lvl2pPr>
+            <a:lvl3pPr marL="914400" algn="l" defTabSz="914400" rtl="0" eaLnBrk="1" latinLnBrk="0" hangingPunct="1">
+              <a:defRPr sz="1800" kern="1200">
+                <a:solidFill>
+                  <a:schemeClr val="tx1"/>
+                </a:solidFill>
+                <a:latin typeface="+mn-lt"/>
+                <a:ea typeface="+mn-ea"/>
+                <a:cs typeface="+mn-cs"/>
+              </a:defRPr>
+            </a:lvl3pPr>
+            <a:lvl4pPr marL="1371600" algn="l" defTabSz="914400" rtl="0" eaLnBrk="1" latinLnBrk="0" hangingPunct="1">
+              <a:defRPr sz="1800" kern="1200">
+                <a:solidFill>
+                  <a:schemeClr val="tx1"/>
+                </a:solidFill>
+                <a:latin typeface="+mn-lt"/>
+                <a:ea typeface="+mn-ea"/>
+                <a:cs typeface="+mn-cs"/>
+              </a:defRPr>
+            </a:lvl4pPr>
+            <a:lvl5pPr marL="1828800" algn="l" defTabSz="914400" rtl="0" eaLnBrk="1" latinLnBrk="0" hangingPunct="1">
+              <a:defRPr sz="1800" kern="1200">
+                <a:solidFill>
+                  <a:schemeClr val="tx1"/>
+                </a:solidFill>
+                <a:latin typeface="+mn-lt"/>
+                <a:ea typeface="+mn-ea"/>
+                <a:cs typeface="+mn-cs"/>
+              </a:defRPr>
+            </a:lvl5pPr>
+            <a:lvl6pPr marL="2286000" algn="l" defTabSz="914400" rtl="0" eaLnBrk="1" latinLnBrk="0" hangingPunct="1">
+              <a:defRPr sz="1800" kern="1200">
+                <a:solidFill>
+                  <a:schemeClr val="tx1"/>
+                </a:solidFill>
+                <a:latin typeface="+mn-lt"/>
+                <a:ea typeface="+mn-ea"/>
+                <a:cs typeface="+mn-cs"/>
+              </a:defRPr>
+            </a:lvl6pPr>
+            <a:lvl7pPr marL="2743200" algn="l" defTabSz="914400" rtl="0" eaLnBrk="1" latinLnBrk="0" hangingPunct="1">
+              <a:defRPr sz="1800" kern="1200">
+                <a:solidFill>
+                  <a:schemeClr val="tx1"/>
+                </a:solidFill>
+                <a:latin typeface="+mn-lt"/>
+                <a:ea typeface="+mn-ea"/>
+                <a:cs typeface="+mn-cs"/>
+              </a:defRPr>
+            </a:lvl7pPr>
+            <a:lvl8pPr marL="3200400" algn="l" defTabSz="914400" rtl="0" eaLnBrk="1" latinLnBrk="0" hangingPunct="1">
+              <a:defRPr sz="1800" kern="1200">
+                <a:solidFill>
+                  <a:schemeClr val="tx1"/>
+                </a:solidFill>
+                <a:latin typeface="+mn-lt"/>
+                <a:ea typeface="+mn-ea"/>
+                <a:cs typeface="+mn-cs"/>
+              </a:defRPr>
+            </a:lvl8pPr>
+            <a:lvl9pPr marL="3657600" algn="l" defTabSz="914400" rtl="0" eaLnBrk="1" latinLnBrk="0" hangingPunct="1">
+              <a:defRPr sz="1800" kern="1200">
+                <a:solidFill>
+                  <a:schemeClr val="tx1"/>
+                </a:solidFill>
+                <a:latin typeface="+mn-lt"/>
+                <a:ea typeface="+mn-ea"/>
+                <a:cs typeface="+mn-cs"/>
+              </a:defRPr>
+            </a:lvl9pPr>
+          </a:lstStyle>
+          <a:p>
+            <a:pPr marL="0" marR="0" lvl="0" indent="0" algn="ctr" defTabSz="914400" eaLnBrk="0" fontAlgn="base" latinLnBrk="0" hangingPunct="0">
+              <a:lnSpc>
+                <a:spcPct val="100000"/>
+              </a:lnSpc>
+              <a:spcBef>
+                <a:spcPct val="0"/>
+              </a:spcBef>
+              <a:spcAft>
+                <a:spcPct val="0"/>
+              </a:spcAft>
+              <a:buClrTx/>
+              <a:buSzTx/>
+              <a:buFontTx/>
+              <a:buNone/>
+              <a:tabLst/>
+              <a:defRPr/>
+            </a:pPr>
+            <a:endParaRPr kumimoji="0" lang="en-US" sz="2800" b="0" i="0" u="none" strike="noStrike" kern="0" cap="none" spc="0" normalizeH="0" baseline="0" noProof="0" dirty="0">
+              <a:ln>
+                <a:noFill/>
+              </a:ln>
+              <a:solidFill>
+                <a:srgbClr val="000000"/>
+              </a:solidFill>
+              <a:effectLst/>
+              <a:uLnTx/>
+              <a:uFillTx/>
+              <a:latin typeface="Arial"/>
+              <a:ea typeface="+mn-ea"/>
+              <a:cs typeface="+mn-cs"/>
+            </a:endParaRPr>
+          </a:p>
+        </p:txBody>
+      </p:sp>
+      <p:sp>
+        <p:nvSpPr>
+          <p:cNvPr id="58" name="Rechteck 57">
+            <a:extLst>
+              <a:ext uri="{FF2B5EF4-FFF2-40B4-BE49-F238E27FC236}">
+                <a16:creationId xmlns:a16="http://schemas.microsoft.com/office/drawing/2014/main" id="{471865A1-747B-444D-8C34-FB85C43FCD95}"/>
+              </a:ext>
+            </a:extLst>
+          </p:cNvPr>
+          <p:cNvSpPr/>
+          <p:nvPr/>
+        </p:nvSpPr>
+        <p:spPr bwMode="auto">
+          <a:xfrm>
+            <a:off x="3662666" y="1747572"/>
+            <a:ext cx="1059056" cy="648072"/>
+          </a:xfrm>
+          <a:prstGeom prst="rect">
+            <a:avLst/>
+          </a:prstGeom>
+          <a:solidFill>
+            <a:srgbClr val="FFFFFF"/>
+          </a:solidFill>
+          <a:ln w="9525" cap="flat" cmpd="sng" algn="ctr">
+            <a:solidFill>
+              <a:srgbClr val="000000"/>
+            </a:solidFill>
+            <a:prstDash val="solid"/>
+          </a:ln>
+          <a:effectLst/>
+        </p:spPr>
+        <p:txBody>
+          <a:bodyPr anchor="ctr"/>
+          <a:lstStyle>
+            <a:defPPr>
+              <a:defRPr lang="de-DE"/>
+            </a:defPPr>
+            <a:lvl1pPr marL="0" algn="l" defTabSz="914400" rtl="0" eaLnBrk="1" latinLnBrk="0" hangingPunct="1">
+              <a:defRPr sz="1800" kern="1200">
+                <a:solidFill>
+                  <a:schemeClr val="tx1"/>
+                </a:solidFill>
+                <a:latin typeface="+mn-lt"/>
+                <a:ea typeface="+mn-ea"/>
+                <a:cs typeface="+mn-cs"/>
+              </a:defRPr>
+            </a:lvl1pPr>
+            <a:lvl2pPr marL="457200" algn="l" defTabSz="914400" rtl="0" eaLnBrk="1" latinLnBrk="0" hangingPunct="1">
+              <a:defRPr sz="1800" kern="1200">
+                <a:solidFill>
+                  <a:schemeClr val="tx1"/>
+                </a:solidFill>
+                <a:latin typeface="+mn-lt"/>
+                <a:ea typeface="+mn-ea"/>
+                <a:cs typeface="+mn-cs"/>
+              </a:defRPr>
+            </a:lvl2pPr>
+            <a:lvl3pPr marL="914400" algn="l" defTabSz="914400" rtl="0" eaLnBrk="1" latinLnBrk="0" hangingPunct="1">
+              <a:defRPr sz="1800" kern="1200">
+                <a:solidFill>
+                  <a:schemeClr val="tx1"/>
+                </a:solidFill>
+                <a:latin typeface="+mn-lt"/>
+                <a:ea typeface="+mn-ea"/>
+                <a:cs typeface="+mn-cs"/>
+              </a:defRPr>
+            </a:lvl3pPr>
+            <a:lvl4pPr marL="1371600" algn="l" defTabSz="914400" rtl="0" eaLnBrk="1" latinLnBrk="0" hangingPunct="1">
+              <a:defRPr sz="1800" kern="1200">
+                <a:solidFill>
+                  <a:schemeClr val="tx1"/>
+                </a:solidFill>
+                <a:latin typeface="+mn-lt"/>
+                <a:ea typeface="+mn-ea"/>
+                <a:cs typeface="+mn-cs"/>
+              </a:defRPr>
+            </a:lvl4pPr>
+            <a:lvl5pPr marL="1828800" algn="l" defTabSz="914400" rtl="0" eaLnBrk="1" latinLnBrk="0" hangingPunct="1">
+              <a:defRPr sz="1800" kern="1200">
+                <a:solidFill>
+                  <a:schemeClr val="tx1"/>
+                </a:solidFill>
+                <a:latin typeface="+mn-lt"/>
+                <a:ea typeface="+mn-ea"/>
+                <a:cs typeface="+mn-cs"/>
+              </a:defRPr>
+            </a:lvl5pPr>
+            <a:lvl6pPr marL="2286000" algn="l" defTabSz="914400" rtl="0" eaLnBrk="1" latinLnBrk="0" hangingPunct="1">
+              <a:defRPr sz="1800" kern="1200">
+                <a:solidFill>
+                  <a:schemeClr val="tx1"/>
+                </a:solidFill>
+                <a:latin typeface="+mn-lt"/>
+                <a:ea typeface="+mn-ea"/>
+                <a:cs typeface="+mn-cs"/>
+              </a:defRPr>
+            </a:lvl6pPr>
+            <a:lvl7pPr marL="2743200" algn="l" defTabSz="914400" rtl="0" eaLnBrk="1" latinLnBrk="0" hangingPunct="1">
+              <a:defRPr sz="1800" kern="1200">
+                <a:solidFill>
+                  <a:schemeClr val="tx1"/>
+                </a:solidFill>
+                <a:latin typeface="+mn-lt"/>
+                <a:ea typeface="+mn-ea"/>
+                <a:cs typeface="+mn-cs"/>
+              </a:defRPr>
+            </a:lvl7pPr>
+            <a:lvl8pPr marL="3200400" algn="l" defTabSz="914400" rtl="0" eaLnBrk="1" latinLnBrk="0" hangingPunct="1">
+              <a:defRPr sz="1800" kern="1200">
+                <a:solidFill>
+                  <a:schemeClr val="tx1"/>
+                </a:solidFill>
+                <a:latin typeface="+mn-lt"/>
+                <a:ea typeface="+mn-ea"/>
+                <a:cs typeface="+mn-cs"/>
+              </a:defRPr>
+            </a:lvl8pPr>
+            <a:lvl9pPr marL="3657600" algn="l" defTabSz="914400" rtl="0" eaLnBrk="1" latinLnBrk="0" hangingPunct="1">
+              <a:defRPr sz="1800" kern="1200">
+                <a:solidFill>
+                  <a:schemeClr val="tx1"/>
+                </a:solidFill>
+                <a:latin typeface="+mn-lt"/>
+                <a:ea typeface="+mn-ea"/>
+                <a:cs typeface="+mn-cs"/>
+              </a:defRPr>
+            </a:lvl9pPr>
+          </a:lstStyle>
+          <a:p>
+            <a:pPr marL="0" marR="0" lvl="0" indent="0" algn="ctr" defTabSz="914400" eaLnBrk="0" fontAlgn="base" latinLnBrk="0" hangingPunct="0">
+              <a:lnSpc>
+                <a:spcPct val="100000"/>
+              </a:lnSpc>
+              <a:spcBef>
+                <a:spcPct val="0"/>
+              </a:spcBef>
+              <a:spcAft>
+                <a:spcPct val="0"/>
+              </a:spcAft>
+              <a:buClrTx/>
+              <a:buSzTx/>
+              <a:buFontTx/>
+              <a:buNone/>
+              <a:tabLst/>
+              <a:defRPr/>
+            </a:pPr>
+            <a:endParaRPr kumimoji="0" lang="en-US" sz="2800" b="0" i="0" u="none" strike="noStrike" kern="0" cap="none" spc="0" normalizeH="0" baseline="0" noProof="0" dirty="0">
+              <a:ln>
+                <a:noFill/>
+              </a:ln>
+              <a:solidFill>
+                <a:srgbClr val="000000"/>
+              </a:solidFill>
+              <a:effectLst/>
+              <a:uLnTx/>
+              <a:uFillTx/>
+              <a:latin typeface="Arial"/>
+              <a:ea typeface="+mn-ea"/>
+              <a:cs typeface="+mn-cs"/>
+            </a:endParaRPr>
+          </a:p>
+        </p:txBody>
+      </p:sp>
+      <p:sp>
+        <p:nvSpPr>
+          <p:cNvPr id="59" name="Rechteck 58">
+            <a:extLst>
+              <a:ext uri="{FF2B5EF4-FFF2-40B4-BE49-F238E27FC236}">
+                <a16:creationId xmlns:a16="http://schemas.microsoft.com/office/drawing/2014/main" id="{E9674564-609E-4599-931E-E9A6F117ECCA}"/>
+              </a:ext>
+            </a:extLst>
+          </p:cNvPr>
+          <p:cNvSpPr/>
+          <p:nvPr/>
+        </p:nvSpPr>
+        <p:spPr>
+          <a:xfrm>
+            <a:off x="3653581" y="1805585"/>
+            <a:ext cx="1059056" cy="523220"/>
+          </a:xfrm>
+          <a:prstGeom prst="rect">
+            <a:avLst/>
+          </a:prstGeom>
+        </p:spPr>
+        <p:txBody>
+          <a:bodyPr wrap="square">
+            <a:spAutoFit/>
+          </a:bodyPr>
+          <a:lstStyle>
+            <a:defPPr>
+              <a:defRPr lang="de-DE"/>
+            </a:defPPr>
+            <a:lvl1pPr marL="0" algn="l" defTabSz="914400" rtl="0" eaLnBrk="1" latinLnBrk="0" hangingPunct="1">
+              <a:defRPr sz="1800" kern="1200">
+                <a:solidFill>
+                  <a:schemeClr val="tx1"/>
+                </a:solidFill>
+                <a:latin typeface="+mn-lt"/>
+                <a:ea typeface="+mn-ea"/>
+                <a:cs typeface="+mn-cs"/>
+              </a:defRPr>
+            </a:lvl1pPr>
+            <a:lvl2pPr marL="457200" algn="l" defTabSz="914400" rtl="0" eaLnBrk="1" latinLnBrk="0" hangingPunct="1">
+              <a:defRPr sz="1800" kern="1200">
+                <a:solidFill>
+                  <a:schemeClr val="tx1"/>
+                </a:solidFill>
+                <a:latin typeface="+mn-lt"/>
+                <a:ea typeface="+mn-ea"/>
+                <a:cs typeface="+mn-cs"/>
+              </a:defRPr>
+            </a:lvl2pPr>
+            <a:lvl3pPr marL="914400" algn="l" defTabSz="914400" rtl="0" eaLnBrk="1" latinLnBrk="0" hangingPunct="1">
+              <a:defRPr sz="1800" kern="1200">
+                <a:solidFill>
+                  <a:schemeClr val="tx1"/>
+                </a:solidFill>
+                <a:latin typeface="+mn-lt"/>
+                <a:ea typeface="+mn-ea"/>
+                <a:cs typeface="+mn-cs"/>
+              </a:defRPr>
+            </a:lvl3pPr>
+            <a:lvl4pPr marL="1371600" algn="l" defTabSz="914400" rtl="0" eaLnBrk="1" latinLnBrk="0" hangingPunct="1">
+              <a:defRPr sz="1800" kern="1200">
+                <a:solidFill>
+                  <a:schemeClr val="tx1"/>
+                </a:solidFill>
+                <a:latin typeface="+mn-lt"/>
+                <a:ea typeface="+mn-ea"/>
+                <a:cs typeface="+mn-cs"/>
+              </a:defRPr>
+            </a:lvl4pPr>
+            <a:lvl5pPr marL="1828800" algn="l" defTabSz="914400" rtl="0" eaLnBrk="1" latinLnBrk="0" hangingPunct="1">
+              <a:defRPr sz="1800" kern="1200">
+                <a:solidFill>
+                  <a:schemeClr val="tx1"/>
+                </a:solidFill>
+                <a:latin typeface="+mn-lt"/>
+                <a:ea typeface="+mn-ea"/>
+                <a:cs typeface="+mn-cs"/>
+              </a:defRPr>
+            </a:lvl5pPr>
+            <a:lvl6pPr marL="2286000" algn="l" defTabSz="914400" rtl="0" eaLnBrk="1" latinLnBrk="0" hangingPunct="1">
+              <a:defRPr sz="1800" kern="1200">
+                <a:solidFill>
+                  <a:schemeClr val="tx1"/>
+                </a:solidFill>
+                <a:latin typeface="+mn-lt"/>
+                <a:ea typeface="+mn-ea"/>
+                <a:cs typeface="+mn-cs"/>
+              </a:defRPr>
+            </a:lvl6pPr>
+            <a:lvl7pPr marL="2743200" algn="l" defTabSz="914400" rtl="0" eaLnBrk="1" latinLnBrk="0" hangingPunct="1">
+              <a:defRPr sz="1800" kern="1200">
+                <a:solidFill>
+                  <a:schemeClr val="tx1"/>
+                </a:solidFill>
+                <a:latin typeface="+mn-lt"/>
+                <a:ea typeface="+mn-ea"/>
+                <a:cs typeface="+mn-cs"/>
+              </a:defRPr>
+            </a:lvl7pPr>
+            <a:lvl8pPr marL="3200400" algn="l" defTabSz="914400" rtl="0" eaLnBrk="1" latinLnBrk="0" hangingPunct="1">
+              <a:defRPr sz="1800" kern="1200">
+                <a:solidFill>
+                  <a:schemeClr val="tx1"/>
+                </a:solidFill>
+                <a:latin typeface="+mn-lt"/>
+                <a:ea typeface="+mn-ea"/>
+                <a:cs typeface="+mn-cs"/>
+              </a:defRPr>
+            </a:lvl8pPr>
+            <a:lvl9pPr marL="3657600" algn="l" defTabSz="914400" rtl="0" eaLnBrk="1" latinLnBrk="0" hangingPunct="1">
+              <a:defRPr sz="1800" kern="1200">
+                <a:solidFill>
+                  <a:schemeClr val="tx1"/>
+                </a:solidFill>
+                <a:latin typeface="+mn-lt"/>
+                <a:ea typeface="+mn-ea"/>
+                <a:cs typeface="+mn-cs"/>
+              </a:defRPr>
+            </a:lvl9pPr>
+          </a:lstStyle>
+          <a:p>
+            <a:pPr algn="ctr" eaLnBrk="0" fontAlgn="base" hangingPunct="0">
+              <a:spcBef>
+                <a:spcPct val="0"/>
+              </a:spcBef>
+              <a:spcAft>
+                <a:spcPct val="0"/>
+              </a:spcAft>
+              <a:defRPr/>
+            </a:pPr>
+            <a:r>
+              <a:rPr lang="en-US" sz="1400" b="1" dirty="0">
+                <a:solidFill>
+                  <a:srgbClr val="000000"/>
+                </a:solidFill>
+                <a:cs typeface="Arial" charset="0"/>
+              </a:rPr>
+              <a:t>Downlink</a:t>
+            </a:r>
+            <a:br>
+              <a:rPr lang="en-US" sz="1400" b="1" dirty="0">
+                <a:solidFill>
+                  <a:srgbClr val="000000"/>
+                </a:solidFill>
+                <a:cs typeface="Arial" charset="0"/>
+              </a:rPr>
+            </a:br>
+            <a:r>
+              <a:rPr lang="en-US" sz="1400" b="1" dirty="0">
+                <a:solidFill>
+                  <a:srgbClr val="000000"/>
+                </a:solidFill>
+                <a:cs typeface="Arial" charset="0"/>
+              </a:rPr>
+              <a:t> </a:t>
+            </a:r>
+            <a:r>
+              <a:rPr lang="en-US" sz="1400" dirty="0" err="1">
+                <a:solidFill>
+                  <a:srgbClr val="000000"/>
+                </a:solidFill>
+                <a:cs typeface="Arial" panose="020B0604020202020204" pitchFamily="34" charset="0"/>
+              </a:rPr>
+              <a:t>dl_rtty</a:t>
+            </a:r>
+            <a:endParaRPr lang="en-US" sz="1400" dirty="0">
+              <a:solidFill>
+                <a:srgbClr val="000000"/>
+              </a:solidFill>
+              <a:cs typeface="Arial" panose="020B0604020202020204" pitchFamily="34" charset="0"/>
+            </a:endParaRPr>
+          </a:p>
+        </p:txBody>
+      </p:sp>
+      <p:sp>
+        <p:nvSpPr>
+          <p:cNvPr id="68" name="Rechteck 67">
+            <a:extLst>
+              <a:ext uri="{FF2B5EF4-FFF2-40B4-BE49-F238E27FC236}">
+                <a16:creationId xmlns:a16="http://schemas.microsoft.com/office/drawing/2014/main" id="{6FEB8F2D-51EA-4EAF-BAFD-8B149AB20F74}"/>
+              </a:ext>
+            </a:extLst>
+          </p:cNvPr>
+          <p:cNvSpPr/>
+          <p:nvPr/>
+        </p:nvSpPr>
+        <p:spPr bwMode="auto">
+          <a:xfrm>
+            <a:off x="4630232" y="1955852"/>
+            <a:ext cx="206447" cy="214693"/>
+          </a:xfrm>
+          <a:prstGeom prst="rect">
+            <a:avLst/>
+          </a:prstGeom>
+          <a:solidFill>
+            <a:srgbClr val="FFFFFF"/>
+          </a:solidFill>
+          <a:ln w="9525" cap="flat" cmpd="sng" algn="ctr">
+            <a:solidFill>
+              <a:srgbClr val="000000"/>
+            </a:solidFill>
+            <a:prstDash val="solid"/>
+          </a:ln>
+          <a:effectLst/>
+        </p:spPr>
+        <p:txBody>
+          <a:bodyPr anchor="ctr"/>
+          <a:lstStyle>
+            <a:defPPr>
+              <a:defRPr lang="de-DE"/>
+            </a:defPPr>
+            <a:lvl1pPr marL="0" algn="l" defTabSz="914400" rtl="0" eaLnBrk="1" latinLnBrk="0" hangingPunct="1">
+              <a:defRPr sz="1800" kern="1200">
+                <a:solidFill>
+                  <a:schemeClr val="tx1"/>
+                </a:solidFill>
+                <a:latin typeface="+mn-lt"/>
+                <a:ea typeface="+mn-ea"/>
+                <a:cs typeface="+mn-cs"/>
+              </a:defRPr>
+            </a:lvl1pPr>
+            <a:lvl2pPr marL="457200" algn="l" defTabSz="914400" rtl="0" eaLnBrk="1" latinLnBrk="0" hangingPunct="1">
+              <a:defRPr sz="1800" kern="1200">
+                <a:solidFill>
+                  <a:schemeClr val="tx1"/>
+                </a:solidFill>
+                <a:latin typeface="+mn-lt"/>
+                <a:ea typeface="+mn-ea"/>
+                <a:cs typeface="+mn-cs"/>
+              </a:defRPr>
+            </a:lvl2pPr>
+            <a:lvl3pPr marL="914400" algn="l" defTabSz="914400" rtl="0" eaLnBrk="1" latinLnBrk="0" hangingPunct="1">
+              <a:defRPr sz="1800" kern="1200">
+                <a:solidFill>
+                  <a:schemeClr val="tx1"/>
+                </a:solidFill>
+                <a:latin typeface="+mn-lt"/>
+                <a:ea typeface="+mn-ea"/>
+                <a:cs typeface="+mn-cs"/>
+              </a:defRPr>
+            </a:lvl3pPr>
+            <a:lvl4pPr marL="1371600" algn="l" defTabSz="914400" rtl="0" eaLnBrk="1" latinLnBrk="0" hangingPunct="1">
+              <a:defRPr sz="1800" kern="1200">
+                <a:solidFill>
+                  <a:schemeClr val="tx1"/>
+                </a:solidFill>
+                <a:latin typeface="+mn-lt"/>
+                <a:ea typeface="+mn-ea"/>
+                <a:cs typeface="+mn-cs"/>
+              </a:defRPr>
+            </a:lvl4pPr>
+            <a:lvl5pPr marL="1828800" algn="l" defTabSz="914400" rtl="0" eaLnBrk="1" latinLnBrk="0" hangingPunct="1">
+              <a:defRPr sz="1800" kern="1200">
+                <a:solidFill>
+                  <a:schemeClr val="tx1"/>
+                </a:solidFill>
+                <a:latin typeface="+mn-lt"/>
+                <a:ea typeface="+mn-ea"/>
+                <a:cs typeface="+mn-cs"/>
+              </a:defRPr>
+            </a:lvl5pPr>
+            <a:lvl6pPr marL="2286000" algn="l" defTabSz="914400" rtl="0" eaLnBrk="1" latinLnBrk="0" hangingPunct="1">
+              <a:defRPr sz="1800" kern="1200">
+                <a:solidFill>
+                  <a:schemeClr val="tx1"/>
+                </a:solidFill>
+                <a:latin typeface="+mn-lt"/>
+                <a:ea typeface="+mn-ea"/>
+                <a:cs typeface="+mn-cs"/>
+              </a:defRPr>
+            </a:lvl6pPr>
+            <a:lvl7pPr marL="2743200" algn="l" defTabSz="914400" rtl="0" eaLnBrk="1" latinLnBrk="0" hangingPunct="1">
+              <a:defRPr sz="1800" kern="1200">
+                <a:solidFill>
+                  <a:schemeClr val="tx1"/>
+                </a:solidFill>
+                <a:latin typeface="+mn-lt"/>
+                <a:ea typeface="+mn-ea"/>
+                <a:cs typeface="+mn-cs"/>
+              </a:defRPr>
+            </a:lvl7pPr>
+            <a:lvl8pPr marL="3200400" algn="l" defTabSz="914400" rtl="0" eaLnBrk="1" latinLnBrk="0" hangingPunct="1">
+              <a:defRPr sz="1800" kern="1200">
+                <a:solidFill>
+                  <a:schemeClr val="tx1"/>
+                </a:solidFill>
+                <a:latin typeface="+mn-lt"/>
+                <a:ea typeface="+mn-ea"/>
+                <a:cs typeface="+mn-cs"/>
+              </a:defRPr>
+            </a:lvl8pPr>
+            <a:lvl9pPr marL="3657600" algn="l" defTabSz="914400" rtl="0" eaLnBrk="1" latinLnBrk="0" hangingPunct="1">
+              <a:defRPr sz="1800" kern="1200">
+                <a:solidFill>
+                  <a:schemeClr val="tx1"/>
+                </a:solidFill>
+                <a:latin typeface="+mn-lt"/>
+                <a:ea typeface="+mn-ea"/>
+                <a:cs typeface="+mn-cs"/>
+              </a:defRPr>
+            </a:lvl9pPr>
+          </a:lstStyle>
+          <a:p>
+            <a:pPr marL="0" marR="0" lvl="0" indent="0" algn="ctr" defTabSz="914400" eaLnBrk="0" fontAlgn="base" latinLnBrk="0" hangingPunct="0">
+              <a:lnSpc>
+                <a:spcPct val="100000"/>
+              </a:lnSpc>
+              <a:spcBef>
+                <a:spcPct val="0"/>
+              </a:spcBef>
+              <a:spcAft>
+                <a:spcPct val="0"/>
+              </a:spcAft>
+              <a:buClrTx/>
+              <a:buSzTx/>
+              <a:buFontTx/>
+              <a:buNone/>
+              <a:tabLst/>
+              <a:defRPr/>
+            </a:pPr>
+            <a:endParaRPr kumimoji="0" lang="en-US" sz="2800" b="0" i="0" u="none" strike="noStrike" kern="0" cap="none" spc="0" normalizeH="0" baseline="0" noProof="0" dirty="0">
+              <a:ln>
+                <a:noFill/>
+              </a:ln>
+              <a:solidFill>
+                <a:srgbClr val="000000"/>
+              </a:solidFill>
+              <a:effectLst/>
+              <a:uLnTx/>
+              <a:uFillTx/>
+              <a:latin typeface="Arial"/>
+              <a:ea typeface="+mn-ea"/>
+              <a:cs typeface="+mn-cs"/>
+            </a:endParaRPr>
+          </a:p>
+        </p:txBody>
+      </p:sp>
+      <p:cxnSp>
+        <p:nvCxnSpPr>
+          <p:cNvPr id="69" name="Gewinkelte Verbindung 50">
+            <a:extLst>
+              <a:ext uri="{FF2B5EF4-FFF2-40B4-BE49-F238E27FC236}">
+                <a16:creationId xmlns:a16="http://schemas.microsoft.com/office/drawing/2014/main" id="{64A7F416-341E-4A96-BBB9-472491AAA88E}"/>
+              </a:ext>
+            </a:extLst>
+          </p:cNvPr>
+          <p:cNvCxnSpPr>
+            <a:cxnSpLocks/>
+            <a:stCxn id="57" idx="1"/>
+            <a:endCxn id="68" idx="3"/>
+          </p:cNvCxnSpPr>
+          <p:nvPr/>
+        </p:nvCxnSpPr>
+        <p:spPr>
+          <a:xfrm flipH="1">
+            <a:off x="4836679" y="2063199"/>
+            <a:ext cx="614303" cy="0"/>
+          </a:xfrm>
+          <a:prstGeom prst="straightConnector1">
+            <a:avLst/>
+          </a:prstGeom>
+          <a:noFill/>
+          <a:ln w="9525" cap="flat" cmpd="sng" algn="ctr">
+            <a:solidFill>
+              <a:srgbClr val="000000"/>
+            </a:solidFill>
+            <a:prstDash val="solid"/>
+            <a:headEnd type="none" w="med" len="med"/>
+            <a:tailEnd type="triangle" w="med" len="med"/>
+          </a:ln>
+          <a:effectLst/>
+        </p:spPr>
+      </p:cxnSp>
+      <p:sp>
+        <p:nvSpPr>
+          <p:cNvPr id="5" name="Freihandform: Form 4">
+            <a:extLst>
+              <a:ext uri="{FF2B5EF4-FFF2-40B4-BE49-F238E27FC236}">
+                <a16:creationId xmlns:a16="http://schemas.microsoft.com/office/drawing/2014/main" id="{D8FB913B-3657-46F4-8AAC-3E4EB258796C}"/>
+              </a:ext>
+            </a:extLst>
+          </p:cNvPr>
+          <p:cNvSpPr/>
+          <p:nvPr/>
+        </p:nvSpPr>
+        <p:spPr bwMode="auto">
+          <a:xfrm>
+            <a:off x="3203848" y="1315681"/>
+            <a:ext cx="3938632" cy="1051599"/>
+          </a:xfrm>
+          <a:custGeom>
+            <a:avLst/>
+            <a:gdLst>
+              <a:gd name="connsiteX0" fmla="*/ 85425 w 4108785"/>
+              <a:gd name="connsiteY0" fmla="*/ 1051599 h 1051599"/>
+              <a:gd name="connsiteX1" fmla="*/ 430865 w 4108785"/>
+              <a:gd name="connsiteY1" fmla="*/ 66079 h 1051599"/>
+              <a:gd name="connsiteX2" fmla="*/ 3438225 w 4108785"/>
+              <a:gd name="connsiteY2" fmla="*/ 127039 h 1051599"/>
+              <a:gd name="connsiteX3" fmla="*/ 4108785 w 4108785"/>
+              <a:gd name="connsiteY3" fmla="*/ 421679 h 1051599"/>
+            </a:gdLst>
+            <a:ahLst/>
+            <a:cxnLst>
+              <a:cxn ang="0">
+                <a:pos x="connsiteX0" y="connsiteY0"/>
+              </a:cxn>
+              <a:cxn ang="0">
+                <a:pos x="connsiteX1" y="connsiteY1"/>
+              </a:cxn>
+              <a:cxn ang="0">
+                <a:pos x="connsiteX2" y="connsiteY2"/>
+              </a:cxn>
+              <a:cxn ang="0">
+                <a:pos x="connsiteX3" y="connsiteY3"/>
+              </a:cxn>
+            </a:cxnLst>
+            <a:rect l="l" t="t" r="r" b="b"/>
+            <a:pathLst>
+              <a:path w="4108785" h="1051599">
+                <a:moveTo>
+                  <a:pt x="85425" y="1051599"/>
+                </a:moveTo>
+                <a:cubicBezTo>
+                  <a:pt x="-21255" y="635885"/>
+                  <a:pt x="-127935" y="220172"/>
+                  <a:pt x="430865" y="66079"/>
+                </a:cubicBezTo>
+                <a:cubicBezTo>
+                  <a:pt x="989665" y="-88014"/>
+                  <a:pt x="2825238" y="67772"/>
+                  <a:pt x="3438225" y="127039"/>
+                </a:cubicBezTo>
+                <a:cubicBezTo>
+                  <a:pt x="4051212" y="186306"/>
+                  <a:pt x="4079998" y="303992"/>
+                  <a:pt x="4108785" y="421679"/>
+                </a:cubicBezTo>
+              </a:path>
+            </a:pathLst>
+          </a:custGeom>
+          <a:noFill/>
+          <a:ln w="9525" cap="flat" cmpd="sng" algn="ctr">
+            <a:solidFill>
+              <a:srgbClr val="073DE9"/>
+            </a:solidFill>
+            <a:prstDash val="solid"/>
+            <a:headEnd type="none" w="med" len="med"/>
+            <a:tailEnd type="arrow" w="med" len="med"/>
+          </a:ln>
+          <a:effectLst/>
+          <a:extLst>
+            <a:ext uri="{909E8E84-426E-40DD-AFC4-6F175D3DCCD1}">
+              <a14:hiddenFill xmlns:a14="http://schemas.microsoft.com/office/drawing/2010/main">
+                <a:solidFill>
+                  <a:srgbClr val="FFFFFF"/>
+                </a:solidFill>
+              </a14:hiddenFill>
+            </a:ext>
+          </a:extLst>
+        </p:spPr>
+        <p:txBody>
+          <a:bodyPr anchor="ctr"/>
           <a:lstStyle/>
           <a:p>
             <a:pPr algn="ctr" eaLnBrk="0" fontAlgn="base" hangingPunct="0">
@@ -33206,705 +33802,6 @@
       </p:cxnSp>
       <p:sp>
         <p:nvSpPr>
-          <p:cNvPr id="140" name="Rechteck 139">
-            <a:extLst>
-              <a:ext uri="{FF2B5EF4-FFF2-40B4-BE49-F238E27FC236}">
-                <a16:creationId xmlns:a16="http://schemas.microsoft.com/office/drawing/2014/main" id="{307954C7-01E3-452B-9F28-BA9EBE8AF1E6}"/>
-              </a:ext>
-            </a:extLst>
-          </p:cNvPr>
-          <p:cNvSpPr/>
-          <p:nvPr/>
-        </p:nvSpPr>
-        <p:spPr bwMode="auto">
-          <a:xfrm>
-            <a:off x="3714439" y="5756160"/>
-            <a:ext cx="206447" cy="214693"/>
-          </a:xfrm>
-          <a:prstGeom prst="rect">
-            <a:avLst/>
-          </a:prstGeom>
-          <a:solidFill>
-            <a:srgbClr val="FFFFFF"/>
-          </a:solidFill>
-          <a:ln w="9525" cap="flat" cmpd="sng" algn="ctr">
-            <a:solidFill>
-              <a:srgbClr val="000000"/>
-            </a:solidFill>
-            <a:prstDash val="solid"/>
-          </a:ln>
-          <a:effectLst/>
-        </p:spPr>
-        <p:txBody>
-          <a:bodyPr anchor="ctr"/>
-          <a:lstStyle>
-            <a:defPPr>
-              <a:defRPr lang="de-DE"/>
-            </a:defPPr>
-            <a:lvl1pPr marL="0" algn="l" defTabSz="914400" rtl="0" eaLnBrk="1" latinLnBrk="0" hangingPunct="1">
-              <a:defRPr sz="1800" kern="1200">
-                <a:solidFill>
-                  <a:schemeClr val="tx1"/>
-                </a:solidFill>
-                <a:latin typeface="+mn-lt"/>
-                <a:ea typeface="+mn-ea"/>
-                <a:cs typeface="+mn-cs"/>
-              </a:defRPr>
-            </a:lvl1pPr>
-            <a:lvl2pPr marL="457200" algn="l" defTabSz="914400" rtl="0" eaLnBrk="1" latinLnBrk="0" hangingPunct="1">
-              <a:defRPr sz="1800" kern="1200">
-                <a:solidFill>
-                  <a:schemeClr val="tx1"/>
-                </a:solidFill>
-                <a:latin typeface="+mn-lt"/>
-                <a:ea typeface="+mn-ea"/>
-                <a:cs typeface="+mn-cs"/>
-              </a:defRPr>
-            </a:lvl2pPr>
-            <a:lvl3pPr marL="914400" algn="l" defTabSz="914400" rtl="0" eaLnBrk="1" latinLnBrk="0" hangingPunct="1">
-              <a:defRPr sz="1800" kern="1200">
-                <a:solidFill>
-                  <a:schemeClr val="tx1"/>
-                </a:solidFill>
-                <a:latin typeface="+mn-lt"/>
-                <a:ea typeface="+mn-ea"/>
-                <a:cs typeface="+mn-cs"/>
-              </a:defRPr>
-            </a:lvl3pPr>
-            <a:lvl4pPr marL="1371600" algn="l" defTabSz="914400" rtl="0" eaLnBrk="1" latinLnBrk="0" hangingPunct="1">
-              <a:defRPr sz="1800" kern="1200">
-                <a:solidFill>
-                  <a:schemeClr val="tx1"/>
-                </a:solidFill>
-                <a:latin typeface="+mn-lt"/>
-                <a:ea typeface="+mn-ea"/>
-                <a:cs typeface="+mn-cs"/>
-              </a:defRPr>
-            </a:lvl4pPr>
-            <a:lvl5pPr marL="1828800" algn="l" defTabSz="914400" rtl="0" eaLnBrk="1" latinLnBrk="0" hangingPunct="1">
-              <a:defRPr sz="1800" kern="1200">
-                <a:solidFill>
-                  <a:schemeClr val="tx1"/>
-                </a:solidFill>
-                <a:latin typeface="+mn-lt"/>
-                <a:ea typeface="+mn-ea"/>
-                <a:cs typeface="+mn-cs"/>
-              </a:defRPr>
-            </a:lvl5pPr>
-            <a:lvl6pPr marL="2286000" algn="l" defTabSz="914400" rtl="0" eaLnBrk="1" latinLnBrk="0" hangingPunct="1">
-              <a:defRPr sz="1800" kern="1200">
-                <a:solidFill>
-                  <a:schemeClr val="tx1"/>
-                </a:solidFill>
-                <a:latin typeface="+mn-lt"/>
-                <a:ea typeface="+mn-ea"/>
-                <a:cs typeface="+mn-cs"/>
-              </a:defRPr>
-            </a:lvl6pPr>
-            <a:lvl7pPr marL="2743200" algn="l" defTabSz="914400" rtl="0" eaLnBrk="1" latinLnBrk="0" hangingPunct="1">
-              <a:defRPr sz="1800" kern="1200">
-                <a:solidFill>
-                  <a:schemeClr val="tx1"/>
-                </a:solidFill>
-                <a:latin typeface="+mn-lt"/>
-                <a:ea typeface="+mn-ea"/>
-                <a:cs typeface="+mn-cs"/>
-              </a:defRPr>
-            </a:lvl7pPr>
-            <a:lvl8pPr marL="3200400" algn="l" defTabSz="914400" rtl="0" eaLnBrk="1" latinLnBrk="0" hangingPunct="1">
-              <a:defRPr sz="1800" kern="1200">
-                <a:solidFill>
-                  <a:schemeClr val="tx1"/>
-                </a:solidFill>
-                <a:latin typeface="+mn-lt"/>
-                <a:ea typeface="+mn-ea"/>
-                <a:cs typeface="+mn-cs"/>
-              </a:defRPr>
-            </a:lvl8pPr>
-            <a:lvl9pPr marL="3657600" algn="l" defTabSz="914400" rtl="0" eaLnBrk="1" latinLnBrk="0" hangingPunct="1">
-              <a:defRPr sz="1800" kern="1200">
-                <a:solidFill>
-                  <a:schemeClr val="tx1"/>
-                </a:solidFill>
-                <a:latin typeface="+mn-lt"/>
-                <a:ea typeface="+mn-ea"/>
-                <a:cs typeface="+mn-cs"/>
-              </a:defRPr>
-            </a:lvl9pPr>
-          </a:lstStyle>
-          <a:p>
-            <a:pPr marL="0" marR="0" lvl="0" indent="0" algn="ctr" defTabSz="914400" eaLnBrk="0" fontAlgn="base" latinLnBrk="0" hangingPunct="0">
-              <a:lnSpc>
-                <a:spcPct val="100000"/>
-              </a:lnSpc>
-              <a:spcBef>
-                <a:spcPct val="0"/>
-              </a:spcBef>
-              <a:spcAft>
-                <a:spcPct val="0"/>
-              </a:spcAft>
-              <a:buClrTx/>
-              <a:buSzTx/>
-              <a:buFontTx/>
-              <a:buNone/>
-              <a:tabLst/>
-              <a:defRPr/>
-            </a:pPr>
-            <a:endParaRPr kumimoji="0" lang="en-US" sz="2800" b="0" i="0" u="none" strike="noStrike" kern="0" cap="none" spc="0" normalizeH="0" baseline="0" noProof="0" dirty="0">
-              <a:ln>
-                <a:noFill/>
-              </a:ln>
-              <a:solidFill>
-                <a:srgbClr val="000000"/>
-              </a:solidFill>
-              <a:effectLst/>
-              <a:uLnTx/>
-              <a:uFillTx/>
-              <a:latin typeface="Arial"/>
-              <a:ea typeface="+mn-ea"/>
-              <a:cs typeface="+mn-cs"/>
-            </a:endParaRPr>
-          </a:p>
-        </p:txBody>
-      </p:sp>
-      <p:sp>
-        <p:nvSpPr>
-          <p:cNvPr id="141" name="Rechteck 140">
-            <a:extLst>
-              <a:ext uri="{FF2B5EF4-FFF2-40B4-BE49-F238E27FC236}">
-                <a16:creationId xmlns:a16="http://schemas.microsoft.com/office/drawing/2014/main" id="{9B1A0830-6FE2-45CF-B2DE-EAAC2A2CE468}"/>
-              </a:ext>
-            </a:extLst>
-          </p:cNvPr>
-          <p:cNvSpPr/>
-          <p:nvPr/>
-        </p:nvSpPr>
-        <p:spPr bwMode="auto">
-          <a:xfrm>
-            <a:off x="1926123" y="5547880"/>
-            <a:ext cx="1059056" cy="648072"/>
-          </a:xfrm>
-          <a:prstGeom prst="rect">
-            <a:avLst/>
-          </a:prstGeom>
-          <a:solidFill>
-            <a:srgbClr val="FFFFFF"/>
-          </a:solidFill>
-          <a:ln w="9525" cap="flat" cmpd="sng" algn="ctr">
-            <a:solidFill>
-              <a:srgbClr val="000000"/>
-            </a:solidFill>
-            <a:prstDash val="solid"/>
-          </a:ln>
-          <a:effectLst/>
-        </p:spPr>
-        <p:txBody>
-          <a:bodyPr anchor="ctr"/>
-          <a:lstStyle>
-            <a:defPPr>
-              <a:defRPr lang="de-DE"/>
-            </a:defPPr>
-            <a:lvl1pPr marL="0" algn="l" defTabSz="914400" rtl="0" eaLnBrk="1" latinLnBrk="0" hangingPunct="1">
-              <a:defRPr sz="1800" kern="1200">
-                <a:solidFill>
-                  <a:schemeClr val="tx1"/>
-                </a:solidFill>
-                <a:latin typeface="+mn-lt"/>
-                <a:ea typeface="+mn-ea"/>
-                <a:cs typeface="+mn-cs"/>
-              </a:defRPr>
-            </a:lvl1pPr>
-            <a:lvl2pPr marL="457200" algn="l" defTabSz="914400" rtl="0" eaLnBrk="1" latinLnBrk="0" hangingPunct="1">
-              <a:defRPr sz="1800" kern="1200">
-                <a:solidFill>
-                  <a:schemeClr val="tx1"/>
-                </a:solidFill>
-                <a:latin typeface="+mn-lt"/>
-                <a:ea typeface="+mn-ea"/>
-                <a:cs typeface="+mn-cs"/>
-              </a:defRPr>
-            </a:lvl2pPr>
-            <a:lvl3pPr marL="914400" algn="l" defTabSz="914400" rtl="0" eaLnBrk="1" latinLnBrk="0" hangingPunct="1">
-              <a:defRPr sz="1800" kern="1200">
-                <a:solidFill>
-                  <a:schemeClr val="tx1"/>
-                </a:solidFill>
-                <a:latin typeface="+mn-lt"/>
-                <a:ea typeface="+mn-ea"/>
-                <a:cs typeface="+mn-cs"/>
-              </a:defRPr>
-            </a:lvl3pPr>
-            <a:lvl4pPr marL="1371600" algn="l" defTabSz="914400" rtl="0" eaLnBrk="1" latinLnBrk="0" hangingPunct="1">
-              <a:defRPr sz="1800" kern="1200">
-                <a:solidFill>
-                  <a:schemeClr val="tx1"/>
-                </a:solidFill>
-                <a:latin typeface="+mn-lt"/>
-                <a:ea typeface="+mn-ea"/>
-                <a:cs typeface="+mn-cs"/>
-              </a:defRPr>
-            </a:lvl4pPr>
-            <a:lvl5pPr marL="1828800" algn="l" defTabSz="914400" rtl="0" eaLnBrk="1" latinLnBrk="0" hangingPunct="1">
-              <a:defRPr sz="1800" kern="1200">
-                <a:solidFill>
-                  <a:schemeClr val="tx1"/>
-                </a:solidFill>
-                <a:latin typeface="+mn-lt"/>
-                <a:ea typeface="+mn-ea"/>
-                <a:cs typeface="+mn-cs"/>
-              </a:defRPr>
-            </a:lvl5pPr>
-            <a:lvl6pPr marL="2286000" algn="l" defTabSz="914400" rtl="0" eaLnBrk="1" latinLnBrk="0" hangingPunct="1">
-              <a:defRPr sz="1800" kern="1200">
-                <a:solidFill>
-                  <a:schemeClr val="tx1"/>
-                </a:solidFill>
-                <a:latin typeface="+mn-lt"/>
-                <a:ea typeface="+mn-ea"/>
-                <a:cs typeface="+mn-cs"/>
-              </a:defRPr>
-            </a:lvl6pPr>
-            <a:lvl7pPr marL="2743200" algn="l" defTabSz="914400" rtl="0" eaLnBrk="1" latinLnBrk="0" hangingPunct="1">
-              <a:defRPr sz="1800" kern="1200">
-                <a:solidFill>
-                  <a:schemeClr val="tx1"/>
-                </a:solidFill>
-                <a:latin typeface="+mn-lt"/>
-                <a:ea typeface="+mn-ea"/>
-                <a:cs typeface="+mn-cs"/>
-              </a:defRPr>
-            </a:lvl7pPr>
-            <a:lvl8pPr marL="3200400" algn="l" defTabSz="914400" rtl="0" eaLnBrk="1" latinLnBrk="0" hangingPunct="1">
-              <a:defRPr sz="1800" kern="1200">
-                <a:solidFill>
-                  <a:schemeClr val="tx1"/>
-                </a:solidFill>
-                <a:latin typeface="+mn-lt"/>
-                <a:ea typeface="+mn-ea"/>
-                <a:cs typeface="+mn-cs"/>
-              </a:defRPr>
-            </a:lvl8pPr>
-            <a:lvl9pPr marL="3657600" algn="l" defTabSz="914400" rtl="0" eaLnBrk="1" latinLnBrk="0" hangingPunct="1">
-              <a:defRPr sz="1800" kern="1200">
-                <a:solidFill>
-                  <a:schemeClr val="tx1"/>
-                </a:solidFill>
-                <a:latin typeface="+mn-lt"/>
-                <a:ea typeface="+mn-ea"/>
-                <a:cs typeface="+mn-cs"/>
-              </a:defRPr>
-            </a:lvl9pPr>
-          </a:lstStyle>
-          <a:p>
-            <a:pPr marL="0" marR="0" lvl="0" indent="0" algn="ctr" defTabSz="914400" eaLnBrk="0" fontAlgn="base" latinLnBrk="0" hangingPunct="0">
-              <a:lnSpc>
-                <a:spcPct val="100000"/>
-              </a:lnSpc>
-              <a:spcBef>
-                <a:spcPct val="0"/>
-              </a:spcBef>
-              <a:spcAft>
-                <a:spcPct val="0"/>
-              </a:spcAft>
-              <a:buClrTx/>
-              <a:buSzTx/>
-              <a:buFontTx/>
-              <a:buNone/>
-              <a:tabLst/>
-              <a:defRPr/>
-            </a:pPr>
-            <a:endParaRPr kumimoji="0" lang="en-US" sz="2800" b="0" i="0" u="none" strike="noStrike" kern="0" cap="none" spc="0" normalizeH="0" baseline="0" noProof="0" dirty="0">
-              <a:ln>
-                <a:noFill/>
-              </a:ln>
-              <a:solidFill>
-                <a:srgbClr val="000000"/>
-              </a:solidFill>
-              <a:effectLst/>
-              <a:uLnTx/>
-              <a:uFillTx/>
-              <a:latin typeface="Arial"/>
-              <a:ea typeface="+mn-ea"/>
-              <a:cs typeface="+mn-cs"/>
-            </a:endParaRPr>
-          </a:p>
-        </p:txBody>
-      </p:sp>
-      <p:sp>
-        <p:nvSpPr>
-          <p:cNvPr id="142" name="Rechteck 141">
-            <a:extLst>
-              <a:ext uri="{FF2B5EF4-FFF2-40B4-BE49-F238E27FC236}">
-                <a16:creationId xmlns:a16="http://schemas.microsoft.com/office/drawing/2014/main" id="{10330F4B-72CB-41B5-874F-8625030401FD}"/>
-              </a:ext>
-            </a:extLst>
-          </p:cNvPr>
-          <p:cNvSpPr/>
-          <p:nvPr/>
-        </p:nvSpPr>
-        <p:spPr>
-          <a:xfrm>
-            <a:off x="1917038" y="5605893"/>
-            <a:ext cx="1059056" cy="523220"/>
-          </a:xfrm>
-          <a:prstGeom prst="rect">
-            <a:avLst/>
-          </a:prstGeom>
-        </p:spPr>
-        <p:txBody>
-          <a:bodyPr wrap="square">
-            <a:spAutoFit/>
-          </a:bodyPr>
-          <a:lstStyle>
-            <a:defPPr>
-              <a:defRPr lang="de-DE"/>
-            </a:defPPr>
-            <a:lvl1pPr marL="0" algn="l" defTabSz="914400" rtl="0" eaLnBrk="1" latinLnBrk="0" hangingPunct="1">
-              <a:defRPr sz="1800" kern="1200">
-                <a:solidFill>
-                  <a:schemeClr val="tx1"/>
-                </a:solidFill>
-                <a:latin typeface="+mn-lt"/>
-                <a:ea typeface="+mn-ea"/>
-                <a:cs typeface="+mn-cs"/>
-              </a:defRPr>
-            </a:lvl1pPr>
-            <a:lvl2pPr marL="457200" algn="l" defTabSz="914400" rtl="0" eaLnBrk="1" latinLnBrk="0" hangingPunct="1">
-              <a:defRPr sz="1800" kern="1200">
-                <a:solidFill>
-                  <a:schemeClr val="tx1"/>
-                </a:solidFill>
-                <a:latin typeface="+mn-lt"/>
-                <a:ea typeface="+mn-ea"/>
-                <a:cs typeface="+mn-cs"/>
-              </a:defRPr>
-            </a:lvl2pPr>
-            <a:lvl3pPr marL="914400" algn="l" defTabSz="914400" rtl="0" eaLnBrk="1" latinLnBrk="0" hangingPunct="1">
-              <a:defRPr sz="1800" kern="1200">
-                <a:solidFill>
-                  <a:schemeClr val="tx1"/>
-                </a:solidFill>
-                <a:latin typeface="+mn-lt"/>
-                <a:ea typeface="+mn-ea"/>
-                <a:cs typeface="+mn-cs"/>
-              </a:defRPr>
-            </a:lvl3pPr>
-            <a:lvl4pPr marL="1371600" algn="l" defTabSz="914400" rtl="0" eaLnBrk="1" latinLnBrk="0" hangingPunct="1">
-              <a:defRPr sz="1800" kern="1200">
-                <a:solidFill>
-                  <a:schemeClr val="tx1"/>
-                </a:solidFill>
-                <a:latin typeface="+mn-lt"/>
-                <a:ea typeface="+mn-ea"/>
-                <a:cs typeface="+mn-cs"/>
-              </a:defRPr>
-            </a:lvl4pPr>
-            <a:lvl5pPr marL="1828800" algn="l" defTabSz="914400" rtl="0" eaLnBrk="1" latinLnBrk="0" hangingPunct="1">
-              <a:defRPr sz="1800" kern="1200">
-                <a:solidFill>
-                  <a:schemeClr val="tx1"/>
-                </a:solidFill>
-                <a:latin typeface="+mn-lt"/>
-                <a:ea typeface="+mn-ea"/>
-                <a:cs typeface="+mn-cs"/>
-              </a:defRPr>
-            </a:lvl5pPr>
-            <a:lvl6pPr marL="2286000" algn="l" defTabSz="914400" rtl="0" eaLnBrk="1" latinLnBrk="0" hangingPunct="1">
-              <a:defRPr sz="1800" kern="1200">
-                <a:solidFill>
-                  <a:schemeClr val="tx1"/>
-                </a:solidFill>
-                <a:latin typeface="+mn-lt"/>
-                <a:ea typeface="+mn-ea"/>
-                <a:cs typeface="+mn-cs"/>
-              </a:defRPr>
-            </a:lvl6pPr>
-            <a:lvl7pPr marL="2743200" algn="l" defTabSz="914400" rtl="0" eaLnBrk="1" latinLnBrk="0" hangingPunct="1">
-              <a:defRPr sz="1800" kern="1200">
-                <a:solidFill>
-                  <a:schemeClr val="tx1"/>
-                </a:solidFill>
-                <a:latin typeface="+mn-lt"/>
-                <a:ea typeface="+mn-ea"/>
-                <a:cs typeface="+mn-cs"/>
-              </a:defRPr>
-            </a:lvl7pPr>
-            <a:lvl8pPr marL="3200400" algn="l" defTabSz="914400" rtl="0" eaLnBrk="1" latinLnBrk="0" hangingPunct="1">
-              <a:defRPr sz="1800" kern="1200">
-                <a:solidFill>
-                  <a:schemeClr val="tx1"/>
-                </a:solidFill>
-                <a:latin typeface="+mn-lt"/>
-                <a:ea typeface="+mn-ea"/>
-                <a:cs typeface="+mn-cs"/>
-              </a:defRPr>
-            </a:lvl8pPr>
-            <a:lvl9pPr marL="3657600" algn="l" defTabSz="914400" rtl="0" eaLnBrk="1" latinLnBrk="0" hangingPunct="1">
-              <a:defRPr sz="1800" kern="1200">
-                <a:solidFill>
-                  <a:schemeClr val="tx1"/>
-                </a:solidFill>
-                <a:latin typeface="+mn-lt"/>
-                <a:ea typeface="+mn-ea"/>
-                <a:cs typeface="+mn-cs"/>
-              </a:defRPr>
-            </a:lvl9pPr>
-          </a:lstStyle>
-          <a:p>
-            <a:pPr algn="ctr" eaLnBrk="0" fontAlgn="base" hangingPunct="0">
-              <a:spcBef>
-                <a:spcPct val="0"/>
-              </a:spcBef>
-              <a:spcAft>
-                <a:spcPct val="0"/>
-              </a:spcAft>
-              <a:defRPr/>
-            </a:pPr>
-            <a:r>
-              <a:rPr lang="en-US" sz="1400" b="1" dirty="0">
-                <a:solidFill>
-                  <a:srgbClr val="000000"/>
-                </a:solidFill>
-                <a:cs typeface="Arial" charset="0"/>
-              </a:rPr>
-              <a:t>Downlink</a:t>
-            </a:r>
-            <a:br>
-              <a:rPr lang="en-US" sz="1400" b="1" dirty="0">
-                <a:solidFill>
-                  <a:srgbClr val="000000"/>
-                </a:solidFill>
-                <a:cs typeface="Arial" charset="0"/>
-              </a:rPr>
-            </a:br>
-            <a:r>
-              <a:rPr lang="en-US" sz="1400" b="1" dirty="0">
-                <a:solidFill>
-                  <a:srgbClr val="000000"/>
-                </a:solidFill>
-                <a:cs typeface="Arial" charset="0"/>
-              </a:rPr>
-              <a:t> </a:t>
-            </a:r>
-            <a:r>
-              <a:rPr lang="en-US" sz="1400" dirty="0" err="1">
-                <a:solidFill>
-                  <a:srgbClr val="000000"/>
-                </a:solidFill>
-                <a:cs typeface="Arial" panose="020B0604020202020204" pitchFamily="34" charset="0"/>
-              </a:rPr>
-              <a:t>dl_rtty</a:t>
-            </a:r>
-            <a:endParaRPr lang="en-US" sz="1400" dirty="0">
-              <a:solidFill>
-                <a:srgbClr val="000000"/>
-              </a:solidFill>
-              <a:cs typeface="Arial" panose="020B0604020202020204" pitchFamily="34" charset="0"/>
-            </a:endParaRPr>
-          </a:p>
-        </p:txBody>
-      </p:sp>
-      <p:sp>
-        <p:nvSpPr>
-          <p:cNvPr id="143" name="Rechteck 142">
-            <a:extLst>
-              <a:ext uri="{FF2B5EF4-FFF2-40B4-BE49-F238E27FC236}">
-                <a16:creationId xmlns:a16="http://schemas.microsoft.com/office/drawing/2014/main" id="{9C8B214B-C9AB-45AC-A88C-D29EF7E9B1BC}"/>
-              </a:ext>
-            </a:extLst>
-          </p:cNvPr>
-          <p:cNvSpPr/>
-          <p:nvPr/>
-        </p:nvSpPr>
-        <p:spPr bwMode="auto">
-          <a:xfrm>
-            <a:off x="2893689" y="5756160"/>
-            <a:ext cx="206447" cy="214693"/>
-          </a:xfrm>
-          <a:prstGeom prst="rect">
-            <a:avLst/>
-          </a:prstGeom>
-          <a:solidFill>
-            <a:srgbClr val="FFFFFF"/>
-          </a:solidFill>
-          <a:ln w="9525" cap="flat" cmpd="sng" algn="ctr">
-            <a:solidFill>
-              <a:srgbClr val="000000"/>
-            </a:solidFill>
-            <a:prstDash val="solid"/>
-          </a:ln>
-          <a:effectLst/>
-        </p:spPr>
-        <p:txBody>
-          <a:bodyPr anchor="ctr"/>
-          <a:lstStyle>
-            <a:defPPr>
-              <a:defRPr lang="de-DE"/>
-            </a:defPPr>
-            <a:lvl1pPr marL="0" algn="l" defTabSz="914400" rtl="0" eaLnBrk="1" latinLnBrk="0" hangingPunct="1">
-              <a:defRPr sz="1800" kern="1200">
-                <a:solidFill>
-                  <a:schemeClr val="tx1"/>
-                </a:solidFill>
-                <a:latin typeface="+mn-lt"/>
-                <a:ea typeface="+mn-ea"/>
-                <a:cs typeface="+mn-cs"/>
-              </a:defRPr>
-            </a:lvl1pPr>
-            <a:lvl2pPr marL="457200" algn="l" defTabSz="914400" rtl="0" eaLnBrk="1" latinLnBrk="0" hangingPunct="1">
-              <a:defRPr sz="1800" kern="1200">
-                <a:solidFill>
-                  <a:schemeClr val="tx1"/>
-                </a:solidFill>
-                <a:latin typeface="+mn-lt"/>
-                <a:ea typeface="+mn-ea"/>
-                <a:cs typeface="+mn-cs"/>
-              </a:defRPr>
-            </a:lvl2pPr>
-            <a:lvl3pPr marL="914400" algn="l" defTabSz="914400" rtl="0" eaLnBrk="1" latinLnBrk="0" hangingPunct="1">
-              <a:defRPr sz="1800" kern="1200">
-                <a:solidFill>
-                  <a:schemeClr val="tx1"/>
-                </a:solidFill>
-                <a:latin typeface="+mn-lt"/>
-                <a:ea typeface="+mn-ea"/>
-                <a:cs typeface="+mn-cs"/>
-              </a:defRPr>
-            </a:lvl3pPr>
-            <a:lvl4pPr marL="1371600" algn="l" defTabSz="914400" rtl="0" eaLnBrk="1" latinLnBrk="0" hangingPunct="1">
-              <a:defRPr sz="1800" kern="1200">
-                <a:solidFill>
-                  <a:schemeClr val="tx1"/>
-                </a:solidFill>
-                <a:latin typeface="+mn-lt"/>
-                <a:ea typeface="+mn-ea"/>
-                <a:cs typeface="+mn-cs"/>
-              </a:defRPr>
-            </a:lvl4pPr>
-            <a:lvl5pPr marL="1828800" algn="l" defTabSz="914400" rtl="0" eaLnBrk="1" latinLnBrk="0" hangingPunct="1">
-              <a:defRPr sz="1800" kern="1200">
-                <a:solidFill>
-                  <a:schemeClr val="tx1"/>
-                </a:solidFill>
-                <a:latin typeface="+mn-lt"/>
-                <a:ea typeface="+mn-ea"/>
-                <a:cs typeface="+mn-cs"/>
-              </a:defRPr>
-            </a:lvl5pPr>
-            <a:lvl6pPr marL="2286000" algn="l" defTabSz="914400" rtl="0" eaLnBrk="1" latinLnBrk="0" hangingPunct="1">
-              <a:defRPr sz="1800" kern="1200">
-                <a:solidFill>
-                  <a:schemeClr val="tx1"/>
-                </a:solidFill>
-                <a:latin typeface="+mn-lt"/>
-                <a:ea typeface="+mn-ea"/>
-                <a:cs typeface="+mn-cs"/>
-              </a:defRPr>
-            </a:lvl6pPr>
-            <a:lvl7pPr marL="2743200" algn="l" defTabSz="914400" rtl="0" eaLnBrk="1" latinLnBrk="0" hangingPunct="1">
-              <a:defRPr sz="1800" kern="1200">
-                <a:solidFill>
-                  <a:schemeClr val="tx1"/>
-                </a:solidFill>
-                <a:latin typeface="+mn-lt"/>
-                <a:ea typeface="+mn-ea"/>
-                <a:cs typeface="+mn-cs"/>
-              </a:defRPr>
-            </a:lvl7pPr>
-            <a:lvl8pPr marL="3200400" algn="l" defTabSz="914400" rtl="0" eaLnBrk="1" latinLnBrk="0" hangingPunct="1">
-              <a:defRPr sz="1800" kern="1200">
-                <a:solidFill>
-                  <a:schemeClr val="tx1"/>
-                </a:solidFill>
-                <a:latin typeface="+mn-lt"/>
-                <a:ea typeface="+mn-ea"/>
-                <a:cs typeface="+mn-cs"/>
-              </a:defRPr>
-            </a:lvl8pPr>
-            <a:lvl9pPr marL="3657600" algn="l" defTabSz="914400" rtl="0" eaLnBrk="1" latinLnBrk="0" hangingPunct="1">
-              <a:defRPr sz="1800" kern="1200">
-                <a:solidFill>
-                  <a:schemeClr val="tx1"/>
-                </a:solidFill>
-                <a:latin typeface="+mn-lt"/>
-                <a:ea typeface="+mn-ea"/>
-                <a:cs typeface="+mn-cs"/>
-              </a:defRPr>
-            </a:lvl9pPr>
-          </a:lstStyle>
-          <a:p>
-            <a:pPr marL="0" marR="0" lvl="0" indent="0" algn="ctr" defTabSz="914400" eaLnBrk="0" fontAlgn="base" latinLnBrk="0" hangingPunct="0">
-              <a:lnSpc>
-                <a:spcPct val="100000"/>
-              </a:lnSpc>
-              <a:spcBef>
-                <a:spcPct val="0"/>
-              </a:spcBef>
-              <a:spcAft>
-                <a:spcPct val="0"/>
-              </a:spcAft>
-              <a:buClrTx/>
-              <a:buSzTx/>
-              <a:buFontTx/>
-              <a:buNone/>
-              <a:tabLst/>
-              <a:defRPr/>
-            </a:pPr>
-            <a:endParaRPr kumimoji="0" lang="en-US" sz="2800" b="0" i="0" u="none" strike="noStrike" kern="0" cap="none" spc="0" normalizeH="0" baseline="0" noProof="0" dirty="0">
-              <a:ln>
-                <a:noFill/>
-              </a:ln>
-              <a:solidFill>
-                <a:srgbClr val="000000"/>
-              </a:solidFill>
-              <a:effectLst/>
-              <a:uLnTx/>
-              <a:uFillTx/>
-              <a:latin typeface="Arial"/>
-              <a:ea typeface="+mn-ea"/>
-              <a:cs typeface="+mn-cs"/>
-            </a:endParaRPr>
-          </a:p>
-        </p:txBody>
-      </p:sp>
-      <p:cxnSp>
-        <p:nvCxnSpPr>
-          <p:cNvPr id="144" name="Gewinkelte Verbindung 50">
-            <a:extLst>
-              <a:ext uri="{FF2B5EF4-FFF2-40B4-BE49-F238E27FC236}">
-                <a16:creationId xmlns:a16="http://schemas.microsoft.com/office/drawing/2014/main" id="{B780398A-B4FB-469B-9D90-ABC5FA83785C}"/>
-              </a:ext>
-            </a:extLst>
-          </p:cNvPr>
-          <p:cNvCxnSpPr>
-            <a:cxnSpLocks/>
-            <a:stCxn id="140" idx="1"/>
-            <a:endCxn id="143" idx="3"/>
-          </p:cNvCxnSpPr>
-          <p:nvPr/>
-        </p:nvCxnSpPr>
-        <p:spPr>
-          <a:xfrm flipH="1">
-            <a:off x="3100136" y="5863507"/>
-            <a:ext cx="614303" cy="0"/>
-          </a:xfrm>
-          <a:prstGeom prst="straightConnector1">
-            <a:avLst/>
-          </a:prstGeom>
-          <a:noFill/>
-          <a:ln w="9525" cap="flat" cmpd="sng" algn="ctr">
-            <a:solidFill>
-              <a:srgbClr val="000000"/>
-            </a:solidFill>
-            <a:prstDash val="solid"/>
-            <a:headEnd type="none" w="med" len="med"/>
-            <a:tailEnd type="triangle" w="med" len="med"/>
-          </a:ln>
-          <a:effectLst/>
-        </p:spPr>
-      </p:cxnSp>
-      <p:sp>
-        <p:nvSpPr>
           <p:cNvPr id="145" name="Textfeld 147">
             <a:extLst>
               <a:ext uri="{FF2B5EF4-FFF2-40B4-BE49-F238E27FC236}">
@@ -34258,10 +34155,336 @@
       </p:sp>
       <p:sp>
         <p:nvSpPr>
-          <p:cNvPr id="58" name="Freihandform 5">
+          <p:cNvPr id="57" name="Rechteck 56">
             <a:extLst>
               <a:ext uri="{FF2B5EF4-FFF2-40B4-BE49-F238E27FC236}">
-                <a16:creationId xmlns:a16="http://schemas.microsoft.com/office/drawing/2014/main" id="{82725EF9-B8F7-4308-AFE3-3041EFEC2B76}"/>
+                <a16:creationId xmlns:a16="http://schemas.microsoft.com/office/drawing/2014/main" id="{7B3AF5C3-3EC0-41A1-AAF2-70B512275EC6}"/>
+              </a:ext>
+            </a:extLst>
+          </p:cNvPr>
+          <p:cNvSpPr/>
+          <p:nvPr/>
+        </p:nvSpPr>
+        <p:spPr bwMode="auto">
+          <a:xfrm>
+            <a:off x="5450982" y="1955852"/>
+            <a:ext cx="206447" cy="214693"/>
+          </a:xfrm>
+          <a:prstGeom prst="rect">
+            <a:avLst/>
+          </a:prstGeom>
+          <a:solidFill>
+            <a:srgbClr val="FFFFFF"/>
+          </a:solidFill>
+          <a:ln w="9525" cap="flat" cmpd="sng" algn="ctr">
+            <a:solidFill>
+              <a:srgbClr val="000000"/>
+            </a:solidFill>
+            <a:prstDash val="solid"/>
+          </a:ln>
+          <a:effectLst/>
+        </p:spPr>
+        <p:txBody>
+          <a:bodyPr anchor="ctr"/>
+          <a:lstStyle>
+            <a:defPPr>
+              <a:defRPr lang="de-DE"/>
+            </a:defPPr>
+            <a:lvl1pPr marL="0" algn="l" defTabSz="914400" rtl="0" eaLnBrk="1" latinLnBrk="0" hangingPunct="1">
+              <a:defRPr sz="1800" kern="1200">
+                <a:solidFill>
+                  <a:schemeClr val="tx1"/>
+                </a:solidFill>
+                <a:latin typeface="+mn-lt"/>
+                <a:ea typeface="+mn-ea"/>
+                <a:cs typeface="+mn-cs"/>
+              </a:defRPr>
+            </a:lvl1pPr>
+            <a:lvl2pPr marL="457200" algn="l" defTabSz="914400" rtl="0" eaLnBrk="1" latinLnBrk="0" hangingPunct="1">
+              <a:defRPr sz="1800" kern="1200">
+                <a:solidFill>
+                  <a:schemeClr val="tx1"/>
+                </a:solidFill>
+                <a:latin typeface="+mn-lt"/>
+                <a:ea typeface="+mn-ea"/>
+                <a:cs typeface="+mn-cs"/>
+              </a:defRPr>
+            </a:lvl2pPr>
+            <a:lvl3pPr marL="914400" algn="l" defTabSz="914400" rtl="0" eaLnBrk="1" latinLnBrk="0" hangingPunct="1">
+              <a:defRPr sz="1800" kern="1200">
+                <a:solidFill>
+                  <a:schemeClr val="tx1"/>
+                </a:solidFill>
+                <a:latin typeface="+mn-lt"/>
+                <a:ea typeface="+mn-ea"/>
+                <a:cs typeface="+mn-cs"/>
+              </a:defRPr>
+            </a:lvl3pPr>
+            <a:lvl4pPr marL="1371600" algn="l" defTabSz="914400" rtl="0" eaLnBrk="1" latinLnBrk="0" hangingPunct="1">
+              <a:defRPr sz="1800" kern="1200">
+                <a:solidFill>
+                  <a:schemeClr val="tx1"/>
+                </a:solidFill>
+                <a:latin typeface="+mn-lt"/>
+                <a:ea typeface="+mn-ea"/>
+                <a:cs typeface="+mn-cs"/>
+              </a:defRPr>
+            </a:lvl4pPr>
+            <a:lvl5pPr marL="1828800" algn="l" defTabSz="914400" rtl="0" eaLnBrk="1" latinLnBrk="0" hangingPunct="1">
+              <a:defRPr sz="1800" kern="1200">
+                <a:solidFill>
+                  <a:schemeClr val="tx1"/>
+                </a:solidFill>
+                <a:latin typeface="+mn-lt"/>
+                <a:ea typeface="+mn-ea"/>
+                <a:cs typeface="+mn-cs"/>
+              </a:defRPr>
+            </a:lvl5pPr>
+            <a:lvl6pPr marL="2286000" algn="l" defTabSz="914400" rtl="0" eaLnBrk="1" latinLnBrk="0" hangingPunct="1">
+              <a:defRPr sz="1800" kern="1200">
+                <a:solidFill>
+                  <a:schemeClr val="tx1"/>
+                </a:solidFill>
+                <a:latin typeface="+mn-lt"/>
+                <a:ea typeface="+mn-ea"/>
+                <a:cs typeface="+mn-cs"/>
+              </a:defRPr>
+            </a:lvl6pPr>
+            <a:lvl7pPr marL="2743200" algn="l" defTabSz="914400" rtl="0" eaLnBrk="1" latinLnBrk="0" hangingPunct="1">
+              <a:defRPr sz="1800" kern="1200">
+                <a:solidFill>
+                  <a:schemeClr val="tx1"/>
+                </a:solidFill>
+                <a:latin typeface="+mn-lt"/>
+                <a:ea typeface="+mn-ea"/>
+                <a:cs typeface="+mn-cs"/>
+              </a:defRPr>
+            </a:lvl7pPr>
+            <a:lvl8pPr marL="3200400" algn="l" defTabSz="914400" rtl="0" eaLnBrk="1" latinLnBrk="0" hangingPunct="1">
+              <a:defRPr sz="1800" kern="1200">
+                <a:solidFill>
+                  <a:schemeClr val="tx1"/>
+                </a:solidFill>
+                <a:latin typeface="+mn-lt"/>
+                <a:ea typeface="+mn-ea"/>
+                <a:cs typeface="+mn-cs"/>
+              </a:defRPr>
+            </a:lvl8pPr>
+            <a:lvl9pPr marL="3657600" algn="l" defTabSz="914400" rtl="0" eaLnBrk="1" latinLnBrk="0" hangingPunct="1">
+              <a:defRPr sz="1800" kern="1200">
+                <a:solidFill>
+                  <a:schemeClr val="tx1"/>
+                </a:solidFill>
+                <a:latin typeface="+mn-lt"/>
+                <a:ea typeface="+mn-ea"/>
+                <a:cs typeface="+mn-cs"/>
+              </a:defRPr>
+            </a:lvl9pPr>
+          </a:lstStyle>
+          <a:p>
+            <a:pPr marL="0" marR="0" lvl="0" indent="0" algn="ctr" defTabSz="914400" eaLnBrk="0" fontAlgn="base" latinLnBrk="0" hangingPunct="0">
+              <a:lnSpc>
+                <a:spcPct val="100000"/>
+              </a:lnSpc>
+              <a:spcBef>
+                <a:spcPct val="0"/>
+              </a:spcBef>
+              <a:spcAft>
+                <a:spcPct val="0"/>
+              </a:spcAft>
+              <a:buClrTx/>
+              <a:buSzTx/>
+              <a:buFontTx/>
+              <a:buNone/>
+              <a:tabLst/>
+              <a:defRPr/>
+            </a:pPr>
+            <a:endParaRPr kumimoji="0" lang="en-US" sz="2800" b="0" i="0" u="none" strike="noStrike" kern="0" cap="none" spc="0" normalizeH="0" baseline="0" noProof="0" dirty="0">
+              <a:ln>
+                <a:noFill/>
+              </a:ln>
+              <a:solidFill>
+                <a:srgbClr val="000000"/>
+              </a:solidFill>
+              <a:effectLst/>
+              <a:uLnTx/>
+              <a:uFillTx/>
+              <a:latin typeface="Arial"/>
+              <a:ea typeface="+mn-ea"/>
+              <a:cs typeface="+mn-cs"/>
+            </a:endParaRPr>
+          </a:p>
+        </p:txBody>
+      </p:sp>
+      <p:sp>
+        <p:nvSpPr>
+          <p:cNvPr id="59" name="Rechteck 58">
+            <a:extLst>
+              <a:ext uri="{FF2B5EF4-FFF2-40B4-BE49-F238E27FC236}">
+                <a16:creationId xmlns:a16="http://schemas.microsoft.com/office/drawing/2014/main" id="{CA5F9512-BF45-4DD9-AB94-770E1BEB8868}"/>
+              </a:ext>
+            </a:extLst>
+          </p:cNvPr>
+          <p:cNvSpPr/>
+          <p:nvPr/>
+        </p:nvSpPr>
+        <p:spPr bwMode="auto">
+          <a:xfrm>
+            <a:off x="3662666" y="1747572"/>
+            <a:ext cx="1059056" cy="648072"/>
+          </a:xfrm>
+          <a:prstGeom prst="rect">
+            <a:avLst/>
+          </a:prstGeom>
+          <a:solidFill>
+            <a:srgbClr val="FFFFFF"/>
+          </a:solidFill>
+          <a:ln w="9525" cap="flat" cmpd="sng" algn="ctr">
+            <a:solidFill>
+              <a:srgbClr val="000000"/>
+            </a:solidFill>
+            <a:prstDash val="solid"/>
+          </a:ln>
+          <a:effectLst/>
+        </p:spPr>
+        <p:txBody>
+          <a:bodyPr anchor="ctr"/>
+          <a:lstStyle>
+            <a:defPPr>
+              <a:defRPr lang="de-DE"/>
+            </a:defPPr>
+            <a:lvl1pPr marL="0" algn="l" defTabSz="914400" rtl="0" eaLnBrk="1" latinLnBrk="0" hangingPunct="1">
+              <a:defRPr sz="1800" kern="1200">
+                <a:solidFill>
+                  <a:schemeClr val="tx1"/>
+                </a:solidFill>
+                <a:latin typeface="+mn-lt"/>
+                <a:ea typeface="+mn-ea"/>
+                <a:cs typeface="+mn-cs"/>
+              </a:defRPr>
+            </a:lvl1pPr>
+            <a:lvl2pPr marL="457200" algn="l" defTabSz="914400" rtl="0" eaLnBrk="1" latinLnBrk="0" hangingPunct="1">
+              <a:defRPr sz="1800" kern="1200">
+                <a:solidFill>
+                  <a:schemeClr val="tx1"/>
+                </a:solidFill>
+                <a:latin typeface="+mn-lt"/>
+                <a:ea typeface="+mn-ea"/>
+                <a:cs typeface="+mn-cs"/>
+              </a:defRPr>
+            </a:lvl2pPr>
+            <a:lvl3pPr marL="914400" algn="l" defTabSz="914400" rtl="0" eaLnBrk="1" latinLnBrk="0" hangingPunct="1">
+              <a:defRPr sz="1800" kern="1200">
+                <a:solidFill>
+                  <a:schemeClr val="tx1"/>
+                </a:solidFill>
+                <a:latin typeface="+mn-lt"/>
+                <a:ea typeface="+mn-ea"/>
+                <a:cs typeface="+mn-cs"/>
+              </a:defRPr>
+            </a:lvl3pPr>
+            <a:lvl4pPr marL="1371600" algn="l" defTabSz="914400" rtl="0" eaLnBrk="1" latinLnBrk="0" hangingPunct="1">
+              <a:defRPr sz="1800" kern="1200">
+                <a:solidFill>
+                  <a:schemeClr val="tx1"/>
+                </a:solidFill>
+                <a:latin typeface="+mn-lt"/>
+                <a:ea typeface="+mn-ea"/>
+                <a:cs typeface="+mn-cs"/>
+              </a:defRPr>
+            </a:lvl4pPr>
+            <a:lvl5pPr marL="1828800" algn="l" defTabSz="914400" rtl="0" eaLnBrk="1" latinLnBrk="0" hangingPunct="1">
+              <a:defRPr sz="1800" kern="1200">
+                <a:solidFill>
+                  <a:schemeClr val="tx1"/>
+                </a:solidFill>
+                <a:latin typeface="+mn-lt"/>
+                <a:ea typeface="+mn-ea"/>
+                <a:cs typeface="+mn-cs"/>
+              </a:defRPr>
+            </a:lvl5pPr>
+            <a:lvl6pPr marL="2286000" algn="l" defTabSz="914400" rtl="0" eaLnBrk="1" latinLnBrk="0" hangingPunct="1">
+              <a:defRPr sz="1800" kern="1200">
+                <a:solidFill>
+                  <a:schemeClr val="tx1"/>
+                </a:solidFill>
+                <a:latin typeface="+mn-lt"/>
+                <a:ea typeface="+mn-ea"/>
+                <a:cs typeface="+mn-cs"/>
+              </a:defRPr>
+            </a:lvl6pPr>
+            <a:lvl7pPr marL="2743200" algn="l" defTabSz="914400" rtl="0" eaLnBrk="1" latinLnBrk="0" hangingPunct="1">
+              <a:defRPr sz="1800" kern="1200">
+                <a:solidFill>
+                  <a:schemeClr val="tx1"/>
+                </a:solidFill>
+                <a:latin typeface="+mn-lt"/>
+                <a:ea typeface="+mn-ea"/>
+                <a:cs typeface="+mn-cs"/>
+              </a:defRPr>
+            </a:lvl7pPr>
+            <a:lvl8pPr marL="3200400" algn="l" defTabSz="914400" rtl="0" eaLnBrk="1" latinLnBrk="0" hangingPunct="1">
+              <a:defRPr sz="1800" kern="1200">
+                <a:solidFill>
+                  <a:schemeClr val="tx1"/>
+                </a:solidFill>
+                <a:latin typeface="+mn-lt"/>
+                <a:ea typeface="+mn-ea"/>
+                <a:cs typeface="+mn-cs"/>
+              </a:defRPr>
+            </a:lvl8pPr>
+            <a:lvl9pPr marL="3657600" algn="l" defTabSz="914400" rtl="0" eaLnBrk="1" latinLnBrk="0" hangingPunct="1">
+              <a:defRPr sz="1800" kern="1200">
+                <a:solidFill>
+                  <a:schemeClr val="tx1"/>
+                </a:solidFill>
+                <a:latin typeface="+mn-lt"/>
+                <a:ea typeface="+mn-ea"/>
+                <a:cs typeface="+mn-cs"/>
+              </a:defRPr>
+            </a:lvl9pPr>
+          </a:lstStyle>
+          <a:p>
+            <a:pPr marL="0" marR="0" lvl="0" indent="0" algn="ctr" defTabSz="914400" eaLnBrk="0" fontAlgn="base" latinLnBrk="0" hangingPunct="0">
+              <a:lnSpc>
+                <a:spcPct val="100000"/>
+              </a:lnSpc>
+              <a:spcBef>
+                <a:spcPct val="0"/>
+              </a:spcBef>
+              <a:spcAft>
+                <a:spcPct val="0"/>
+              </a:spcAft>
+              <a:buClrTx/>
+              <a:buSzTx/>
+              <a:buFontTx/>
+              <a:buNone/>
+              <a:tabLst/>
+              <a:defRPr/>
+            </a:pPr>
+            <a:endParaRPr kumimoji="0" lang="en-US" sz="2800" b="0" i="0" u="none" strike="noStrike" kern="0" cap="none" spc="0" normalizeH="0" baseline="0" noProof="0" dirty="0">
+              <a:ln>
+                <a:noFill/>
+              </a:ln>
+              <a:solidFill>
+                <a:srgbClr val="000000"/>
+              </a:solidFill>
+              <a:effectLst/>
+              <a:uLnTx/>
+              <a:uFillTx/>
+              <a:latin typeface="Arial"/>
+              <a:ea typeface="+mn-ea"/>
+              <a:cs typeface="+mn-cs"/>
+            </a:endParaRPr>
+          </a:p>
+        </p:txBody>
+      </p:sp>
+      <p:sp>
+        <p:nvSpPr>
+          <p:cNvPr id="68" name="Rechteck 67">
+            <a:extLst>
+              <a:ext uri="{FF2B5EF4-FFF2-40B4-BE49-F238E27FC236}">
+                <a16:creationId xmlns:a16="http://schemas.microsoft.com/office/drawing/2014/main" id="{90B7F119-68BB-4791-A7F1-6FEEC724E41E}"/>
               </a:ext>
             </a:extLst>
           </p:cNvPr>
@@ -34269,19 +34492,392 @@
           <p:nvPr/>
         </p:nvSpPr>
         <p:spPr>
-          <a:xfrm rot="16200000" flipV="1">
-            <a:off x="380246" y="4603216"/>
-            <a:ext cx="1878799" cy="883745"/>
+          <a:xfrm>
+            <a:off x="3653581" y="1805585"/>
+            <a:ext cx="1059056" cy="523220"/>
+          </a:xfrm>
+          <a:prstGeom prst="rect">
+            <a:avLst/>
+          </a:prstGeom>
+        </p:spPr>
+        <p:txBody>
+          <a:bodyPr wrap="square">
+            <a:spAutoFit/>
+          </a:bodyPr>
+          <a:lstStyle>
+            <a:defPPr>
+              <a:defRPr lang="de-DE"/>
+            </a:defPPr>
+            <a:lvl1pPr marL="0" algn="l" defTabSz="914400" rtl="0" eaLnBrk="1" latinLnBrk="0" hangingPunct="1">
+              <a:defRPr sz="1800" kern="1200">
+                <a:solidFill>
+                  <a:schemeClr val="tx1"/>
+                </a:solidFill>
+                <a:latin typeface="+mn-lt"/>
+                <a:ea typeface="+mn-ea"/>
+                <a:cs typeface="+mn-cs"/>
+              </a:defRPr>
+            </a:lvl1pPr>
+            <a:lvl2pPr marL="457200" algn="l" defTabSz="914400" rtl="0" eaLnBrk="1" latinLnBrk="0" hangingPunct="1">
+              <a:defRPr sz="1800" kern="1200">
+                <a:solidFill>
+                  <a:schemeClr val="tx1"/>
+                </a:solidFill>
+                <a:latin typeface="+mn-lt"/>
+                <a:ea typeface="+mn-ea"/>
+                <a:cs typeface="+mn-cs"/>
+              </a:defRPr>
+            </a:lvl2pPr>
+            <a:lvl3pPr marL="914400" algn="l" defTabSz="914400" rtl="0" eaLnBrk="1" latinLnBrk="0" hangingPunct="1">
+              <a:defRPr sz="1800" kern="1200">
+                <a:solidFill>
+                  <a:schemeClr val="tx1"/>
+                </a:solidFill>
+                <a:latin typeface="+mn-lt"/>
+                <a:ea typeface="+mn-ea"/>
+                <a:cs typeface="+mn-cs"/>
+              </a:defRPr>
+            </a:lvl3pPr>
+            <a:lvl4pPr marL="1371600" algn="l" defTabSz="914400" rtl="0" eaLnBrk="1" latinLnBrk="0" hangingPunct="1">
+              <a:defRPr sz="1800" kern="1200">
+                <a:solidFill>
+                  <a:schemeClr val="tx1"/>
+                </a:solidFill>
+                <a:latin typeface="+mn-lt"/>
+                <a:ea typeface="+mn-ea"/>
+                <a:cs typeface="+mn-cs"/>
+              </a:defRPr>
+            </a:lvl4pPr>
+            <a:lvl5pPr marL="1828800" algn="l" defTabSz="914400" rtl="0" eaLnBrk="1" latinLnBrk="0" hangingPunct="1">
+              <a:defRPr sz="1800" kern="1200">
+                <a:solidFill>
+                  <a:schemeClr val="tx1"/>
+                </a:solidFill>
+                <a:latin typeface="+mn-lt"/>
+                <a:ea typeface="+mn-ea"/>
+                <a:cs typeface="+mn-cs"/>
+              </a:defRPr>
+            </a:lvl5pPr>
+            <a:lvl6pPr marL="2286000" algn="l" defTabSz="914400" rtl="0" eaLnBrk="1" latinLnBrk="0" hangingPunct="1">
+              <a:defRPr sz="1800" kern="1200">
+                <a:solidFill>
+                  <a:schemeClr val="tx1"/>
+                </a:solidFill>
+                <a:latin typeface="+mn-lt"/>
+                <a:ea typeface="+mn-ea"/>
+                <a:cs typeface="+mn-cs"/>
+              </a:defRPr>
+            </a:lvl6pPr>
+            <a:lvl7pPr marL="2743200" algn="l" defTabSz="914400" rtl="0" eaLnBrk="1" latinLnBrk="0" hangingPunct="1">
+              <a:defRPr sz="1800" kern="1200">
+                <a:solidFill>
+                  <a:schemeClr val="tx1"/>
+                </a:solidFill>
+                <a:latin typeface="+mn-lt"/>
+                <a:ea typeface="+mn-ea"/>
+                <a:cs typeface="+mn-cs"/>
+              </a:defRPr>
+            </a:lvl7pPr>
+            <a:lvl8pPr marL="3200400" algn="l" defTabSz="914400" rtl="0" eaLnBrk="1" latinLnBrk="0" hangingPunct="1">
+              <a:defRPr sz="1800" kern="1200">
+                <a:solidFill>
+                  <a:schemeClr val="tx1"/>
+                </a:solidFill>
+                <a:latin typeface="+mn-lt"/>
+                <a:ea typeface="+mn-ea"/>
+                <a:cs typeface="+mn-cs"/>
+              </a:defRPr>
+            </a:lvl8pPr>
+            <a:lvl9pPr marL="3657600" algn="l" defTabSz="914400" rtl="0" eaLnBrk="1" latinLnBrk="0" hangingPunct="1">
+              <a:defRPr sz="1800" kern="1200">
+                <a:solidFill>
+                  <a:schemeClr val="tx1"/>
+                </a:solidFill>
+                <a:latin typeface="+mn-lt"/>
+                <a:ea typeface="+mn-ea"/>
+                <a:cs typeface="+mn-cs"/>
+              </a:defRPr>
+            </a:lvl9pPr>
+          </a:lstStyle>
+          <a:p>
+            <a:pPr algn="ctr" eaLnBrk="0" fontAlgn="base" hangingPunct="0">
+              <a:spcBef>
+                <a:spcPct val="0"/>
+              </a:spcBef>
+              <a:spcAft>
+                <a:spcPct val="0"/>
+              </a:spcAft>
+              <a:defRPr/>
+            </a:pPr>
+            <a:r>
+              <a:rPr lang="en-US" sz="1400" b="1" dirty="0">
+                <a:solidFill>
+                  <a:srgbClr val="000000"/>
+                </a:solidFill>
+                <a:cs typeface="Arial" charset="0"/>
+              </a:rPr>
+              <a:t>Downlink</a:t>
+            </a:r>
+            <a:br>
+              <a:rPr lang="en-US" sz="1400" b="1" dirty="0">
+                <a:solidFill>
+                  <a:srgbClr val="000000"/>
+                </a:solidFill>
+                <a:cs typeface="Arial" charset="0"/>
+              </a:rPr>
+            </a:br>
+            <a:r>
+              <a:rPr lang="en-US" sz="1400" b="1" dirty="0">
+                <a:solidFill>
+                  <a:srgbClr val="000000"/>
+                </a:solidFill>
+                <a:cs typeface="Arial" charset="0"/>
+              </a:rPr>
+              <a:t> </a:t>
+            </a:r>
+            <a:r>
+              <a:rPr lang="en-US" sz="1400" dirty="0" err="1">
+                <a:solidFill>
+                  <a:srgbClr val="000000"/>
+                </a:solidFill>
+                <a:cs typeface="Arial" panose="020B0604020202020204" pitchFamily="34" charset="0"/>
+              </a:rPr>
+              <a:t>dl_rtty</a:t>
+            </a:r>
+            <a:endParaRPr lang="en-US" sz="1400" dirty="0">
+              <a:solidFill>
+                <a:srgbClr val="000000"/>
+              </a:solidFill>
+              <a:cs typeface="Arial" panose="020B0604020202020204" pitchFamily="34" charset="0"/>
+            </a:endParaRPr>
+          </a:p>
+        </p:txBody>
+      </p:sp>
+      <p:sp>
+        <p:nvSpPr>
+          <p:cNvPr id="69" name="Rechteck 68">
+            <a:extLst>
+              <a:ext uri="{FF2B5EF4-FFF2-40B4-BE49-F238E27FC236}">
+                <a16:creationId xmlns:a16="http://schemas.microsoft.com/office/drawing/2014/main" id="{FA900A2B-37AE-4DBA-A159-62D969D9D447}"/>
+              </a:ext>
+            </a:extLst>
+          </p:cNvPr>
+          <p:cNvSpPr/>
+          <p:nvPr/>
+        </p:nvSpPr>
+        <p:spPr bwMode="auto">
+          <a:xfrm>
+            <a:off x="4630232" y="1955852"/>
+            <a:ext cx="206447" cy="214693"/>
+          </a:xfrm>
+          <a:prstGeom prst="rect">
+            <a:avLst/>
+          </a:prstGeom>
+          <a:solidFill>
+            <a:srgbClr val="FFFFFF"/>
+          </a:solidFill>
+          <a:ln w="9525" cap="flat" cmpd="sng" algn="ctr">
+            <a:solidFill>
+              <a:srgbClr val="000000"/>
+            </a:solidFill>
+            <a:prstDash val="solid"/>
+          </a:ln>
+          <a:effectLst/>
+        </p:spPr>
+        <p:txBody>
+          <a:bodyPr anchor="ctr"/>
+          <a:lstStyle>
+            <a:defPPr>
+              <a:defRPr lang="de-DE"/>
+            </a:defPPr>
+            <a:lvl1pPr marL="0" algn="l" defTabSz="914400" rtl="0" eaLnBrk="1" latinLnBrk="0" hangingPunct="1">
+              <a:defRPr sz="1800" kern="1200">
+                <a:solidFill>
+                  <a:schemeClr val="tx1"/>
+                </a:solidFill>
+                <a:latin typeface="+mn-lt"/>
+                <a:ea typeface="+mn-ea"/>
+                <a:cs typeface="+mn-cs"/>
+              </a:defRPr>
+            </a:lvl1pPr>
+            <a:lvl2pPr marL="457200" algn="l" defTabSz="914400" rtl="0" eaLnBrk="1" latinLnBrk="0" hangingPunct="1">
+              <a:defRPr sz="1800" kern="1200">
+                <a:solidFill>
+                  <a:schemeClr val="tx1"/>
+                </a:solidFill>
+                <a:latin typeface="+mn-lt"/>
+                <a:ea typeface="+mn-ea"/>
+                <a:cs typeface="+mn-cs"/>
+              </a:defRPr>
+            </a:lvl2pPr>
+            <a:lvl3pPr marL="914400" algn="l" defTabSz="914400" rtl="0" eaLnBrk="1" latinLnBrk="0" hangingPunct="1">
+              <a:defRPr sz="1800" kern="1200">
+                <a:solidFill>
+                  <a:schemeClr val="tx1"/>
+                </a:solidFill>
+                <a:latin typeface="+mn-lt"/>
+                <a:ea typeface="+mn-ea"/>
+                <a:cs typeface="+mn-cs"/>
+              </a:defRPr>
+            </a:lvl3pPr>
+            <a:lvl4pPr marL="1371600" algn="l" defTabSz="914400" rtl="0" eaLnBrk="1" latinLnBrk="0" hangingPunct="1">
+              <a:defRPr sz="1800" kern="1200">
+                <a:solidFill>
+                  <a:schemeClr val="tx1"/>
+                </a:solidFill>
+                <a:latin typeface="+mn-lt"/>
+                <a:ea typeface="+mn-ea"/>
+                <a:cs typeface="+mn-cs"/>
+              </a:defRPr>
+            </a:lvl4pPr>
+            <a:lvl5pPr marL="1828800" algn="l" defTabSz="914400" rtl="0" eaLnBrk="1" latinLnBrk="0" hangingPunct="1">
+              <a:defRPr sz="1800" kern="1200">
+                <a:solidFill>
+                  <a:schemeClr val="tx1"/>
+                </a:solidFill>
+                <a:latin typeface="+mn-lt"/>
+                <a:ea typeface="+mn-ea"/>
+                <a:cs typeface="+mn-cs"/>
+              </a:defRPr>
+            </a:lvl5pPr>
+            <a:lvl6pPr marL="2286000" algn="l" defTabSz="914400" rtl="0" eaLnBrk="1" latinLnBrk="0" hangingPunct="1">
+              <a:defRPr sz="1800" kern="1200">
+                <a:solidFill>
+                  <a:schemeClr val="tx1"/>
+                </a:solidFill>
+                <a:latin typeface="+mn-lt"/>
+                <a:ea typeface="+mn-ea"/>
+                <a:cs typeface="+mn-cs"/>
+              </a:defRPr>
+            </a:lvl6pPr>
+            <a:lvl7pPr marL="2743200" algn="l" defTabSz="914400" rtl="0" eaLnBrk="1" latinLnBrk="0" hangingPunct="1">
+              <a:defRPr sz="1800" kern="1200">
+                <a:solidFill>
+                  <a:schemeClr val="tx1"/>
+                </a:solidFill>
+                <a:latin typeface="+mn-lt"/>
+                <a:ea typeface="+mn-ea"/>
+                <a:cs typeface="+mn-cs"/>
+              </a:defRPr>
+            </a:lvl7pPr>
+            <a:lvl8pPr marL="3200400" algn="l" defTabSz="914400" rtl="0" eaLnBrk="1" latinLnBrk="0" hangingPunct="1">
+              <a:defRPr sz="1800" kern="1200">
+                <a:solidFill>
+                  <a:schemeClr val="tx1"/>
+                </a:solidFill>
+                <a:latin typeface="+mn-lt"/>
+                <a:ea typeface="+mn-ea"/>
+                <a:cs typeface="+mn-cs"/>
+              </a:defRPr>
+            </a:lvl8pPr>
+            <a:lvl9pPr marL="3657600" algn="l" defTabSz="914400" rtl="0" eaLnBrk="1" latinLnBrk="0" hangingPunct="1">
+              <a:defRPr sz="1800" kern="1200">
+                <a:solidFill>
+                  <a:schemeClr val="tx1"/>
+                </a:solidFill>
+                <a:latin typeface="+mn-lt"/>
+                <a:ea typeface="+mn-ea"/>
+                <a:cs typeface="+mn-cs"/>
+              </a:defRPr>
+            </a:lvl9pPr>
+          </a:lstStyle>
+          <a:p>
+            <a:pPr marL="0" marR="0" lvl="0" indent="0" algn="ctr" defTabSz="914400" eaLnBrk="0" fontAlgn="base" latinLnBrk="0" hangingPunct="0">
+              <a:lnSpc>
+                <a:spcPct val="100000"/>
+              </a:lnSpc>
+              <a:spcBef>
+                <a:spcPct val="0"/>
+              </a:spcBef>
+              <a:spcAft>
+                <a:spcPct val="0"/>
+              </a:spcAft>
+              <a:buClrTx/>
+              <a:buSzTx/>
+              <a:buFontTx/>
+              <a:buNone/>
+              <a:tabLst/>
+              <a:defRPr/>
+            </a:pPr>
+            <a:endParaRPr kumimoji="0" lang="en-US" sz="2800" b="0" i="0" u="none" strike="noStrike" kern="0" cap="none" spc="0" normalizeH="0" baseline="0" noProof="0" dirty="0">
+              <a:ln>
+                <a:noFill/>
+              </a:ln>
+              <a:solidFill>
+                <a:srgbClr val="000000"/>
+              </a:solidFill>
+              <a:effectLst/>
+              <a:uLnTx/>
+              <a:uFillTx/>
+              <a:latin typeface="Arial"/>
+              <a:ea typeface="+mn-ea"/>
+              <a:cs typeface="+mn-cs"/>
+            </a:endParaRPr>
+          </a:p>
+        </p:txBody>
+      </p:sp>
+      <p:cxnSp>
+        <p:nvCxnSpPr>
+          <p:cNvPr id="70" name="Gewinkelte Verbindung 50">
+            <a:extLst>
+              <a:ext uri="{FF2B5EF4-FFF2-40B4-BE49-F238E27FC236}">
+                <a16:creationId xmlns:a16="http://schemas.microsoft.com/office/drawing/2014/main" id="{F676DF29-1768-4FD5-BB38-194B001F9E95}"/>
+              </a:ext>
+            </a:extLst>
+          </p:cNvPr>
+          <p:cNvCxnSpPr>
+            <a:cxnSpLocks/>
+            <a:stCxn id="57" idx="1"/>
+            <a:endCxn id="69" idx="3"/>
+          </p:cNvCxnSpPr>
+          <p:nvPr/>
+        </p:nvCxnSpPr>
+        <p:spPr>
+          <a:xfrm flipH="1">
+            <a:off x="4836679" y="2063199"/>
+            <a:ext cx="614303" cy="0"/>
+          </a:xfrm>
+          <a:prstGeom prst="straightConnector1">
+            <a:avLst/>
+          </a:prstGeom>
+          <a:noFill/>
+          <a:ln w="9525" cap="flat" cmpd="sng" algn="ctr">
+            <a:solidFill>
+              <a:srgbClr val="000000"/>
+            </a:solidFill>
+            <a:prstDash val="solid"/>
+            <a:headEnd type="none" w="med" len="med"/>
+            <a:tailEnd type="triangle" w="med" len="med"/>
+          </a:ln>
+          <a:effectLst/>
+        </p:spPr>
+      </p:cxnSp>
+      <p:sp>
+        <p:nvSpPr>
+          <p:cNvPr id="3" name="Freihandform: Form 2">
+            <a:extLst>
+              <a:ext uri="{FF2B5EF4-FFF2-40B4-BE49-F238E27FC236}">
+                <a16:creationId xmlns:a16="http://schemas.microsoft.com/office/drawing/2014/main" id="{795EA0C4-FD7A-46F4-B688-8654666CFE5F}"/>
+              </a:ext>
+            </a:extLst>
+          </p:cNvPr>
+          <p:cNvSpPr/>
+          <p:nvPr/>
+        </p:nvSpPr>
+        <p:spPr bwMode="auto">
+          <a:xfrm>
+            <a:off x="1168400" y="2458720"/>
+            <a:ext cx="2834640" cy="843280"/>
           </a:xfrm>
           <a:custGeom>
             <a:avLst/>
             <a:gdLst>
-              <a:gd name="connsiteX0" fmla="*/ 443125 w 443125"/>
-              <a:gd name="connsiteY0" fmla="*/ 171450 h 229051"/>
-              <a:gd name="connsiteX1" fmla="*/ 52600 w 443125"/>
-              <a:gd name="connsiteY1" fmla="*/ 219075 h 229051"/>
-              <a:gd name="connsiteX2" fmla="*/ 14500 w 443125"/>
-              <a:gd name="connsiteY2" fmla="*/ 0 h 229051"/>
+              <a:gd name="connsiteX0" fmla="*/ 0 w 2834640"/>
+              <a:gd name="connsiteY0" fmla="*/ 843280 h 843280"/>
+              <a:gd name="connsiteX1" fmla="*/ 1635760 w 2834640"/>
+              <a:gd name="connsiteY1" fmla="*/ 457200 h 843280"/>
+              <a:gd name="connsiteX2" fmla="*/ 2834640 w 2834640"/>
+              <a:gd name="connsiteY2" fmla="*/ 0 h 843280"/>
             </a:gdLst>
             <a:ahLst/>
             <a:cxnLst>
@@ -34297,19 +34893,19 @@
             </a:cxnLst>
             <a:rect l="l" t="t" r="r" b="b"/>
             <a:pathLst>
-              <a:path w="443125" h="229051">
+              <a:path w="2834640" h="843280">
                 <a:moveTo>
-                  <a:pt x="443125" y="171450"/>
+                  <a:pt x="0" y="843280"/>
                 </a:moveTo>
                 <a:cubicBezTo>
-                  <a:pt x="283581" y="209550"/>
-                  <a:pt x="124037" y="247650"/>
-                  <a:pt x="52600" y="219075"/>
+                  <a:pt x="581660" y="720513"/>
+                  <a:pt x="1163320" y="597747"/>
+                  <a:pt x="1635760" y="457200"/>
                 </a:cubicBezTo>
                 <a:cubicBezTo>
-                  <a:pt x="-18838" y="190500"/>
-                  <a:pt x="-2169" y="95250"/>
-                  <a:pt x="14500" y="0"/>
+                  <a:pt x="2108200" y="316653"/>
+                  <a:pt x="2471420" y="158326"/>
+                  <a:pt x="2834640" y="0"/>
                 </a:cubicBezTo>
               </a:path>
             </a:pathLst>
@@ -34324,104 +34920,19 @@
             <a:tailEnd type="arrow" w="med" len="med"/>
           </a:ln>
           <a:effectLst/>
+          <a:extLst>
+            <a:ext uri="{909E8E84-426E-40DD-AFC4-6F175D3DCCD1}">
+              <a14:hiddenFill xmlns:a14="http://schemas.microsoft.com/office/drawing/2010/main">
+                <a:solidFill>
+                  <a:srgbClr val="FFFFFF"/>
+                </a:solidFill>
+              </a14:hiddenFill>
+            </a:ext>
+          </a:extLst>
         </p:spPr>
         <p:txBody>
           <a:bodyPr anchor="ctr"/>
-          <a:lstStyle>
-            <a:defPPr>
-              <a:defRPr lang="de-DE"/>
-            </a:defPPr>
-            <a:lvl1pPr marL="0" algn="l" defTabSz="914400" rtl="0" eaLnBrk="1" latinLnBrk="0" hangingPunct="1">
-              <a:defRPr sz="1800" kern="1200">
-                <a:solidFill>
-                  <a:schemeClr val="tx1"/>
-                </a:solidFill>
-                <a:latin typeface="+mn-lt"/>
-                <a:ea typeface="+mn-ea"/>
-                <a:cs typeface="+mn-cs"/>
-              </a:defRPr>
-            </a:lvl1pPr>
-            <a:lvl2pPr marL="457200" algn="l" defTabSz="914400" rtl="0" eaLnBrk="1" latinLnBrk="0" hangingPunct="1">
-              <a:defRPr sz="1800" kern="1200">
-                <a:solidFill>
-                  <a:schemeClr val="tx1"/>
-                </a:solidFill>
-                <a:latin typeface="+mn-lt"/>
-                <a:ea typeface="+mn-ea"/>
-                <a:cs typeface="+mn-cs"/>
-              </a:defRPr>
-            </a:lvl2pPr>
-            <a:lvl3pPr marL="914400" algn="l" defTabSz="914400" rtl="0" eaLnBrk="1" latinLnBrk="0" hangingPunct="1">
-              <a:defRPr sz="1800" kern="1200">
-                <a:solidFill>
-                  <a:schemeClr val="tx1"/>
-                </a:solidFill>
-                <a:latin typeface="+mn-lt"/>
-                <a:ea typeface="+mn-ea"/>
-                <a:cs typeface="+mn-cs"/>
-              </a:defRPr>
-            </a:lvl3pPr>
-            <a:lvl4pPr marL="1371600" algn="l" defTabSz="914400" rtl="0" eaLnBrk="1" latinLnBrk="0" hangingPunct="1">
-              <a:defRPr sz="1800" kern="1200">
-                <a:solidFill>
-                  <a:schemeClr val="tx1"/>
-                </a:solidFill>
-                <a:latin typeface="+mn-lt"/>
-                <a:ea typeface="+mn-ea"/>
-                <a:cs typeface="+mn-cs"/>
-              </a:defRPr>
-            </a:lvl4pPr>
-            <a:lvl5pPr marL="1828800" algn="l" defTabSz="914400" rtl="0" eaLnBrk="1" latinLnBrk="0" hangingPunct="1">
-              <a:defRPr sz="1800" kern="1200">
-                <a:solidFill>
-                  <a:schemeClr val="tx1"/>
-                </a:solidFill>
-                <a:latin typeface="+mn-lt"/>
-                <a:ea typeface="+mn-ea"/>
-                <a:cs typeface="+mn-cs"/>
-              </a:defRPr>
-            </a:lvl5pPr>
-            <a:lvl6pPr marL="2286000" algn="l" defTabSz="914400" rtl="0" eaLnBrk="1" latinLnBrk="0" hangingPunct="1">
-              <a:defRPr sz="1800" kern="1200">
-                <a:solidFill>
-                  <a:schemeClr val="tx1"/>
-                </a:solidFill>
-                <a:latin typeface="+mn-lt"/>
-                <a:ea typeface="+mn-ea"/>
-                <a:cs typeface="+mn-cs"/>
-              </a:defRPr>
-            </a:lvl6pPr>
-            <a:lvl7pPr marL="2743200" algn="l" defTabSz="914400" rtl="0" eaLnBrk="1" latinLnBrk="0" hangingPunct="1">
-              <a:defRPr sz="1800" kern="1200">
-                <a:solidFill>
-                  <a:schemeClr val="tx1"/>
-                </a:solidFill>
-                <a:latin typeface="+mn-lt"/>
-                <a:ea typeface="+mn-ea"/>
-                <a:cs typeface="+mn-cs"/>
-              </a:defRPr>
-            </a:lvl7pPr>
-            <a:lvl8pPr marL="3200400" algn="l" defTabSz="914400" rtl="0" eaLnBrk="1" latinLnBrk="0" hangingPunct="1">
-              <a:defRPr sz="1800" kern="1200">
-                <a:solidFill>
-                  <a:schemeClr val="tx1"/>
-                </a:solidFill>
-                <a:latin typeface="+mn-lt"/>
-                <a:ea typeface="+mn-ea"/>
-                <a:cs typeface="+mn-cs"/>
-              </a:defRPr>
-            </a:lvl8pPr>
-            <a:lvl9pPr marL="3657600" algn="l" defTabSz="914400" rtl="0" eaLnBrk="1" latinLnBrk="0" hangingPunct="1">
-              <a:defRPr sz="1800" kern="1200">
-                <a:solidFill>
-                  <a:schemeClr val="tx1"/>
-                </a:solidFill>
-                <a:latin typeface="+mn-lt"/>
-                <a:ea typeface="+mn-ea"/>
-                <a:cs typeface="+mn-cs"/>
-              </a:defRPr>
-            </a:lvl9pPr>
-          </a:lstStyle>
+          <a:lstStyle/>
           <a:p>
             <a:pPr algn="ctr" eaLnBrk="0" fontAlgn="base" hangingPunct="0">
               <a:spcBef>
@@ -34475,7 +34986,7 @@
           <p:cNvPr id="2" name="Titel 1">
             <a:extLst>
               <a:ext uri="{FF2B5EF4-FFF2-40B4-BE49-F238E27FC236}">
-                <a16:creationId xmlns:a16="http://schemas.microsoft.com/office/drawing/2014/main" id="{62D950C9-4666-44EC-AC5E-89F87CBDEB6E}"/>
+                <a16:creationId xmlns:a16="http://schemas.microsoft.com/office/drawing/2014/main" id="{E6AE6597-8B47-4F6D-9307-C3D5AF17552A}"/>
               </a:ext>
             </a:extLst>
           </p:cNvPr>
@@ -34492,17 +35003,10 @@
           <a:lstStyle/>
           <a:p>
             <a:r>
-              <a:rPr lang="de-DE" dirty="0" err="1"/>
-              <a:t>LoRaWAN</a:t>
+              <a:rPr lang="de-DE" dirty="0"/>
+              <a:t>Kameras</a:t>
             </a:r>
-            <a:r>
-              <a:rPr lang="de-DE" dirty="0"/>
-              <a:t> - </a:t>
-            </a:r>
-            <a:r>
-              <a:rPr lang="en-US" dirty="0"/>
-              <a:t>Long Range Wide Area Network</a:t>
-            </a:r>
+            <a:endParaRPr lang="en-US" dirty="0"/>
           </a:p>
         </p:txBody>
       </p:sp>
@@ -34511,7 +35015,7 @@
           <p:cNvPr id="3" name="Inhaltsplatzhalter 2">
             <a:extLst>
               <a:ext uri="{FF2B5EF4-FFF2-40B4-BE49-F238E27FC236}">
-                <a16:creationId xmlns:a16="http://schemas.microsoft.com/office/drawing/2014/main" id="{CBE2AD37-B062-4F97-86B3-FB465BF19EF6}"/>
+                <a16:creationId xmlns:a16="http://schemas.microsoft.com/office/drawing/2014/main" id="{C521FA37-006D-4E57-B4D5-833018D3FFB4}"/>
               </a:ext>
             </a:extLst>
           </p:cNvPr>
@@ -34524,8 +35028,8 @@
         </p:nvSpPr>
         <p:spPr>
           <a:xfrm>
-            <a:off x="763200" y="1772816"/>
-            <a:ext cx="6617112" cy="4933984"/>
+            <a:off x="661868" y="1628800"/>
+            <a:ext cx="8229600" cy="5410800"/>
           </a:xfrm>
         </p:spPr>
         <p:txBody>
@@ -34534,143 +35038,126 @@
           <a:p>
             <a:r>
               <a:rPr lang="de-DE" dirty="0"/>
-              <a:t>Frei verfügbare Spezifikation</a:t>
+              <a:t>1x GoPro</a:t>
             </a:r>
+          </a:p>
+          <a:p>
+            <a:pPr lvl="1"/>
+            <a:r>
+              <a:rPr lang="de-DE" dirty="0"/>
+              <a:t>Video: </a:t>
+            </a:r>
+            <a:r>
+              <a:rPr lang="de-DE" dirty="0" err="1"/>
+              <a:t>FullHD</a:t>
+            </a:r>
+            <a:r>
+              <a:rPr lang="de-DE" dirty="0"/>
+              <a:t> @ 40MBit/s</a:t>
+            </a:r>
+          </a:p>
+          <a:p>
+            <a:pPr lvl="1"/>
+            <a:r>
+              <a:rPr lang="de-DE" dirty="0"/>
+              <a:t>~30 Bilder/s</a:t>
+            </a:r>
+          </a:p>
+          <a:p>
+            <a:pPr lvl="1"/>
+            <a:endParaRPr lang="de-DE" dirty="0"/>
+          </a:p>
+          <a:p>
+            <a:pPr lvl="1"/>
+            <a:endParaRPr lang="de-DE" dirty="0"/>
+          </a:p>
+          <a:p>
+            <a:pPr marL="457200" lvl="1" indent="0">
+              <a:buNone/>
+            </a:pPr>
+            <a:endParaRPr lang="de-DE" dirty="0"/>
           </a:p>
           <a:p>
             <a:r>
               <a:rPr lang="de-DE" dirty="0"/>
-              <a:t>Nutzt proprietäre Modulationstechnik </a:t>
+              <a:t>2x </a:t>
             </a:r>
             <a:r>
-              <a:rPr lang="de-DE" dirty="0" err="1">
-                <a:solidFill>
-                  <a:srgbClr val="00549F"/>
-                </a:solidFill>
-                <a:latin typeface="+mj-lt"/>
-                <a:ea typeface="+mj-ea"/>
-                <a:cs typeface="+mj-cs"/>
-              </a:rPr>
-              <a:t>LoRa</a:t>
+              <a:rPr lang="de-DE" dirty="0" err="1"/>
+              <a:t>PiCam</a:t>
             </a:r>
-            <a:endParaRPr lang="de-DE" dirty="0">
-              <a:solidFill>
-                <a:srgbClr val="00549F"/>
-              </a:solidFill>
-              <a:latin typeface="+mj-lt"/>
-              <a:ea typeface="+mj-ea"/>
-              <a:cs typeface="+mj-cs"/>
-            </a:endParaRPr>
+            <a:endParaRPr lang="de-DE" dirty="0"/>
           </a:p>
           <a:p>
+            <a:pPr lvl="1"/>
             <a:r>
-              <a:rPr lang="de-DE" dirty="0">
-                <a:latin typeface="+mj-lt"/>
-                <a:ea typeface="+mj-ea"/>
-                <a:cs typeface="+mj-cs"/>
-              </a:rPr>
-              <a:t>Für energieeffiziente </a:t>
+              <a:rPr lang="en-US" dirty="0" err="1"/>
+              <a:t>Bilder</a:t>
             </a:r>
             <a:r>
-              <a:rPr lang="de-DE" dirty="0" err="1">
-                <a:latin typeface="+mj-lt"/>
-                <a:ea typeface="+mj-ea"/>
-                <a:cs typeface="+mj-cs"/>
-              </a:rPr>
-              <a:t>IoT</a:t>
-            </a:r>
-            <a:r>
-              <a:rPr lang="de-DE" dirty="0">
-                <a:latin typeface="+mj-lt"/>
-                <a:ea typeface="+mj-ea"/>
-                <a:cs typeface="+mj-cs"/>
-              </a:rPr>
-              <a:t> Geräte ausgerichtet</a:t>
+              <a:rPr lang="en-US" dirty="0"/>
+              <a:t>: 2592x1944</a:t>
             </a:r>
           </a:p>
           <a:p>
-            <a:r>
-              <a:rPr lang="de-DE" dirty="0">
-                <a:latin typeface="+mj-lt"/>
-                <a:ea typeface="+mj-ea"/>
-                <a:cs typeface="+mj-cs"/>
-              </a:rPr>
-              <a:t>Hohe Reichweiten: </a:t>
-            </a:r>
-            <a:r>
-              <a:rPr lang="de-DE" dirty="0">
-                <a:solidFill>
-                  <a:srgbClr val="00549F"/>
-                </a:solidFill>
-                <a:latin typeface="+mj-lt"/>
-                <a:ea typeface="+mj-ea"/>
-                <a:cs typeface="+mj-cs"/>
-              </a:rPr>
-              <a:t>&gt;10km</a:t>
-            </a:r>
-          </a:p>
-          <a:p>
-            <a:r>
-              <a:rPr lang="de-DE" dirty="0">
-                <a:latin typeface="+mj-lt"/>
-                <a:ea typeface="+mj-ea"/>
-                <a:cs typeface="+mj-cs"/>
-              </a:rPr>
-              <a:t>Übertragung: </a:t>
-            </a:r>
-            <a:r>
-              <a:rPr lang="de-DE" dirty="0">
-                <a:solidFill>
-                  <a:srgbClr val="00549F"/>
-                </a:solidFill>
-                <a:latin typeface="+mj-lt"/>
-                <a:ea typeface="+mj-ea"/>
-                <a:cs typeface="+mj-cs"/>
-              </a:rPr>
-              <a:t>300Bit/s – 50KBit/s</a:t>
-            </a:r>
-          </a:p>
-          <a:p>
+            <a:pPr lvl="1"/>
             <a:r>
               <a:rPr lang="de-DE" dirty="0"/>
-              <a:t>Keine </a:t>
+              <a:t>Video: </a:t>
             </a:r>
             <a:r>
               <a:rPr lang="de-DE" dirty="0" err="1"/>
-              <a:t>Funkerlizenz</a:t>
+              <a:t>FullHD</a:t>
             </a:r>
             <a:r>
               <a:rPr lang="de-DE" dirty="0"/>
-              <a:t> nötig auf </a:t>
+              <a:t> @ 20MBit/s</a:t>
             </a:r>
-            <a:r>
-              <a:rPr lang="de-DE" dirty="0">
-                <a:solidFill>
-                  <a:srgbClr val="00549F"/>
-                </a:solidFill>
-                <a:latin typeface="+mj-lt"/>
-                <a:ea typeface="+mj-ea"/>
-                <a:cs typeface="+mj-cs"/>
-              </a:rPr>
-              <a:t>433 MHz</a:t>
-            </a:r>
-            <a:endParaRPr lang="en-US" dirty="0">
-              <a:solidFill>
-                <a:srgbClr val="00549F"/>
-              </a:solidFill>
-              <a:latin typeface="+mj-lt"/>
-              <a:ea typeface="+mj-ea"/>
-              <a:cs typeface="+mj-cs"/>
-            </a:endParaRPr>
+            <a:endParaRPr lang="en-US" dirty="0"/>
           </a:p>
         </p:txBody>
       </p:sp>
       <p:pic>
         <p:nvPicPr>
-          <p:cNvPr id="5" name="Grafik 4">
+          <p:cNvPr id="7" name="Grafik 6">
             <a:extLst>
               <a:ext uri="{FF2B5EF4-FFF2-40B4-BE49-F238E27FC236}">
-                <a16:creationId xmlns:a16="http://schemas.microsoft.com/office/drawing/2014/main" id="{DF0605F5-C041-4A70-834A-039DDE4BEB6E}"/>
+                <a16:creationId xmlns:a16="http://schemas.microsoft.com/office/drawing/2014/main" id="{850FB6FA-B0EA-4261-8377-E914E850FA06}"/>
+              </a:ext>
+            </a:extLst>
+          </p:cNvPr>
+          <p:cNvPicPr>
+            <a:picLocks noChangeAspect="1"/>
+          </p:cNvPicPr>
+          <p:nvPr/>
+        </p:nvPicPr>
+        <p:blipFill rotWithShape="1">
+          <a:blip r:embed="rId2" cstate="print">
+            <a:extLst>
+              <a:ext uri="{28A0092B-C50C-407E-A947-70E740481C1C}">
+                <a14:useLocalDpi xmlns:a14="http://schemas.microsoft.com/office/drawing/2010/main" val="0"/>
+              </a:ext>
+            </a:extLst>
+          </a:blip>
+          <a:srcRect t="32128" b="33067"/>
+          <a:stretch/>
+        </p:blipFill>
+        <p:spPr>
+          <a:xfrm>
+            <a:off x="5531" y="2080896"/>
+            <a:ext cx="1125049" cy="391587"/>
+          </a:xfrm>
+          <a:prstGeom prst="rect">
+            <a:avLst/>
+          </a:prstGeom>
+        </p:spPr>
+      </p:pic>
+      <p:pic>
+        <p:nvPicPr>
+          <p:cNvPr id="9" name="Grafik 8">
+            <a:extLst>
+              <a:ext uri="{FF2B5EF4-FFF2-40B4-BE49-F238E27FC236}">
+                <a16:creationId xmlns:a16="http://schemas.microsoft.com/office/drawing/2014/main" id="{464A6739-5AFB-469C-AC04-740D15BBC2BD}"/>
               </a:ext>
             </a:extLst>
           </p:cNvPr>
@@ -34680,7 +35167,7 @@
           <p:nvPr/>
         </p:nvPicPr>
         <p:blipFill>
-          <a:blip r:embed="rId2" cstate="print">
+          <a:blip r:embed="rId3" cstate="print">
             <a:extLst>
               <a:ext uri="{28A0092B-C50C-407E-A947-70E740481C1C}">
                 <a14:useLocalDpi xmlns:a14="http://schemas.microsoft.com/office/drawing/2010/main" val="0"/>
@@ -34693,8 +35180,79 @@
         </p:blipFill>
         <p:spPr>
           <a:xfrm>
-            <a:off x="6616531" y="1423485"/>
-            <a:ext cx="2419469" cy="1512168"/>
+            <a:off x="357219" y="4298105"/>
+            <a:ext cx="609298" cy="720080"/>
+          </a:xfrm>
+          <a:prstGeom prst="rect">
+            <a:avLst/>
+          </a:prstGeom>
+        </p:spPr>
+      </p:pic>
+      <p:pic>
+        <p:nvPicPr>
+          <p:cNvPr id="11" name="Grafik 10">
+            <a:extLst>
+              <a:ext uri="{FF2B5EF4-FFF2-40B4-BE49-F238E27FC236}">
+                <a16:creationId xmlns:a16="http://schemas.microsoft.com/office/drawing/2014/main" id="{F09F05A7-D253-46B9-9522-9483CB888581}"/>
+              </a:ext>
+            </a:extLst>
+          </p:cNvPr>
+          <p:cNvPicPr>
+            <a:picLocks noChangeAspect="1"/>
+          </p:cNvPicPr>
+          <p:nvPr/>
+        </p:nvPicPr>
+        <p:blipFill>
+          <a:blip r:embed="rId4" cstate="print">
+            <a:extLst>
+              <a:ext uri="{28A0092B-C50C-407E-A947-70E740481C1C}">
+                <a14:useLocalDpi xmlns:a14="http://schemas.microsoft.com/office/drawing/2010/main" val="0"/>
+              </a:ext>
+            </a:extLst>
+          </a:blip>
+          <a:stretch>
+            <a:fillRect/>
+          </a:stretch>
+        </p:blipFill>
+        <p:spPr>
+          <a:xfrm>
+            <a:off x="5293271" y="3761800"/>
+            <a:ext cx="3311872" cy="1862928"/>
+          </a:xfrm>
+          <a:prstGeom prst="rect">
+            <a:avLst/>
+          </a:prstGeom>
+        </p:spPr>
+      </p:pic>
+      <p:pic>
+        <p:nvPicPr>
+          <p:cNvPr id="13" name="Grafik 12">
+            <a:extLst>
+              <a:ext uri="{FF2B5EF4-FFF2-40B4-BE49-F238E27FC236}">
+                <a16:creationId xmlns:a16="http://schemas.microsoft.com/office/drawing/2014/main" id="{1D85F6A4-8011-4683-8038-ADA2D8124504}"/>
+              </a:ext>
+            </a:extLst>
+          </p:cNvPr>
+          <p:cNvPicPr>
+            <a:picLocks noChangeAspect="1"/>
+          </p:cNvPicPr>
+          <p:nvPr/>
+        </p:nvPicPr>
+        <p:blipFill rotWithShape="1">
+          <a:blip r:embed="rId5" cstate="print">
+            <a:extLst>
+              <a:ext uri="{28A0092B-C50C-407E-A947-70E740481C1C}">
+                <a14:useLocalDpi xmlns:a14="http://schemas.microsoft.com/office/drawing/2010/main" val="0"/>
+              </a:ext>
+            </a:extLst>
+          </a:blip>
+          <a:srcRect l="13695" t="3464" r="9571" b="22384"/>
+          <a:stretch/>
+        </p:blipFill>
+        <p:spPr>
+          <a:xfrm>
+            <a:off x="5293271" y="1628800"/>
+            <a:ext cx="3311872" cy="1800200"/>
           </a:xfrm>
           <a:prstGeom prst="rect">
             <a:avLst/>
@@ -34704,7 +35262,7 @@
     </p:spTree>
     <p:extLst>
       <p:ext uri="{BB962C8B-B14F-4D97-AF65-F5344CB8AC3E}">
-        <p14:creationId xmlns:p14="http://schemas.microsoft.com/office/powerpoint/2010/main" val="3562721888"/>
+        <p14:creationId xmlns:p14="http://schemas.microsoft.com/office/powerpoint/2010/main" val="2146591326"/>
       </p:ext>
     </p:extLst>
   </p:cSld>

--- a/präsentation/projekt_wetterballon.pptx
+++ b/präsentation/projekt_wetterballon.pptx
@@ -3103,7 +3103,7 @@
           <a:p>
             <a:r>
               <a:rPr lang="de-DE" dirty="0"/>
-              <a:t>RTTY – </a:t>
+              <a:t>RTTY - </a:t>
             </a:r>
             <a:r>
               <a:rPr lang="en-US" dirty="0"/>
@@ -3425,7 +3425,7 @@
             <a:pPr lvl="1"/>
             <a:r>
               <a:rPr lang="de-DE" dirty="0"/>
-              <a:t>rapsi_1 sammelt und kodiert Daten</a:t>
+              <a:t>raspi_1 sammelt und kodiert Daten</a:t>
             </a:r>
           </a:p>
           <a:p>
@@ -4432,8 +4432,8 @@
         </p:nvSpPr>
         <p:spPr>
           <a:xfrm>
-            <a:off x="763200" y="1772816"/>
-            <a:ext cx="4240848" cy="4933984"/>
+            <a:off x="683568" y="1671650"/>
+            <a:ext cx="4240848" cy="3514700"/>
           </a:xfrm>
         </p:spPr>
         <p:txBody>
